--- a/Dokumentumok/Prezentacio.pptx
+++ b/Dokumentumok/Prezentacio.pptx
@@ -7,12 +7,13 @@
   <p:sldIdLst>
     <p:sldId id="256" r:id="rId2"/>
     <p:sldId id="257" r:id="rId3"/>
-    <p:sldId id="258" r:id="rId4"/>
-    <p:sldId id="260" r:id="rId5"/>
-    <p:sldId id="261" r:id="rId6"/>
-    <p:sldId id="262" r:id="rId7"/>
-    <p:sldId id="264" r:id="rId8"/>
-    <p:sldId id="265" r:id="rId9"/>
+    <p:sldId id="260" r:id="rId4"/>
+    <p:sldId id="261" r:id="rId5"/>
+    <p:sldId id="262" r:id="rId6"/>
+    <p:sldId id="264" r:id="rId7"/>
+    <p:sldId id="265" r:id="rId8"/>
+    <p:sldId id="266" r:id="rId9"/>
+    <p:sldId id="267" r:id="rId10"/>
   </p:sldIdLst>
   <p:sldSz cx="12192000" cy="6858000"/>
   <p:notesSz cx="6858000" cy="9144000"/>
@@ -3179,6 +3180,788 @@
     <dgm:fillClrLst meth="repeat">
       <a:schemeClr val="accent2">
         <a:tint val="60000"/>
+      </a:schemeClr>
+    </dgm:fillClrLst>
+    <dgm:linClrLst meth="repeat">
+      <a:schemeClr val="lt1"/>
+    </dgm:linClrLst>
+    <dgm:effectClrLst/>
+    <dgm:txLinClrLst/>
+    <dgm:txFillClrLst meth="repeat">
+      <a:schemeClr val="dk1"/>
+    </dgm:txFillClrLst>
+    <dgm:txEffectClrLst/>
+  </dgm:styleLbl>
+  <dgm:styleLbl name="revTx">
+    <dgm:fillClrLst meth="repeat">
+      <a:schemeClr val="lt1">
+        <a:alpha val="0"/>
+      </a:schemeClr>
+    </dgm:fillClrLst>
+    <dgm:linClrLst meth="repeat">
+      <a:schemeClr val="dk1">
+        <a:alpha val="0"/>
+      </a:schemeClr>
+    </dgm:linClrLst>
+    <dgm:effectClrLst/>
+    <dgm:txLinClrLst/>
+    <dgm:txFillClrLst meth="repeat">
+      <a:schemeClr val="tx1"/>
+    </dgm:txFillClrLst>
+    <dgm:txEffectClrLst/>
+  </dgm:styleLbl>
+</dgm:colorsDef>
+</file>
+
+<file path=ppt/diagrams/colors5.xml><?xml version="1.0" encoding="utf-8"?>
+<dgm:colorsDef xmlns:dgm="http://schemas.openxmlformats.org/drawingml/2006/diagram" xmlns:a="http://schemas.openxmlformats.org/drawingml/2006/main" uniqueId="urn:microsoft.com/office/officeart/2005/8/colors/colorful2">
+  <dgm:title val=""/>
+  <dgm:desc val=""/>
+  <dgm:catLst>
+    <dgm:cat type="colorful" pri="10200"/>
+  </dgm:catLst>
+  <dgm:styleLbl name="node0">
+    <dgm:fillClrLst meth="repeat">
+      <a:schemeClr val="accent1"/>
+    </dgm:fillClrLst>
+    <dgm:linClrLst meth="repeat">
+      <a:schemeClr val="lt1"/>
+    </dgm:linClrLst>
+    <dgm:effectClrLst/>
+    <dgm:txLinClrLst/>
+    <dgm:txFillClrLst/>
+    <dgm:txEffectClrLst/>
+  </dgm:styleLbl>
+  <dgm:styleLbl name="node1">
+    <dgm:fillClrLst>
+      <a:schemeClr val="accent2"/>
+      <a:schemeClr val="accent3"/>
+    </dgm:fillClrLst>
+    <dgm:linClrLst meth="repeat">
+      <a:schemeClr val="lt1"/>
+    </dgm:linClrLst>
+    <dgm:effectClrLst/>
+    <dgm:txLinClrLst/>
+    <dgm:txFillClrLst/>
+    <dgm:txEffectClrLst/>
+  </dgm:styleLbl>
+  <dgm:styleLbl name="alignNode1">
+    <dgm:fillClrLst>
+      <a:schemeClr val="accent2"/>
+      <a:schemeClr val="accent3"/>
+    </dgm:fillClrLst>
+    <dgm:linClrLst>
+      <a:schemeClr val="accent2"/>
+      <a:schemeClr val="accent3"/>
+    </dgm:linClrLst>
+    <dgm:effectClrLst/>
+    <dgm:txLinClrLst/>
+    <dgm:txFillClrLst/>
+    <dgm:txEffectClrLst/>
+  </dgm:styleLbl>
+  <dgm:styleLbl name="lnNode1">
+    <dgm:fillClrLst>
+      <a:schemeClr val="accent2"/>
+      <a:schemeClr val="accent3"/>
+    </dgm:fillClrLst>
+    <dgm:linClrLst meth="repeat">
+      <a:schemeClr val="lt1"/>
+    </dgm:linClrLst>
+    <dgm:effectClrLst/>
+    <dgm:txLinClrLst/>
+    <dgm:txFillClrLst/>
+    <dgm:txEffectClrLst/>
+  </dgm:styleLbl>
+  <dgm:styleLbl name="vennNode1">
+    <dgm:fillClrLst>
+      <a:schemeClr val="accent2">
+        <a:alpha val="50000"/>
+      </a:schemeClr>
+      <a:schemeClr val="accent3">
+        <a:alpha val="50000"/>
+      </a:schemeClr>
+    </dgm:fillClrLst>
+    <dgm:linClrLst meth="repeat">
+      <a:schemeClr val="lt1"/>
+    </dgm:linClrLst>
+    <dgm:effectClrLst/>
+    <dgm:txLinClrLst/>
+    <dgm:txFillClrLst/>
+    <dgm:txEffectClrLst/>
+  </dgm:styleLbl>
+  <dgm:styleLbl name="node2">
+    <dgm:fillClrLst>
+      <a:schemeClr val="accent3"/>
+    </dgm:fillClrLst>
+    <dgm:linClrLst meth="repeat">
+      <a:schemeClr val="lt1"/>
+    </dgm:linClrLst>
+    <dgm:effectClrLst/>
+    <dgm:txLinClrLst/>
+    <dgm:txFillClrLst/>
+    <dgm:txEffectClrLst/>
+  </dgm:styleLbl>
+  <dgm:styleLbl name="node3">
+    <dgm:fillClrLst>
+      <a:schemeClr val="accent4"/>
+    </dgm:fillClrLst>
+    <dgm:linClrLst meth="repeat">
+      <a:schemeClr val="lt1"/>
+    </dgm:linClrLst>
+    <dgm:effectClrLst/>
+    <dgm:txLinClrLst/>
+    <dgm:txFillClrLst/>
+    <dgm:txEffectClrLst/>
+  </dgm:styleLbl>
+  <dgm:styleLbl name="node4">
+    <dgm:fillClrLst>
+      <a:schemeClr val="accent5"/>
+    </dgm:fillClrLst>
+    <dgm:linClrLst meth="repeat">
+      <a:schemeClr val="lt1"/>
+    </dgm:linClrLst>
+    <dgm:effectClrLst/>
+    <dgm:txLinClrLst/>
+    <dgm:txFillClrLst/>
+    <dgm:txEffectClrLst/>
+  </dgm:styleLbl>
+  <dgm:styleLbl name="fgImgPlace1">
+    <dgm:fillClrLst>
+      <a:schemeClr val="accent2">
+        <a:tint val="50000"/>
+      </a:schemeClr>
+      <a:schemeClr val="accent3">
+        <a:tint val="50000"/>
+      </a:schemeClr>
+    </dgm:fillClrLst>
+    <dgm:linClrLst meth="repeat">
+      <a:schemeClr val="lt1"/>
+    </dgm:linClrLst>
+    <dgm:effectClrLst/>
+    <dgm:txLinClrLst/>
+    <dgm:txFillClrLst meth="repeat">
+      <a:schemeClr val="lt1"/>
+    </dgm:txFillClrLst>
+    <dgm:txEffectClrLst/>
+  </dgm:styleLbl>
+  <dgm:styleLbl name="alignImgPlace1">
+    <dgm:fillClrLst>
+      <a:schemeClr val="accent2">
+        <a:tint val="50000"/>
+      </a:schemeClr>
+      <a:schemeClr val="accent3">
+        <a:tint val="20000"/>
+      </a:schemeClr>
+    </dgm:fillClrLst>
+    <dgm:linClrLst meth="repeat">
+      <a:schemeClr val="lt1"/>
+    </dgm:linClrLst>
+    <dgm:effectClrLst/>
+    <dgm:txLinClrLst/>
+    <dgm:txFillClrLst meth="repeat">
+      <a:schemeClr val="lt1"/>
+    </dgm:txFillClrLst>
+    <dgm:txEffectClrLst/>
+  </dgm:styleLbl>
+  <dgm:styleLbl name="bgImgPlace1">
+    <dgm:fillClrLst>
+      <a:schemeClr val="accent2">
+        <a:tint val="50000"/>
+      </a:schemeClr>
+      <a:schemeClr val="accent3">
+        <a:tint val="20000"/>
+      </a:schemeClr>
+    </dgm:fillClrLst>
+    <dgm:linClrLst meth="repeat">
+      <a:schemeClr val="lt1"/>
+    </dgm:linClrLst>
+    <dgm:effectClrLst/>
+    <dgm:txLinClrLst/>
+    <dgm:txFillClrLst meth="repeat">
+      <a:schemeClr val="lt1"/>
+    </dgm:txFillClrLst>
+    <dgm:txEffectClrLst/>
+  </dgm:styleLbl>
+  <dgm:styleLbl name="sibTrans2D1">
+    <dgm:fillClrLst>
+      <a:schemeClr val="accent2"/>
+      <a:schemeClr val="accent3"/>
+    </dgm:fillClrLst>
+    <dgm:linClrLst meth="repeat">
+      <a:schemeClr val="lt1"/>
+    </dgm:linClrLst>
+    <dgm:effectClrLst/>
+    <dgm:txLinClrLst/>
+    <dgm:txFillClrLst/>
+    <dgm:txEffectClrLst/>
+  </dgm:styleLbl>
+  <dgm:styleLbl name="fgSibTrans2D1">
+    <dgm:fillClrLst>
+      <a:schemeClr val="accent2"/>
+      <a:schemeClr val="accent3"/>
+    </dgm:fillClrLst>
+    <dgm:linClrLst meth="repeat">
+      <a:schemeClr val="lt1"/>
+    </dgm:linClrLst>
+    <dgm:effectClrLst/>
+    <dgm:txLinClrLst/>
+    <dgm:txFillClrLst meth="repeat">
+      <a:schemeClr val="lt1"/>
+    </dgm:txFillClrLst>
+    <dgm:txEffectClrLst/>
+  </dgm:styleLbl>
+  <dgm:styleLbl name="bgSibTrans2D1">
+    <dgm:fillClrLst>
+      <a:schemeClr val="accent2"/>
+      <a:schemeClr val="accent3"/>
+    </dgm:fillClrLst>
+    <dgm:linClrLst meth="repeat">
+      <a:schemeClr val="lt1"/>
+    </dgm:linClrLst>
+    <dgm:effectClrLst/>
+    <dgm:txLinClrLst/>
+    <dgm:txFillClrLst meth="repeat">
+      <a:schemeClr val="lt1"/>
+    </dgm:txFillClrLst>
+    <dgm:txEffectClrLst/>
+  </dgm:styleLbl>
+  <dgm:styleLbl name="sibTrans1D1">
+    <dgm:fillClrLst/>
+    <dgm:linClrLst>
+      <a:schemeClr val="accent2"/>
+      <a:schemeClr val="accent3"/>
+    </dgm:linClrLst>
+    <dgm:effectClrLst/>
+    <dgm:txLinClrLst/>
+    <dgm:txFillClrLst meth="repeat">
+      <a:schemeClr val="tx1"/>
+    </dgm:txFillClrLst>
+    <dgm:txEffectClrLst/>
+  </dgm:styleLbl>
+  <dgm:styleLbl name="callout">
+    <dgm:fillClrLst meth="repeat">
+      <a:schemeClr val="accent2"/>
+    </dgm:fillClrLst>
+    <dgm:linClrLst meth="repeat">
+      <a:schemeClr val="accent2">
+        <a:tint val="50000"/>
+      </a:schemeClr>
+    </dgm:linClrLst>
+    <dgm:effectClrLst/>
+    <dgm:txLinClrLst/>
+    <dgm:txFillClrLst meth="repeat">
+      <a:schemeClr val="tx1"/>
+    </dgm:txFillClrLst>
+    <dgm:txEffectClrLst/>
+  </dgm:styleLbl>
+  <dgm:styleLbl name="asst0">
+    <dgm:fillClrLst meth="repeat">
+      <a:schemeClr val="accent2"/>
+    </dgm:fillClrLst>
+    <dgm:linClrLst meth="repeat">
+      <a:schemeClr val="lt1">
+        <a:shade val="80000"/>
+      </a:schemeClr>
+    </dgm:linClrLst>
+    <dgm:effectClrLst/>
+    <dgm:txLinClrLst/>
+    <dgm:txFillClrLst/>
+    <dgm:txEffectClrLst/>
+  </dgm:styleLbl>
+  <dgm:styleLbl name="asst1">
+    <dgm:fillClrLst meth="repeat">
+      <a:schemeClr val="accent3"/>
+    </dgm:fillClrLst>
+    <dgm:linClrLst meth="repeat">
+      <a:schemeClr val="lt1">
+        <a:shade val="80000"/>
+      </a:schemeClr>
+    </dgm:linClrLst>
+    <dgm:effectClrLst/>
+    <dgm:txLinClrLst/>
+    <dgm:txFillClrLst/>
+    <dgm:txEffectClrLst/>
+  </dgm:styleLbl>
+  <dgm:styleLbl name="asst2">
+    <dgm:fillClrLst>
+      <a:schemeClr val="accent4"/>
+    </dgm:fillClrLst>
+    <dgm:linClrLst meth="repeat">
+      <a:schemeClr val="lt1"/>
+    </dgm:linClrLst>
+    <dgm:effectClrLst/>
+    <dgm:txLinClrLst/>
+    <dgm:txFillClrLst/>
+    <dgm:txEffectClrLst/>
+  </dgm:styleLbl>
+  <dgm:styleLbl name="asst3">
+    <dgm:fillClrLst>
+      <a:schemeClr val="accent5"/>
+    </dgm:fillClrLst>
+    <dgm:linClrLst meth="repeat">
+      <a:schemeClr val="lt1"/>
+    </dgm:linClrLst>
+    <dgm:effectClrLst/>
+    <dgm:txLinClrLst/>
+    <dgm:txFillClrLst/>
+    <dgm:txEffectClrLst/>
+  </dgm:styleLbl>
+  <dgm:styleLbl name="asst4">
+    <dgm:fillClrLst>
+      <a:schemeClr val="accent6"/>
+    </dgm:fillClrLst>
+    <dgm:linClrLst meth="repeat">
+      <a:schemeClr val="lt1"/>
+    </dgm:linClrLst>
+    <dgm:effectClrLst/>
+    <dgm:txLinClrLst/>
+    <dgm:txFillClrLst/>
+    <dgm:txEffectClrLst/>
+  </dgm:styleLbl>
+  <dgm:styleLbl name="parChTrans2D1">
+    <dgm:fillClrLst meth="repeat">
+      <a:schemeClr val="accent2"/>
+    </dgm:fillClrLst>
+    <dgm:linClrLst meth="repeat">
+      <a:schemeClr val="lt1"/>
+    </dgm:linClrLst>
+    <dgm:effectClrLst/>
+    <dgm:txLinClrLst/>
+    <dgm:txFillClrLst meth="repeat">
+      <a:schemeClr val="lt1"/>
+    </dgm:txFillClrLst>
+    <dgm:txEffectClrLst/>
+  </dgm:styleLbl>
+  <dgm:styleLbl name="parChTrans2D2">
+    <dgm:fillClrLst meth="repeat">
+      <a:schemeClr val="accent3"/>
+    </dgm:fillClrLst>
+    <dgm:linClrLst meth="repeat">
+      <a:schemeClr val="lt1"/>
+    </dgm:linClrLst>
+    <dgm:effectClrLst/>
+    <dgm:txLinClrLst/>
+    <dgm:txFillClrLst/>
+    <dgm:txEffectClrLst/>
+  </dgm:styleLbl>
+  <dgm:styleLbl name="parChTrans2D3">
+    <dgm:fillClrLst meth="repeat">
+      <a:schemeClr val="accent4"/>
+    </dgm:fillClrLst>
+    <dgm:linClrLst meth="repeat">
+      <a:schemeClr val="lt1"/>
+    </dgm:linClrLst>
+    <dgm:effectClrLst/>
+    <dgm:txLinClrLst/>
+    <dgm:txFillClrLst/>
+    <dgm:txEffectClrLst/>
+  </dgm:styleLbl>
+  <dgm:styleLbl name="parChTrans2D4">
+    <dgm:fillClrLst meth="repeat">
+      <a:schemeClr val="accent5"/>
+    </dgm:fillClrLst>
+    <dgm:linClrLst meth="repeat">
+      <a:schemeClr val="lt1"/>
+    </dgm:linClrLst>
+    <dgm:effectClrLst/>
+    <dgm:txLinClrLst/>
+    <dgm:txFillClrLst meth="repeat">
+      <a:schemeClr val="lt1"/>
+    </dgm:txFillClrLst>
+    <dgm:txEffectClrLst/>
+  </dgm:styleLbl>
+  <dgm:styleLbl name="parChTrans1D1">
+    <dgm:fillClrLst meth="repeat">
+      <a:schemeClr val="accent2"/>
+    </dgm:fillClrLst>
+    <dgm:linClrLst meth="repeat">
+      <a:schemeClr val="accent2"/>
+    </dgm:linClrLst>
+    <dgm:effectClrLst/>
+    <dgm:txLinClrLst/>
+    <dgm:txFillClrLst meth="repeat">
+      <a:schemeClr val="tx1"/>
+    </dgm:txFillClrLst>
+    <dgm:txEffectClrLst/>
+  </dgm:styleLbl>
+  <dgm:styleLbl name="parChTrans1D2">
+    <dgm:fillClrLst meth="repeat">
+      <a:schemeClr val="accent2">
+        <a:tint val="90000"/>
+      </a:schemeClr>
+    </dgm:fillClrLst>
+    <dgm:linClrLst meth="repeat">
+      <a:schemeClr val="accent3"/>
+    </dgm:linClrLst>
+    <dgm:effectClrLst/>
+    <dgm:txLinClrLst/>
+    <dgm:txFillClrLst meth="repeat">
+      <a:schemeClr val="tx1"/>
+    </dgm:txFillClrLst>
+    <dgm:txEffectClrLst/>
+  </dgm:styleLbl>
+  <dgm:styleLbl name="parChTrans1D3">
+    <dgm:fillClrLst meth="repeat">
+      <a:schemeClr val="accent2">
+        <a:tint val="70000"/>
+      </a:schemeClr>
+    </dgm:fillClrLst>
+    <dgm:linClrLst meth="repeat">
+      <a:schemeClr val="accent4"/>
+    </dgm:linClrLst>
+    <dgm:effectClrLst/>
+    <dgm:txLinClrLst/>
+    <dgm:txFillClrLst meth="repeat">
+      <a:schemeClr val="tx1"/>
+    </dgm:txFillClrLst>
+    <dgm:txEffectClrLst/>
+  </dgm:styleLbl>
+  <dgm:styleLbl name="parChTrans1D4">
+    <dgm:fillClrLst meth="repeat">
+      <a:schemeClr val="accent2">
+        <a:tint val="50000"/>
+      </a:schemeClr>
+    </dgm:fillClrLst>
+    <dgm:linClrLst meth="repeat">
+      <a:schemeClr val="accent5"/>
+    </dgm:linClrLst>
+    <dgm:effectClrLst/>
+    <dgm:txLinClrLst/>
+    <dgm:txFillClrLst meth="repeat">
+      <a:schemeClr val="tx1"/>
+    </dgm:txFillClrLst>
+    <dgm:txEffectClrLst/>
+  </dgm:styleLbl>
+  <dgm:styleLbl name="fgAcc1">
+    <dgm:fillClrLst meth="repeat">
+      <a:schemeClr val="lt1">
+        <a:alpha val="90000"/>
+      </a:schemeClr>
+    </dgm:fillClrLst>
+    <dgm:linClrLst>
+      <a:schemeClr val="accent2"/>
+      <a:schemeClr val="accent3"/>
+    </dgm:linClrLst>
+    <dgm:effectClrLst/>
+    <dgm:txLinClrLst/>
+    <dgm:txFillClrLst meth="repeat">
+      <a:schemeClr val="dk1"/>
+    </dgm:txFillClrLst>
+    <dgm:txEffectClrLst/>
+  </dgm:styleLbl>
+  <dgm:styleLbl name="conFgAcc1">
+    <dgm:fillClrLst meth="repeat">
+      <a:schemeClr val="lt1">
+        <a:alpha val="90000"/>
+      </a:schemeClr>
+    </dgm:fillClrLst>
+    <dgm:linClrLst>
+      <a:schemeClr val="accent2"/>
+      <a:schemeClr val="accent3"/>
+    </dgm:linClrLst>
+    <dgm:effectClrLst/>
+    <dgm:txLinClrLst/>
+    <dgm:txFillClrLst meth="repeat">
+      <a:schemeClr val="dk1"/>
+    </dgm:txFillClrLst>
+    <dgm:txEffectClrLst/>
+  </dgm:styleLbl>
+  <dgm:styleLbl name="alignAcc1">
+    <dgm:fillClrLst meth="repeat">
+      <a:schemeClr val="lt1">
+        <a:alpha val="90000"/>
+      </a:schemeClr>
+    </dgm:fillClrLst>
+    <dgm:linClrLst>
+      <a:schemeClr val="accent2"/>
+      <a:schemeClr val="accent3"/>
+    </dgm:linClrLst>
+    <dgm:effectClrLst/>
+    <dgm:txLinClrLst/>
+    <dgm:txFillClrLst meth="repeat">
+      <a:schemeClr val="dk1"/>
+    </dgm:txFillClrLst>
+    <dgm:txEffectClrLst/>
+  </dgm:styleLbl>
+  <dgm:styleLbl name="trAlignAcc1">
+    <dgm:fillClrLst meth="repeat">
+      <a:schemeClr val="lt1">
+        <a:alpha val="40000"/>
+      </a:schemeClr>
+    </dgm:fillClrLst>
+    <dgm:linClrLst meth="repeat">
+      <a:schemeClr val="accent2"/>
+    </dgm:linClrLst>
+    <dgm:effectClrLst/>
+    <dgm:txLinClrLst/>
+    <dgm:txFillClrLst meth="repeat">
+      <a:schemeClr val="dk1"/>
+    </dgm:txFillClrLst>
+    <dgm:txEffectClrLst/>
+  </dgm:styleLbl>
+  <dgm:styleLbl name="bgAcc1">
+    <dgm:fillClrLst meth="repeat">
+      <a:schemeClr val="lt1">
+        <a:alpha val="90000"/>
+      </a:schemeClr>
+    </dgm:fillClrLst>
+    <dgm:linClrLst>
+      <a:schemeClr val="accent2"/>
+      <a:schemeClr val="accent3"/>
+    </dgm:linClrLst>
+    <dgm:effectClrLst/>
+    <dgm:txLinClrLst/>
+    <dgm:txFillClrLst meth="repeat">
+      <a:schemeClr val="dk1"/>
+    </dgm:txFillClrLst>
+    <dgm:txEffectClrLst/>
+  </dgm:styleLbl>
+  <dgm:styleLbl name="solidFgAcc1">
+    <dgm:fillClrLst meth="repeat">
+      <a:schemeClr val="lt1"/>
+    </dgm:fillClrLst>
+    <dgm:linClrLst>
+      <a:schemeClr val="accent2"/>
+      <a:schemeClr val="accent3"/>
+    </dgm:linClrLst>
+    <dgm:effectClrLst/>
+    <dgm:txLinClrLst/>
+    <dgm:txFillClrLst meth="repeat">
+      <a:schemeClr val="dk1"/>
+    </dgm:txFillClrLst>
+    <dgm:txEffectClrLst/>
+  </dgm:styleLbl>
+  <dgm:styleLbl name="solidAlignAcc1">
+    <dgm:fillClrLst meth="repeat">
+      <a:schemeClr val="lt1"/>
+    </dgm:fillClrLst>
+    <dgm:linClrLst>
+      <a:schemeClr val="accent2"/>
+      <a:schemeClr val="accent3"/>
+    </dgm:linClrLst>
+    <dgm:effectClrLst/>
+    <dgm:txLinClrLst/>
+    <dgm:txFillClrLst meth="repeat">
+      <a:schemeClr val="dk1"/>
+    </dgm:txFillClrLst>
+    <dgm:txEffectClrLst/>
+  </dgm:styleLbl>
+  <dgm:styleLbl name="solidBgAcc1">
+    <dgm:fillClrLst meth="repeat">
+      <a:schemeClr val="lt1"/>
+    </dgm:fillClrLst>
+    <dgm:linClrLst>
+      <a:schemeClr val="accent2"/>
+      <a:schemeClr val="accent3"/>
+    </dgm:linClrLst>
+    <dgm:effectClrLst/>
+    <dgm:txLinClrLst/>
+    <dgm:txFillClrLst meth="repeat">
+      <a:schemeClr val="dk1"/>
+    </dgm:txFillClrLst>
+    <dgm:txEffectClrLst/>
+  </dgm:styleLbl>
+  <dgm:styleLbl name="fgAccFollowNode1">
+    <dgm:fillClrLst>
+      <a:schemeClr val="accent2">
+        <a:tint val="40000"/>
+        <a:alpha val="90000"/>
+      </a:schemeClr>
+      <a:schemeClr val="accent3">
+        <a:tint val="40000"/>
+        <a:alpha val="90000"/>
+      </a:schemeClr>
+    </dgm:fillClrLst>
+    <dgm:linClrLst>
+      <a:schemeClr val="accent2">
+        <a:tint val="40000"/>
+        <a:alpha val="90000"/>
+      </a:schemeClr>
+      <a:schemeClr val="accent3">
+        <a:tint val="40000"/>
+        <a:alpha val="90000"/>
+      </a:schemeClr>
+    </dgm:linClrLst>
+    <dgm:effectClrLst/>
+    <dgm:txLinClrLst/>
+    <dgm:txFillClrLst meth="repeat">
+      <a:schemeClr val="dk1"/>
+    </dgm:txFillClrLst>
+    <dgm:txEffectClrLst/>
+  </dgm:styleLbl>
+  <dgm:styleLbl name="alignAccFollowNode1">
+    <dgm:fillClrLst>
+      <a:schemeClr val="accent2">
+        <a:tint val="40000"/>
+        <a:alpha val="90000"/>
+      </a:schemeClr>
+      <a:schemeClr val="accent3">
+        <a:tint val="40000"/>
+        <a:alpha val="90000"/>
+      </a:schemeClr>
+    </dgm:fillClrLst>
+    <dgm:linClrLst>
+      <a:schemeClr val="accent2">
+        <a:tint val="40000"/>
+        <a:alpha val="90000"/>
+      </a:schemeClr>
+      <a:schemeClr val="accent3">
+        <a:tint val="40000"/>
+        <a:alpha val="90000"/>
+      </a:schemeClr>
+    </dgm:linClrLst>
+    <dgm:effectClrLst/>
+    <dgm:txLinClrLst/>
+    <dgm:txFillClrLst meth="repeat">
+      <a:schemeClr val="dk1"/>
+    </dgm:txFillClrLst>
+    <dgm:txEffectClrLst/>
+  </dgm:styleLbl>
+  <dgm:styleLbl name="bgAccFollowNode1">
+    <dgm:fillClrLst>
+      <a:schemeClr val="accent2">
+        <a:tint val="40000"/>
+        <a:alpha val="90000"/>
+      </a:schemeClr>
+      <a:schemeClr val="accent3">
+        <a:tint val="40000"/>
+        <a:alpha val="90000"/>
+      </a:schemeClr>
+    </dgm:fillClrLst>
+    <dgm:linClrLst>
+      <a:schemeClr val="accent2">
+        <a:tint val="40000"/>
+        <a:alpha val="90000"/>
+      </a:schemeClr>
+      <a:schemeClr val="accent3">
+        <a:tint val="40000"/>
+        <a:alpha val="90000"/>
+      </a:schemeClr>
+    </dgm:linClrLst>
+    <dgm:effectClrLst/>
+    <dgm:txLinClrLst/>
+    <dgm:txFillClrLst meth="repeat">
+      <a:schemeClr val="dk1"/>
+    </dgm:txFillClrLst>
+    <dgm:txEffectClrLst/>
+  </dgm:styleLbl>
+  <dgm:styleLbl name="fgAcc0">
+    <dgm:fillClrLst meth="repeat">
+      <a:schemeClr val="lt1">
+        <a:alpha val="90000"/>
+      </a:schemeClr>
+    </dgm:fillClrLst>
+    <dgm:linClrLst>
+      <a:schemeClr val="accent1"/>
+    </dgm:linClrLst>
+    <dgm:effectClrLst/>
+    <dgm:txLinClrLst/>
+    <dgm:txFillClrLst meth="repeat">
+      <a:schemeClr val="dk1"/>
+    </dgm:txFillClrLst>
+    <dgm:txEffectClrLst/>
+  </dgm:styleLbl>
+  <dgm:styleLbl name="fgAcc2">
+    <dgm:fillClrLst meth="repeat">
+      <a:schemeClr val="lt1">
+        <a:alpha val="90000"/>
+      </a:schemeClr>
+    </dgm:fillClrLst>
+    <dgm:linClrLst>
+      <a:schemeClr val="accent3"/>
+    </dgm:linClrLst>
+    <dgm:effectClrLst/>
+    <dgm:txLinClrLst/>
+    <dgm:txFillClrLst meth="repeat">
+      <a:schemeClr val="dk1"/>
+    </dgm:txFillClrLst>
+    <dgm:txEffectClrLst/>
+  </dgm:styleLbl>
+  <dgm:styleLbl name="fgAcc3">
+    <dgm:fillClrLst meth="repeat">
+      <a:schemeClr val="lt1">
+        <a:alpha val="90000"/>
+      </a:schemeClr>
+    </dgm:fillClrLst>
+    <dgm:linClrLst>
+      <a:schemeClr val="accent4"/>
+    </dgm:linClrLst>
+    <dgm:effectClrLst/>
+    <dgm:txLinClrLst/>
+    <dgm:txFillClrLst meth="repeat">
+      <a:schemeClr val="dk1"/>
+    </dgm:txFillClrLst>
+    <dgm:txEffectClrLst/>
+  </dgm:styleLbl>
+  <dgm:styleLbl name="fgAcc4">
+    <dgm:fillClrLst meth="repeat">
+      <a:schemeClr val="lt1">
+        <a:alpha val="90000"/>
+      </a:schemeClr>
+    </dgm:fillClrLst>
+    <dgm:linClrLst>
+      <a:schemeClr val="accent5"/>
+    </dgm:linClrLst>
+    <dgm:effectClrLst/>
+    <dgm:txLinClrLst/>
+    <dgm:txFillClrLst meth="repeat">
+      <a:schemeClr val="dk1"/>
+    </dgm:txFillClrLst>
+    <dgm:txEffectClrLst/>
+  </dgm:styleLbl>
+  <dgm:styleLbl name="bgShp">
+    <dgm:fillClrLst meth="repeat">
+      <a:schemeClr val="accent2">
+        <a:tint val="40000"/>
+      </a:schemeClr>
+    </dgm:fillClrLst>
+    <dgm:linClrLst meth="repeat">
+      <a:schemeClr val="dk1"/>
+    </dgm:linClrLst>
+    <dgm:effectClrLst/>
+    <dgm:txLinClrLst/>
+    <dgm:txFillClrLst meth="repeat">
+      <a:schemeClr val="dk1"/>
+    </dgm:txFillClrLst>
+    <dgm:txEffectClrLst/>
+  </dgm:styleLbl>
+  <dgm:styleLbl name="dkBgShp">
+    <dgm:fillClrLst meth="repeat">
+      <a:schemeClr val="accent2">
+        <a:shade val="90000"/>
+      </a:schemeClr>
+    </dgm:fillClrLst>
+    <dgm:linClrLst meth="repeat">
+      <a:schemeClr val="dk1"/>
+    </dgm:linClrLst>
+    <dgm:effectClrLst/>
+    <dgm:txLinClrLst/>
+    <dgm:txFillClrLst meth="repeat">
+      <a:schemeClr val="lt1"/>
+    </dgm:txFillClrLst>
+    <dgm:txEffectClrLst/>
+  </dgm:styleLbl>
+  <dgm:styleLbl name="trBgShp">
+    <dgm:fillClrLst meth="repeat">
+      <a:schemeClr val="accent2">
+        <a:tint val="50000"/>
+        <a:alpha val="40000"/>
+      </a:schemeClr>
+    </dgm:fillClrLst>
+    <dgm:linClrLst meth="repeat">
+      <a:schemeClr val="accent2"/>
+    </dgm:linClrLst>
+    <dgm:effectClrLst/>
+    <dgm:txLinClrLst/>
+    <dgm:txFillClrLst meth="repeat">
+      <a:schemeClr val="lt1"/>
+    </dgm:txFillClrLst>
+    <dgm:txEffectClrLst/>
+  </dgm:styleLbl>
+  <dgm:styleLbl name="fgShp">
+    <dgm:fillClrLst meth="repeat">
+      <a:schemeClr val="accent2">
+        <a:tint val="40000"/>
       </a:schemeClr>
     </dgm:fillClrLst>
     <dgm:linClrLst meth="repeat">
@@ -4475,10 +5258,9 @@
         <a:lstStyle/>
         <a:p>
           <a:r>
-            <a:rPr lang="hu-HU" dirty="0" err="1"/>
-            <a:t>Seggevés</a:t>
+            <a:rPr lang="hu-HU" dirty="0"/>
+            <a:t>Dokumentáció</a:t>
           </a:r>
-          <a:endParaRPr lang="hu-HU" dirty="0"/>
         </a:p>
       </dgm:t>
     </dgm:pt>
@@ -4565,7 +5347,7 @@
         <a:p>
           <a:r>
             <a:rPr lang="hu-HU" dirty="0"/>
-            <a:t>Dokumentáció</a:t>
+            <a:t>Szoftver</a:t>
           </a:r>
         </a:p>
       </dgm:t>
@@ -4582,42 +5364,6 @@
       </dgm:t>
     </dgm:pt>
     <dgm:pt modelId="{DEDD4A3C-4E66-470A-BA98-973F010539B2}" type="sibTrans" cxnId="{261FF078-F37C-4A1C-9E75-79FC804F0A2C}">
-      <dgm:prSet/>
-      <dgm:spPr/>
-      <dgm:t>
-        <a:bodyPr/>
-        <a:lstStyle/>
-        <a:p>
-          <a:endParaRPr lang="hu-HU"/>
-        </a:p>
-      </dgm:t>
-    </dgm:pt>
-    <dgm:pt modelId="{0F0F6CF8-2326-4CF0-B4F0-D390EA12D727}">
-      <dgm:prSet phldrT="[Szöveg]" phldr="0"/>
-      <dgm:spPr/>
-      <dgm:t>
-        <a:bodyPr/>
-        <a:lstStyle/>
-        <a:p>
-          <a:r>
-            <a:rPr lang="hu-HU" dirty="0"/>
-            <a:t>Szoftver</a:t>
-          </a:r>
-        </a:p>
-      </dgm:t>
-    </dgm:pt>
-    <dgm:pt modelId="{8DDE5F10-D26F-486D-9FD5-CF54EB680AF1}" type="parTrans" cxnId="{5219E24E-9C7D-4476-B572-5C8E84A61C9A}">
-      <dgm:prSet/>
-      <dgm:spPr/>
-      <dgm:t>
-        <a:bodyPr/>
-        <a:lstStyle/>
-        <a:p>
-          <a:endParaRPr lang="hu-HU"/>
-        </a:p>
-      </dgm:t>
-    </dgm:pt>
-    <dgm:pt modelId="{4B978055-4992-44F2-91C8-E9214E0B2771}" type="sibTrans" cxnId="{5219E24E-9C7D-4476-B572-5C8E84A61C9A}">
       <dgm:prSet/>
       <dgm:spPr/>
       <dgm:t>
@@ -4664,7 +5410,7 @@
         </a:p>
       </dgm:t>
     </dgm:pt>
-    <dgm:pt modelId="{76E05E5A-0A6B-47EE-88C7-8D45307A8857}">
+    <dgm:pt modelId="{95F87670-D091-43A4-97BA-9D0A129E63AE}">
       <dgm:prSet phldrT="[Szöveg]" phldr="0"/>
       <dgm:spPr/>
       <dgm:t>
@@ -4678,7 +5424,7 @@
         </a:p>
       </dgm:t>
     </dgm:pt>
-    <dgm:pt modelId="{6C05B223-A68E-4748-85AF-4331735D8289}" type="parTrans" cxnId="{292E8D8A-4B1C-41C3-B944-0084343BB46A}">
+    <dgm:pt modelId="{E155A7BA-FA18-4658-B06E-FCF2F0F884B2}" type="parTrans" cxnId="{DC5B8FA2-3514-4883-B53B-CA32C79A79F6}">
       <dgm:prSet/>
       <dgm:spPr/>
       <dgm:t>
@@ -4689,7 +5435,7 @@
         </a:p>
       </dgm:t>
     </dgm:pt>
-    <dgm:pt modelId="{964EBB71-C668-44CA-8FAB-7A84DC646E84}" type="sibTrans" cxnId="{292E8D8A-4B1C-41C3-B944-0084343BB46A}">
+    <dgm:pt modelId="{A91B1C9E-34A7-4B8C-9131-EDE056D29E6D}" type="sibTrans" cxnId="{DC5B8FA2-3514-4883-B53B-CA32C79A79F6}">
       <dgm:prSet/>
       <dgm:spPr/>
       <dgm:t>
@@ -4777,20 +5523,18 @@
     <dgm:cxn modelId="{25F51D0F-77B4-47B0-A597-5C37D910644D}" type="presOf" srcId="{29DCEF78-A5A2-44E3-BBC6-DC9A05AE07FE}" destId="{A516C955-3018-463E-BE1B-04EF5F411774}" srcOrd="0" destOrd="0" presId="urn:microsoft.com/office/officeart/2005/8/layout/list1"/>
     <dgm:cxn modelId="{BA651110-5CD6-45B8-8B84-0B1F22B7FB6D}" type="presOf" srcId="{9E255088-218B-43AF-BC2C-A5A4B3D9F064}" destId="{C83E44F5-4A10-4C52-99FF-A78DCDB9F0AB}" srcOrd="1" destOrd="0" presId="urn:microsoft.com/office/officeart/2005/8/layout/list1"/>
     <dgm:cxn modelId="{9C87B01C-C44C-4CB6-83C2-A65A73200794}" type="presOf" srcId="{266B47A8-CB05-40A8-A1E7-B7CFBBFE6FEA}" destId="{B027EE3D-A469-46AC-B82E-6796AA697CA1}" srcOrd="0" destOrd="0" presId="urn:microsoft.com/office/officeart/2005/8/layout/list1"/>
+    <dgm:cxn modelId="{AF37132E-421F-47BF-BFCC-F13542D48671}" type="presOf" srcId="{95F87670-D091-43A4-97BA-9D0A129E63AE}" destId="{B027EE3D-A469-46AC-B82E-6796AA697CA1}" srcOrd="0" destOrd="1" presId="urn:microsoft.com/office/officeart/2005/8/layout/list1"/>
     <dgm:cxn modelId="{F9F2D134-FD94-409A-B15D-4534857E561A}" type="presOf" srcId="{ED6DE214-3627-4E0E-BD2F-AA51E4D76723}" destId="{674875BE-540F-4BB3-B119-8DDEF7EBBD44}" srcOrd="1" destOrd="0" presId="urn:microsoft.com/office/officeart/2005/8/layout/list1"/>
     <dgm:cxn modelId="{8F196740-8657-43DF-A1D6-C12773169C65}" type="presOf" srcId="{ED6DE214-3627-4E0E-BD2F-AA51E4D76723}" destId="{DA8885A6-E5C0-47D0-B85F-926F6408232F}" srcOrd="0" destOrd="0" presId="urn:microsoft.com/office/officeart/2005/8/layout/list1"/>
     <dgm:cxn modelId="{FE35E940-AFA7-4C04-9C86-16DE87A66133}" srcId="{79F68C22-E4DB-482A-B371-7B9A2EB87DA3}" destId="{ED6DE214-3627-4E0E-BD2F-AA51E4D76723}" srcOrd="1" destOrd="0" parTransId="{D0C732F4-01DB-45FD-BA58-FAA75E7135BE}" sibTransId="{86D62735-6F88-453F-B73A-B5EBE05BBEE9}"/>
     <dgm:cxn modelId="{FECBD143-93B5-4076-815C-2A84F475A8CD}" srcId="{9E255088-218B-43AF-BC2C-A5A4B3D9F064}" destId="{266B47A8-CB05-40A8-A1E7-B7CFBBFE6FEA}" srcOrd="0" destOrd="0" parTransId="{F16DE542-55E5-4699-861F-A5AED80759D7}" sibTransId="{E49657F1-47AB-4EE2-96E8-F794C5BAA5E8}"/>
-    <dgm:cxn modelId="{5219E24E-9C7D-4476-B572-5C8E84A61C9A}" srcId="{ED6DE214-3627-4E0E-BD2F-AA51E4D76723}" destId="{0F0F6CF8-2326-4CF0-B4F0-D390EA12D727}" srcOrd="1" destOrd="0" parTransId="{8DDE5F10-D26F-486D-9FD5-CF54EB680AF1}" sibTransId="{4B978055-4992-44F2-91C8-E9214E0B2771}"/>
     <dgm:cxn modelId="{261FF078-F37C-4A1C-9E75-79FC804F0A2C}" srcId="{ED6DE214-3627-4E0E-BD2F-AA51E4D76723}" destId="{29DCEF78-A5A2-44E3-BBC6-DC9A05AE07FE}" srcOrd="0" destOrd="0" parTransId="{099846B5-7E11-4874-8E82-CC0FF5C0B46D}" sibTransId="{DEDD4A3C-4E66-470A-BA98-973F010539B2}"/>
-    <dgm:cxn modelId="{98966F7D-A219-461F-9499-35422042D333}" type="presOf" srcId="{0F0F6CF8-2326-4CF0-B4F0-D390EA12D727}" destId="{A516C955-3018-463E-BE1B-04EF5F411774}" srcOrd="0" destOrd="1" presId="urn:microsoft.com/office/officeart/2005/8/layout/list1"/>
-    <dgm:cxn modelId="{292E8D8A-4B1C-41C3-B944-0084343BB46A}" srcId="{ED6DE214-3627-4E0E-BD2F-AA51E4D76723}" destId="{76E05E5A-0A6B-47EE-88C7-8D45307A8857}" srcOrd="3" destOrd="0" parTransId="{6C05B223-A68E-4748-85AF-4331735D8289}" sibTransId="{964EBB71-C668-44CA-8FAB-7A84DC646E84}"/>
-    <dgm:cxn modelId="{AA13C8B0-5B88-4E98-9E0B-75DDA26748E1}" type="presOf" srcId="{76E05E5A-0A6B-47EE-88C7-8D45307A8857}" destId="{A516C955-3018-463E-BE1B-04EF5F411774}" srcOrd="0" destOrd="3" presId="urn:microsoft.com/office/officeart/2005/8/layout/list1"/>
+    <dgm:cxn modelId="{DC5B8FA2-3514-4883-B53B-CA32C79A79F6}" srcId="{9E255088-218B-43AF-BC2C-A5A4B3D9F064}" destId="{95F87670-D091-43A4-97BA-9D0A129E63AE}" srcOrd="1" destOrd="0" parTransId="{E155A7BA-FA18-4658-B06E-FCF2F0F884B2}" sibTransId="{A91B1C9E-34A7-4B8C-9131-EDE056D29E6D}"/>
     <dgm:cxn modelId="{FC0EB8B2-E313-4505-84AA-30689C9B18DB}" srcId="{79F68C22-E4DB-482A-B371-7B9A2EB87DA3}" destId="{9E255088-218B-43AF-BC2C-A5A4B3D9F064}" srcOrd="0" destOrd="0" parTransId="{29C3AAD9-242E-4CD3-8CB7-C4DD8AC9028B}" sibTransId="{8B121254-BE0A-4DCA-B4E1-1F601B60DB93}"/>
-    <dgm:cxn modelId="{2D7C5ECB-E78F-4866-8FE6-4AA82F709589}" type="presOf" srcId="{B55F7AF1-DA04-4EFA-8831-867EECB3402F}" destId="{A516C955-3018-463E-BE1B-04EF5F411774}" srcOrd="0" destOrd="2" presId="urn:microsoft.com/office/officeart/2005/8/layout/list1"/>
+    <dgm:cxn modelId="{2D7C5ECB-E78F-4866-8FE6-4AA82F709589}" type="presOf" srcId="{B55F7AF1-DA04-4EFA-8831-867EECB3402F}" destId="{A516C955-3018-463E-BE1B-04EF5F411774}" srcOrd="0" destOrd="1" presId="urn:microsoft.com/office/officeart/2005/8/layout/list1"/>
     <dgm:cxn modelId="{F59E31D4-6775-4C57-BA3B-C06700128BF4}" type="presOf" srcId="{79F68C22-E4DB-482A-B371-7B9A2EB87DA3}" destId="{0EDC0E5F-8045-4CAE-8009-16310D66D273}" srcOrd="0" destOrd="0" presId="urn:microsoft.com/office/officeart/2005/8/layout/list1"/>
     <dgm:cxn modelId="{E64215EF-26FE-4E3F-A098-A57671792622}" type="presOf" srcId="{9E255088-218B-43AF-BC2C-A5A4B3D9F064}" destId="{3A2DE394-0489-4DC5-A7CF-C2DA0AD1028B}" srcOrd="0" destOrd="0" presId="urn:microsoft.com/office/officeart/2005/8/layout/list1"/>
-    <dgm:cxn modelId="{092F34F8-75DA-4812-B060-B4CE03DB0D2D}" srcId="{ED6DE214-3627-4E0E-BD2F-AA51E4D76723}" destId="{B55F7AF1-DA04-4EFA-8831-867EECB3402F}" srcOrd="2" destOrd="0" parTransId="{F2BDF637-002B-41D8-8161-05EE122E0211}" sibTransId="{BEA9FA51-8EB0-4BDB-8B3C-1840BB6B0FFC}"/>
+    <dgm:cxn modelId="{092F34F8-75DA-4812-B060-B4CE03DB0D2D}" srcId="{ED6DE214-3627-4E0E-BD2F-AA51E4D76723}" destId="{B55F7AF1-DA04-4EFA-8831-867EECB3402F}" srcOrd="1" destOrd="0" parTransId="{F2BDF637-002B-41D8-8161-05EE122E0211}" sibTransId="{BEA9FA51-8EB0-4BDB-8B3C-1840BB6B0FFC}"/>
     <dgm:cxn modelId="{4ECA9B49-C9AD-4BE3-98FA-C517BD8B593A}" type="presParOf" srcId="{0EDC0E5F-8045-4CAE-8009-16310D66D273}" destId="{716F2AFB-6C46-4E11-A5BE-280A5F329573}" srcOrd="0" destOrd="0" presId="urn:microsoft.com/office/officeart/2005/8/layout/list1"/>
     <dgm:cxn modelId="{CC8183B7-2D96-40E3-BB94-A59ACD95B107}" type="presParOf" srcId="{716F2AFB-6C46-4E11-A5BE-280A5F329573}" destId="{3A2DE394-0489-4DC5-A7CF-C2DA0AD1028B}" srcOrd="0" destOrd="0" presId="urn:microsoft.com/office/officeart/2005/8/layout/list1"/>
     <dgm:cxn modelId="{F5CCA9ED-1A17-4E3E-B4FD-3DEE3EE2741A}" type="presParOf" srcId="{716F2AFB-6C46-4E11-A5BE-280A5F329573}" destId="{C83E44F5-4A10-4C52-99FF-A78DCDB9F0AB}" srcOrd="1" destOrd="0" presId="urn:microsoft.com/office/officeart/2005/8/layout/list1"/>
@@ -4802,6 +5546,275 @@
     <dgm:cxn modelId="{D7D64ED1-9B47-43D3-92EC-FEEE2B5999C9}" type="presParOf" srcId="{2AF98243-0FF1-4C08-955D-975B215F49CC}" destId="{674875BE-540F-4BB3-B119-8DDEF7EBBD44}" srcOrd="1" destOrd="0" presId="urn:microsoft.com/office/officeart/2005/8/layout/list1"/>
     <dgm:cxn modelId="{74C2DAB9-853D-48B0-A651-F46932104BD4}" type="presParOf" srcId="{0EDC0E5F-8045-4CAE-8009-16310D66D273}" destId="{18F204C6-5126-4043-A8B6-BCA97B83C410}" srcOrd="5" destOrd="0" presId="urn:microsoft.com/office/officeart/2005/8/layout/list1"/>
     <dgm:cxn modelId="{AC573F59-0D95-49CD-998A-C06940E35DC8}" type="presParOf" srcId="{0EDC0E5F-8045-4CAE-8009-16310D66D273}" destId="{A516C955-3018-463E-BE1B-04EF5F411774}" srcOrd="6" destOrd="0" presId="urn:microsoft.com/office/officeart/2005/8/layout/list1"/>
+  </dgm:cxnLst>
+  <dgm:bg/>
+  <dgm:whole/>
+  <dgm:extLst>
+    <a:ext uri="http://schemas.microsoft.com/office/drawing/2008/diagram">
+      <dsp:dataModelExt xmlns:dsp="http://schemas.microsoft.com/office/drawing/2008/diagram" relId="rId7" minVer="http://schemas.openxmlformats.org/drawingml/2006/diagram"/>
+    </a:ext>
+  </dgm:extLst>
+</dgm:dataModel>
+</file>
+
+<file path=ppt/diagrams/data5.xml><?xml version="1.0" encoding="utf-8"?>
+<dgm:dataModel xmlns:dgm="http://schemas.openxmlformats.org/drawingml/2006/diagram" xmlns:a="http://schemas.openxmlformats.org/drawingml/2006/main">
+  <dgm:ptLst>
+    <dgm:pt modelId="{7945A909-895B-4AC7-8124-F011026208FD}" type="doc">
+      <dgm:prSet loTypeId="urn:microsoft.com/office/officeart/2005/8/layout/matrix3" loCatId="matrix" qsTypeId="urn:microsoft.com/office/officeart/2005/8/quickstyle/simple5" qsCatId="simple" csTypeId="urn:microsoft.com/office/officeart/2005/8/colors/colorful2" csCatId="colorful" phldr="1"/>
+      <dgm:spPr/>
+      <dgm:t>
+        <a:bodyPr/>
+        <a:lstStyle/>
+        <a:p>
+          <a:endParaRPr lang="hu-HU"/>
+        </a:p>
+      </dgm:t>
+    </dgm:pt>
+    <dgm:pt modelId="{7E931219-F3D4-42A9-BF03-73F96EB0A889}">
+      <dgm:prSet/>
+      <dgm:spPr>
+        <a:solidFill>
+          <a:schemeClr val="accent4"/>
+        </a:solidFill>
+      </dgm:spPr>
+      <dgm:t>
+        <a:bodyPr/>
+        <a:lstStyle/>
+        <a:p>
+          <a:r>
+            <a:rPr lang="hu-HU" b="1" dirty="0"/>
+            <a:t>Mindenki egy adott dolgot csinált</a:t>
+          </a:r>
+          <a:endParaRPr lang="hu-HU" dirty="0"/>
+        </a:p>
+      </dgm:t>
+    </dgm:pt>
+    <dgm:pt modelId="{218AC56F-776C-4D37-9C8C-303615816C8E}" type="parTrans" cxnId="{6229131A-6641-41EF-91D2-D083B4804AFD}">
+      <dgm:prSet/>
+      <dgm:spPr/>
+      <dgm:t>
+        <a:bodyPr/>
+        <a:lstStyle/>
+        <a:p>
+          <a:endParaRPr lang="hu-HU"/>
+        </a:p>
+      </dgm:t>
+    </dgm:pt>
+    <dgm:pt modelId="{CB0F78B4-D4BF-4583-BBCF-4D2CC0CDF094}" type="sibTrans" cxnId="{6229131A-6641-41EF-91D2-D083B4804AFD}">
+      <dgm:prSet/>
+      <dgm:spPr/>
+      <dgm:t>
+        <a:bodyPr/>
+        <a:lstStyle/>
+        <a:p>
+          <a:endParaRPr lang="hu-HU"/>
+        </a:p>
+      </dgm:t>
+    </dgm:pt>
+    <dgm:pt modelId="{2D61C9D9-E770-491A-803F-C39E6545B583}">
+      <dgm:prSet/>
+      <dgm:spPr>
+        <a:solidFill>
+          <a:schemeClr val="accent1">
+            <a:lumMod val="60000"/>
+            <a:lumOff val="40000"/>
+          </a:schemeClr>
+        </a:solidFill>
+      </dgm:spPr>
+      <dgm:t>
+        <a:bodyPr/>
+        <a:lstStyle/>
+        <a:p>
+          <a:r>
+            <a:rPr lang="hu-HU" b="1" dirty="0"/>
+            <a:t>Senki sem szólt bele a másik munkájába</a:t>
+          </a:r>
+          <a:endParaRPr lang="hu-HU" dirty="0"/>
+        </a:p>
+      </dgm:t>
+    </dgm:pt>
+    <dgm:pt modelId="{05426814-EAE3-496A-953A-352D866C0030}" type="parTrans" cxnId="{BB2F5F07-3316-4E97-8DBF-44BDE3E750FD}">
+      <dgm:prSet/>
+      <dgm:spPr/>
+      <dgm:t>
+        <a:bodyPr/>
+        <a:lstStyle/>
+        <a:p>
+          <a:endParaRPr lang="hu-HU"/>
+        </a:p>
+      </dgm:t>
+    </dgm:pt>
+    <dgm:pt modelId="{4B87342A-3CAA-4BB5-AB42-4256809EBA2E}" type="sibTrans" cxnId="{BB2F5F07-3316-4E97-8DBF-44BDE3E750FD}">
+      <dgm:prSet/>
+      <dgm:spPr/>
+      <dgm:t>
+        <a:bodyPr/>
+        <a:lstStyle/>
+        <a:p>
+          <a:endParaRPr lang="hu-HU"/>
+        </a:p>
+      </dgm:t>
+    </dgm:pt>
+    <dgm:pt modelId="{0BDB1B71-623B-447A-A600-58256BA69167}">
+      <dgm:prSet/>
+      <dgm:spPr>
+        <a:solidFill>
+          <a:schemeClr val="accent5"/>
+        </a:solidFill>
+      </dgm:spPr>
+      <dgm:t>
+        <a:bodyPr/>
+        <a:lstStyle/>
+        <a:p>
+          <a:r>
+            <a:rPr lang="hu-HU" b="1" dirty="0"/>
+            <a:t>Csak tanult módszerek</a:t>
+          </a:r>
+          <a:endParaRPr lang="hu-HU" dirty="0"/>
+        </a:p>
+      </dgm:t>
+    </dgm:pt>
+    <dgm:pt modelId="{FBA0A0CD-4090-4049-82A1-E375EF1B6B65}" type="parTrans" cxnId="{B950BE8E-0C6A-479B-BA54-C567C4BBFB75}">
+      <dgm:prSet/>
+      <dgm:spPr/>
+      <dgm:t>
+        <a:bodyPr/>
+        <a:lstStyle/>
+        <a:p>
+          <a:endParaRPr lang="hu-HU"/>
+        </a:p>
+      </dgm:t>
+    </dgm:pt>
+    <dgm:pt modelId="{35AD4806-244C-4DFE-B8F3-597DC173CD7A}" type="sibTrans" cxnId="{B950BE8E-0C6A-479B-BA54-C567C4BBFB75}">
+      <dgm:prSet/>
+      <dgm:spPr/>
+      <dgm:t>
+        <a:bodyPr/>
+        <a:lstStyle/>
+        <a:p>
+          <a:endParaRPr lang="hu-HU"/>
+        </a:p>
+      </dgm:t>
+    </dgm:pt>
+    <dgm:pt modelId="{29AE96CC-29B8-42DD-9B01-28295F65C26B}">
+      <dgm:prSet/>
+      <dgm:spPr>
+        <a:solidFill>
+          <a:schemeClr val="accent2"/>
+        </a:solidFill>
+      </dgm:spPr>
+      <dgm:t>
+        <a:bodyPr/>
+        <a:lstStyle/>
+        <a:p>
+          <a:r>
+            <a:rPr lang="hu-HU" b="1" dirty="0"/>
+            <a:t>Jó projektötlet</a:t>
+          </a:r>
+          <a:endParaRPr lang="hu-HU" dirty="0"/>
+        </a:p>
+      </dgm:t>
+    </dgm:pt>
+    <dgm:pt modelId="{567D4020-ACDD-411A-BDD1-BF0A5104D43D}" type="parTrans" cxnId="{7CF4F1AE-E314-45C2-9927-66BC3894A43C}">
+      <dgm:prSet/>
+      <dgm:spPr/>
+      <dgm:t>
+        <a:bodyPr/>
+        <a:lstStyle/>
+        <a:p>
+          <a:endParaRPr lang="hu-HU"/>
+        </a:p>
+      </dgm:t>
+    </dgm:pt>
+    <dgm:pt modelId="{98EA3EAD-F9F4-4FEB-9DDC-A17075C76508}" type="sibTrans" cxnId="{7CF4F1AE-E314-45C2-9927-66BC3894A43C}">
+      <dgm:prSet/>
+      <dgm:spPr/>
+      <dgm:t>
+        <a:bodyPr/>
+        <a:lstStyle/>
+        <a:p>
+          <a:endParaRPr lang="hu-HU"/>
+        </a:p>
+      </dgm:t>
+    </dgm:pt>
+    <dgm:pt modelId="{ABF8324B-30AA-41C4-8B76-DEFEBFBD62F8}" type="pres">
+      <dgm:prSet presAssocID="{7945A909-895B-4AC7-8124-F011026208FD}" presName="matrix" presStyleCnt="0">
+        <dgm:presLayoutVars>
+          <dgm:chMax val="1"/>
+          <dgm:dir/>
+          <dgm:resizeHandles val="exact"/>
+        </dgm:presLayoutVars>
+      </dgm:prSet>
+      <dgm:spPr/>
+    </dgm:pt>
+    <dgm:pt modelId="{165C47D3-D73C-4FA1-B6F4-9BE80935A4EC}" type="pres">
+      <dgm:prSet presAssocID="{7945A909-895B-4AC7-8124-F011026208FD}" presName="diamond" presStyleLbl="bgShp" presStyleIdx="0" presStyleCnt="1"/>
+      <dgm:spPr>
+        <a:solidFill>
+          <a:schemeClr val="accent6">
+            <a:lumMod val="60000"/>
+            <a:lumOff val="40000"/>
+          </a:schemeClr>
+        </a:solidFill>
+      </dgm:spPr>
+    </dgm:pt>
+    <dgm:pt modelId="{17649A07-9808-4ADC-AC4C-42A8F40273CA}" type="pres">
+      <dgm:prSet presAssocID="{7945A909-895B-4AC7-8124-F011026208FD}" presName="quad1" presStyleLbl="node1" presStyleIdx="0" presStyleCnt="4">
+        <dgm:presLayoutVars>
+          <dgm:chMax val="0"/>
+          <dgm:chPref val="0"/>
+          <dgm:bulletEnabled val="1"/>
+        </dgm:presLayoutVars>
+      </dgm:prSet>
+      <dgm:spPr/>
+    </dgm:pt>
+    <dgm:pt modelId="{8E84048A-185B-476E-B4A6-14DF4F73EE16}" type="pres">
+      <dgm:prSet presAssocID="{7945A909-895B-4AC7-8124-F011026208FD}" presName="quad2" presStyleLbl="node1" presStyleIdx="1" presStyleCnt="4">
+        <dgm:presLayoutVars>
+          <dgm:chMax val="0"/>
+          <dgm:chPref val="0"/>
+          <dgm:bulletEnabled val="1"/>
+        </dgm:presLayoutVars>
+      </dgm:prSet>
+      <dgm:spPr/>
+    </dgm:pt>
+    <dgm:pt modelId="{E3358E55-D1BC-4360-B6DC-B9246F5DBCE5}" type="pres">
+      <dgm:prSet presAssocID="{7945A909-895B-4AC7-8124-F011026208FD}" presName="quad3" presStyleLbl="node1" presStyleIdx="2" presStyleCnt="4">
+        <dgm:presLayoutVars>
+          <dgm:chMax val="0"/>
+          <dgm:chPref val="0"/>
+          <dgm:bulletEnabled val="1"/>
+        </dgm:presLayoutVars>
+      </dgm:prSet>
+      <dgm:spPr/>
+    </dgm:pt>
+    <dgm:pt modelId="{FB4FFECD-09C9-4284-821E-2A119C4A8654}" type="pres">
+      <dgm:prSet presAssocID="{7945A909-895B-4AC7-8124-F011026208FD}" presName="quad4" presStyleLbl="node1" presStyleIdx="3" presStyleCnt="4">
+        <dgm:presLayoutVars>
+          <dgm:chMax val="0"/>
+          <dgm:chPref val="0"/>
+          <dgm:bulletEnabled val="1"/>
+        </dgm:presLayoutVars>
+      </dgm:prSet>
+      <dgm:spPr/>
+    </dgm:pt>
+  </dgm:ptLst>
+  <dgm:cxnLst>
+    <dgm:cxn modelId="{BB2F5F07-3316-4E97-8DBF-44BDE3E750FD}" srcId="{7945A909-895B-4AC7-8124-F011026208FD}" destId="{2D61C9D9-E770-491A-803F-C39E6545B583}" srcOrd="1" destOrd="0" parTransId="{05426814-EAE3-496A-953A-352D866C0030}" sibTransId="{4B87342A-3CAA-4BB5-AB42-4256809EBA2E}"/>
+    <dgm:cxn modelId="{34949B07-2015-4980-B5D9-C4A9559F370B}" type="presOf" srcId="{29AE96CC-29B8-42DD-9B01-28295F65C26B}" destId="{FB4FFECD-09C9-4284-821E-2A119C4A8654}" srcOrd="0" destOrd="0" presId="urn:microsoft.com/office/officeart/2005/8/layout/matrix3"/>
+    <dgm:cxn modelId="{6229131A-6641-41EF-91D2-D083B4804AFD}" srcId="{7945A909-895B-4AC7-8124-F011026208FD}" destId="{7E931219-F3D4-42A9-BF03-73F96EB0A889}" srcOrd="0" destOrd="0" parTransId="{218AC56F-776C-4D37-9C8C-303615816C8E}" sibTransId="{CB0F78B4-D4BF-4583-BBCF-4D2CC0CDF094}"/>
+    <dgm:cxn modelId="{EC155E4A-8605-4F02-A15E-8DE1FE9F099D}" type="presOf" srcId="{7E931219-F3D4-42A9-BF03-73F96EB0A889}" destId="{17649A07-9808-4ADC-AC4C-42A8F40273CA}" srcOrd="0" destOrd="0" presId="urn:microsoft.com/office/officeart/2005/8/layout/matrix3"/>
+    <dgm:cxn modelId="{B950BE8E-0C6A-479B-BA54-C567C4BBFB75}" srcId="{7945A909-895B-4AC7-8124-F011026208FD}" destId="{0BDB1B71-623B-447A-A600-58256BA69167}" srcOrd="2" destOrd="0" parTransId="{FBA0A0CD-4090-4049-82A1-E375EF1B6B65}" sibTransId="{35AD4806-244C-4DFE-B8F3-597DC173CD7A}"/>
+    <dgm:cxn modelId="{7CF4F1AE-E314-45C2-9927-66BC3894A43C}" srcId="{7945A909-895B-4AC7-8124-F011026208FD}" destId="{29AE96CC-29B8-42DD-9B01-28295F65C26B}" srcOrd="3" destOrd="0" parTransId="{567D4020-ACDD-411A-BDD1-BF0A5104D43D}" sibTransId="{98EA3EAD-F9F4-4FEB-9DDC-A17075C76508}"/>
+    <dgm:cxn modelId="{5DF8FFB1-E7A2-45BB-B9B1-7F50CC57A64A}" type="presOf" srcId="{2D61C9D9-E770-491A-803F-C39E6545B583}" destId="{8E84048A-185B-476E-B4A6-14DF4F73EE16}" srcOrd="0" destOrd="0" presId="urn:microsoft.com/office/officeart/2005/8/layout/matrix3"/>
+    <dgm:cxn modelId="{432EEFD6-CA05-421E-AD4F-1A3E32A1B5BE}" type="presOf" srcId="{0BDB1B71-623B-447A-A600-58256BA69167}" destId="{E3358E55-D1BC-4360-B6DC-B9246F5DBCE5}" srcOrd="0" destOrd="0" presId="urn:microsoft.com/office/officeart/2005/8/layout/matrix3"/>
+    <dgm:cxn modelId="{495E58F8-3B70-48ED-B344-9D435A047AB5}" type="presOf" srcId="{7945A909-895B-4AC7-8124-F011026208FD}" destId="{ABF8324B-30AA-41C4-8B76-DEFEBFBD62F8}" srcOrd="0" destOrd="0" presId="urn:microsoft.com/office/officeart/2005/8/layout/matrix3"/>
+    <dgm:cxn modelId="{7EC37E52-317F-4295-93B4-44CEF731B901}" type="presParOf" srcId="{ABF8324B-30AA-41C4-8B76-DEFEBFBD62F8}" destId="{165C47D3-D73C-4FA1-B6F4-9BE80935A4EC}" srcOrd="0" destOrd="0" presId="urn:microsoft.com/office/officeart/2005/8/layout/matrix3"/>
+    <dgm:cxn modelId="{921BAE81-EFB2-4769-9F56-4A473E459905}" type="presParOf" srcId="{ABF8324B-30AA-41C4-8B76-DEFEBFBD62F8}" destId="{17649A07-9808-4ADC-AC4C-42A8F40273CA}" srcOrd="1" destOrd="0" presId="urn:microsoft.com/office/officeart/2005/8/layout/matrix3"/>
+    <dgm:cxn modelId="{676822D8-8925-4640-A4B6-AECAE665ACB1}" type="presParOf" srcId="{ABF8324B-30AA-41C4-8B76-DEFEBFBD62F8}" destId="{8E84048A-185B-476E-B4A6-14DF4F73EE16}" srcOrd="2" destOrd="0" presId="urn:microsoft.com/office/officeart/2005/8/layout/matrix3"/>
+    <dgm:cxn modelId="{5AE72636-DEC6-4685-9CE1-7396EEB25F20}" type="presParOf" srcId="{ABF8324B-30AA-41C4-8B76-DEFEBFBD62F8}" destId="{E3358E55-D1BC-4360-B6DC-B9246F5DBCE5}" srcOrd="3" destOrd="0" presId="urn:microsoft.com/office/officeart/2005/8/layout/matrix3"/>
+    <dgm:cxn modelId="{20D3356E-1083-4811-AD01-F6147133B947}" type="presParOf" srcId="{ABF8324B-30AA-41C4-8B76-DEFEBFBD62F8}" destId="{FB4FFECD-09C9-4284-821E-2A119C4A8654}" srcOrd="4" destOrd="0" presId="urn:microsoft.com/office/officeart/2005/8/layout/matrix3"/>
   </dgm:cxnLst>
   <dgm:bg/>
   <dgm:whole/>
@@ -6267,8 +7280,8 @@
       </dsp:nvSpPr>
       <dsp:spPr>
         <a:xfrm>
-          <a:off x="0" y="377626"/>
-          <a:ext cx="6236208" cy="918225"/>
+          <a:off x="0" y="420263"/>
+          <a:ext cx="6236208" cy="1398600"/>
         </a:xfrm>
         <a:prstGeom prst="rect">
           <a:avLst/>
@@ -6309,12 +7322,12 @@
         <a:fontRef idx="minor"/>
       </dsp:style>
       <dsp:txBody>
-        <a:bodyPr spcFirstLastPara="0" vert="horz" wrap="square" lIns="483999" tIns="458216" rIns="483999" bIns="156464" numCol="1" spcCol="1270" anchor="t" anchorCtr="0">
+        <a:bodyPr spcFirstLastPara="0" vert="horz" wrap="square" lIns="483999" tIns="499872" rIns="483999" bIns="170688" numCol="1" spcCol="1270" anchor="t" anchorCtr="0">
           <a:noAutofit/>
         </a:bodyPr>
         <a:lstStyle/>
         <a:p>
-          <a:pPr marL="228600" lvl="1" indent="-228600" algn="l" defTabSz="977900">
+          <a:pPr marL="228600" lvl="1" indent="-228600" algn="l" defTabSz="1066800">
             <a:lnSpc>
               <a:spcPct val="90000"/>
             </a:lnSpc>
@@ -6327,15 +7340,32 @@
             <a:buChar char="•"/>
           </a:pPr>
           <a:r>
-            <a:rPr lang="hu-HU" sz="2200" kern="1200" dirty="0" err="1"/>
-            <a:t>Seggevés</a:t>
+            <a:rPr lang="hu-HU" sz="2400" kern="1200" dirty="0"/>
+            <a:t>Dokumentáció</a:t>
           </a:r>
-          <a:endParaRPr lang="hu-HU" sz="2200" kern="1200" dirty="0"/>
+        </a:p>
+        <a:p>
+          <a:pPr marL="228600" lvl="1" indent="-228600" algn="l" defTabSz="1066800">
+            <a:lnSpc>
+              <a:spcPct val="90000"/>
+            </a:lnSpc>
+            <a:spcBef>
+              <a:spcPct val="0"/>
+            </a:spcBef>
+            <a:spcAft>
+              <a:spcPct val="15000"/>
+            </a:spcAft>
+            <a:buChar char="•"/>
+          </a:pPr>
+          <a:r>
+            <a:rPr lang="hu-HU" sz="2400" kern="1200" dirty="0"/>
+            <a:t>Prezentáció</a:t>
+          </a:r>
         </a:p>
       </dsp:txBody>
       <dsp:txXfrm>
-        <a:off x="0" y="377626"/>
-        <a:ext cx="6236208" cy="918225"/>
+        <a:off x="0" y="420263"/>
+        <a:ext cx="6236208" cy="1398600"/>
       </dsp:txXfrm>
     </dsp:sp>
     <dsp:sp modelId="{C83E44F5-4A10-4C52-99FF-A78DCDB9F0AB}">
@@ -6345,8 +7375,8 @@
       </dsp:nvSpPr>
       <dsp:spPr>
         <a:xfrm>
-          <a:off x="311810" y="52906"/>
-          <a:ext cx="4365345" cy="649440"/>
+          <a:off x="311810" y="66023"/>
+          <a:ext cx="4365345" cy="708480"/>
         </a:xfrm>
         <a:prstGeom prst="roundRect">
           <a:avLst/>
@@ -6379,7 +7409,7 @@
         </a:bodyPr>
         <a:lstStyle/>
         <a:p>
-          <a:pPr marL="0" lvl="0" indent="0" algn="l" defTabSz="977900">
+          <a:pPr marL="0" lvl="0" indent="0" algn="l" defTabSz="1066800">
             <a:lnSpc>
               <a:spcPct val="90000"/>
             </a:lnSpc>
@@ -6392,7 +7422,7 @@
             <a:buNone/>
           </a:pPr>
           <a:r>
-            <a:rPr lang="hu-HU" sz="2200" b="1" kern="1200">
+            <a:rPr lang="hu-HU" sz="2400" b="1" kern="1200">
               <a:effectLst>
                 <a:outerShdw blurRad="38100" dist="38100" dir="2700000" algn="tl">
                   <a:srgbClr val="000000">
@@ -6409,8 +7439,8 @@
         </a:p>
       </dsp:txBody>
       <dsp:txXfrm>
-        <a:off x="343513" y="84609"/>
-        <a:ext cx="4301939" cy="586034"/>
+        <a:off x="346395" y="100608"/>
+        <a:ext cx="4296175" cy="639310"/>
       </dsp:txXfrm>
     </dsp:sp>
     <dsp:sp modelId="{A516C955-3018-463E-BE1B-04EF5F411774}">
@@ -6420,8 +7450,8 @@
       </dsp:nvSpPr>
       <dsp:spPr>
         <a:xfrm>
-          <a:off x="0" y="1739371"/>
-          <a:ext cx="6236208" cy="1975050"/>
+          <a:off x="0" y="2302704"/>
+          <a:ext cx="6236208" cy="1398600"/>
         </a:xfrm>
         <a:prstGeom prst="rect">
           <a:avLst/>
@@ -6462,12 +7492,12 @@
         <a:fontRef idx="minor"/>
       </dsp:style>
       <dsp:txBody>
-        <a:bodyPr spcFirstLastPara="0" vert="horz" wrap="square" lIns="483999" tIns="458216" rIns="483999" bIns="156464" numCol="1" spcCol="1270" anchor="t" anchorCtr="0">
+        <a:bodyPr spcFirstLastPara="0" vert="horz" wrap="square" lIns="483999" tIns="499872" rIns="483999" bIns="170688" numCol="1" spcCol="1270" anchor="t" anchorCtr="0">
           <a:noAutofit/>
         </a:bodyPr>
         <a:lstStyle/>
         <a:p>
-          <a:pPr marL="228600" lvl="1" indent="-228600" algn="l" defTabSz="977900">
+          <a:pPr marL="228600" lvl="1" indent="-228600" algn="l" defTabSz="1066800">
             <a:lnSpc>
               <a:spcPct val="90000"/>
             </a:lnSpc>
@@ -6480,12 +7510,12 @@
             <a:buChar char="•"/>
           </a:pPr>
           <a:r>
-            <a:rPr lang="hu-HU" sz="2200" kern="1200" dirty="0"/>
-            <a:t>Dokumentáció</a:t>
+            <a:rPr lang="hu-HU" sz="2400" kern="1200" dirty="0"/>
+            <a:t>Szoftver</a:t>
           </a:r>
         </a:p>
         <a:p>
-          <a:pPr marL="228600" lvl="1" indent="-228600" algn="l" defTabSz="977900">
+          <a:pPr marL="228600" lvl="1" indent="-228600" algn="l" defTabSz="1066800">
             <a:lnSpc>
               <a:spcPct val="90000"/>
             </a:lnSpc>
@@ -6498,50 +7528,14 @@
             <a:buChar char="•"/>
           </a:pPr>
           <a:r>
-            <a:rPr lang="hu-HU" sz="2200" kern="1200" dirty="0"/>
-            <a:t>Szoftver</a:t>
-          </a:r>
-        </a:p>
-        <a:p>
-          <a:pPr marL="228600" lvl="1" indent="-228600" algn="l" defTabSz="977900">
-            <a:lnSpc>
-              <a:spcPct val="90000"/>
-            </a:lnSpc>
-            <a:spcBef>
-              <a:spcPct val="0"/>
-            </a:spcBef>
-            <a:spcAft>
-              <a:spcPct val="15000"/>
-            </a:spcAft>
-            <a:buChar char="•"/>
-          </a:pPr>
-          <a:r>
-            <a:rPr lang="hu-HU" sz="2200" kern="1200" dirty="0"/>
+            <a:rPr lang="hu-HU" sz="2400" kern="1200" dirty="0"/>
             <a:t>Bementi adatok</a:t>
-          </a:r>
-        </a:p>
-        <a:p>
-          <a:pPr marL="228600" lvl="1" indent="-228600" algn="l" defTabSz="977900">
-            <a:lnSpc>
-              <a:spcPct val="90000"/>
-            </a:lnSpc>
-            <a:spcBef>
-              <a:spcPct val="0"/>
-            </a:spcBef>
-            <a:spcAft>
-              <a:spcPct val="15000"/>
-            </a:spcAft>
-            <a:buChar char="•"/>
-          </a:pPr>
-          <a:r>
-            <a:rPr lang="hu-HU" sz="2200" kern="1200" dirty="0"/>
-            <a:t>Prezentáció</a:t>
           </a:r>
         </a:p>
       </dsp:txBody>
       <dsp:txXfrm>
-        <a:off x="0" y="1739371"/>
-        <a:ext cx="6236208" cy="1975050"/>
+        <a:off x="0" y="2302704"/>
+        <a:ext cx="6236208" cy="1398600"/>
       </dsp:txXfrm>
     </dsp:sp>
     <dsp:sp modelId="{674875BE-540F-4BB3-B119-8DDEF7EBBD44}">
@@ -6551,8 +7545,8 @@
       </dsp:nvSpPr>
       <dsp:spPr>
         <a:xfrm>
-          <a:off x="311810" y="1414651"/>
-          <a:ext cx="4365345" cy="649440"/>
+          <a:off x="311810" y="1948464"/>
+          <a:ext cx="4365345" cy="708480"/>
         </a:xfrm>
         <a:prstGeom prst="roundRect">
           <a:avLst/>
@@ -6585,7 +7579,7 @@
         </a:bodyPr>
         <a:lstStyle/>
         <a:p>
-          <a:pPr marL="0" lvl="0" indent="0" algn="l" defTabSz="977900">
+          <a:pPr marL="0" lvl="0" indent="0" algn="l" defTabSz="1066800">
             <a:lnSpc>
               <a:spcPct val="90000"/>
             </a:lnSpc>
@@ -6598,7 +7592,7 @@
             <a:buNone/>
           </a:pPr>
           <a:r>
-            <a:rPr lang="hu-HU" sz="2200" b="1" kern="1200">
+            <a:rPr lang="hu-HU" sz="2400" b="1" kern="1200">
               <a:effectLst>
                 <a:outerShdw blurRad="38100" dist="38100" dir="2700000" algn="tl">
                   <a:srgbClr val="000000">
@@ -6612,12 +7606,348 @@
             </a:rPr>
             <a:t>Levente</a:t>
           </a:r>
-          <a:endParaRPr lang="hu-HU" sz="2200" kern="1200"/>
+          <a:endParaRPr lang="hu-HU" sz="2400" kern="1200"/>
         </a:p>
       </dsp:txBody>
       <dsp:txXfrm>
-        <a:off x="343513" y="1446354"/>
-        <a:ext cx="4301939" cy="586034"/>
+        <a:off x="346395" y="1983049"/>
+        <a:ext cx="4296175" cy="639310"/>
+      </dsp:txXfrm>
+    </dsp:sp>
+  </dsp:spTree>
+</dsp:drawing>
+</file>
+
+<file path=ppt/diagrams/drawing5.xml><?xml version="1.0" encoding="utf-8"?>
+<dsp:drawing xmlns:dgm="http://schemas.openxmlformats.org/drawingml/2006/diagram" xmlns:dsp="http://schemas.microsoft.com/office/drawing/2008/diagram" xmlns:a="http://schemas.openxmlformats.org/drawingml/2006/main">
+  <dsp:spTree>
+    <dsp:nvGrpSpPr>
+      <dsp:cNvPr id="0" name=""/>
+      <dsp:cNvGrpSpPr/>
+    </dsp:nvGrpSpPr>
+    <dsp:grpSpPr/>
+    <dsp:sp modelId="{165C47D3-D73C-4FA1-B6F4-9BE80935A4EC}">
+      <dsp:nvSpPr>
+        <dsp:cNvPr id="0" name=""/>
+        <dsp:cNvSpPr/>
+      </dsp:nvSpPr>
+      <dsp:spPr>
+        <a:xfrm>
+          <a:off x="553211" y="0"/>
+          <a:ext cx="4050792" cy="4050792"/>
+        </a:xfrm>
+        <a:prstGeom prst="diamond">
+          <a:avLst/>
+        </a:prstGeom>
+        <a:solidFill>
+          <a:schemeClr val="accent6">
+            <a:lumMod val="60000"/>
+            <a:lumOff val="40000"/>
+          </a:schemeClr>
+        </a:solidFill>
+        <a:ln>
+          <a:noFill/>
+        </a:ln>
+        <a:effectLst/>
+      </dsp:spPr>
+      <dsp:style>
+        <a:lnRef idx="0">
+          <a:scrgbClr r="0" g="0" b="0"/>
+        </a:lnRef>
+        <a:fillRef idx="1">
+          <a:scrgbClr r="0" g="0" b="0"/>
+        </a:fillRef>
+        <a:effectRef idx="2">
+          <a:scrgbClr r="0" g="0" b="0"/>
+        </a:effectRef>
+        <a:fontRef idx="minor"/>
+      </dsp:style>
+    </dsp:sp>
+    <dsp:sp modelId="{17649A07-9808-4ADC-AC4C-42A8F40273CA}">
+      <dsp:nvSpPr>
+        <dsp:cNvPr id="0" name=""/>
+        <dsp:cNvSpPr/>
+      </dsp:nvSpPr>
+      <dsp:spPr>
+        <a:xfrm>
+          <a:off x="938037" y="384825"/>
+          <a:ext cx="1579808" cy="1579808"/>
+        </a:xfrm>
+        <a:prstGeom prst="roundRect">
+          <a:avLst/>
+        </a:prstGeom>
+        <a:solidFill>
+          <a:schemeClr val="accent4"/>
+        </a:solidFill>
+        <a:ln>
+          <a:noFill/>
+        </a:ln>
+        <a:effectLst>
+          <a:outerShdw blurRad="57150" dist="19050" dir="5400000" algn="ctr" rotWithShape="0">
+            <a:srgbClr val="000000">
+              <a:alpha val="63000"/>
+            </a:srgbClr>
+          </a:outerShdw>
+        </a:effectLst>
+      </dsp:spPr>
+      <dsp:style>
+        <a:lnRef idx="0">
+          <a:scrgbClr r="0" g="0" b="0"/>
+        </a:lnRef>
+        <a:fillRef idx="3">
+          <a:scrgbClr r="0" g="0" b="0"/>
+        </a:fillRef>
+        <a:effectRef idx="3">
+          <a:scrgbClr r="0" g="0" b="0"/>
+        </a:effectRef>
+        <a:fontRef idx="minor">
+          <a:schemeClr val="lt1"/>
+        </a:fontRef>
+      </dsp:style>
+      <dsp:txBody>
+        <a:bodyPr spcFirstLastPara="0" vert="horz" wrap="square" lIns="68580" tIns="68580" rIns="68580" bIns="68580" numCol="1" spcCol="1270" anchor="ctr" anchorCtr="0">
+          <a:noAutofit/>
+        </a:bodyPr>
+        <a:lstStyle/>
+        <a:p>
+          <a:pPr marL="0" lvl="0" indent="0" algn="ctr" defTabSz="800100">
+            <a:lnSpc>
+              <a:spcPct val="90000"/>
+            </a:lnSpc>
+            <a:spcBef>
+              <a:spcPct val="0"/>
+            </a:spcBef>
+            <a:spcAft>
+              <a:spcPct val="35000"/>
+            </a:spcAft>
+            <a:buNone/>
+          </a:pPr>
+          <a:r>
+            <a:rPr lang="hu-HU" sz="1800" b="1" kern="1200" dirty="0"/>
+            <a:t>Mindenki egy adott dolgot csinált</a:t>
+          </a:r>
+          <a:endParaRPr lang="hu-HU" sz="1800" kern="1200" dirty="0"/>
+        </a:p>
+      </dsp:txBody>
+      <dsp:txXfrm>
+        <a:off x="1015157" y="461945"/>
+        <a:ext cx="1425568" cy="1425568"/>
+      </dsp:txXfrm>
+    </dsp:sp>
+    <dsp:sp modelId="{8E84048A-185B-476E-B4A6-14DF4F73EE16}">
+      <dsp:nvSpPr>
+        <dsp:cNvPr id="0" name=""/>
+        <dsp:cNvSpPr/>
+      </dsp:nvSpPr>
+      <dsp:spPr>
+        <a:xfrm>
+          <a:off x="2639369" y="384825"/>
+          <a:ext cx="1579808" cy="1579808"/>
+        </a:xfrm>
+        <a:prstGeom prst="roundRect">
+          <a:avLst/>
+        </a:prstGeom>
+        <a:solidFill>
+          <a:schemeClr val="accent1">
+            <a:lumMod val="60000"/>
+            <a:lumOff val="40000"/>
+          </a:schemeClr>
+        </a:solidFill>
+        <a:ln>
+          <a:noFill/>
+        </a:ln>
+        <a:effectLst>
+          <a:outerShdw blurRad="57150" dist="19050" dir="5400000" algn="ctr" rotWithShape="0">
+            <a:srgbClr val="000000">
+              <a:alpha val="63000"/>
+            </a:srgbClr>
+          </a:outerShdw>
+        </a:effectLst>
+      </dsp:spPr>
+      <dsp:style>
+        <a:lnRef idx="0">
+          <a:scrgbClr r="0" g="0" b="0"/>
+        </a:lnRef>
+        <a:fillRef idx="3">
+          <a:scrgbClr r="0" g="0" b="0"/>
+        </a:fillRef>
+        <a:effectRef idx="3">
+          <a:scrgbClr r="0" g="0" b="0"/>
+        </a:effectRef>
+        <a:fontRef idx="minor">
+          <a:schemeClr val="lt1"/>
+        </a:fontRef>
+      </dsp:style>
+      <dsp:txBody>
+        <a:bodyPr spcFirstLastPara="0" vert="horz" wrap="square" lIns="68580" tIns="68580" rIns="68580" bIns="68580" numCol="1" spcCol="1270" anchor="ctr" anchorCtr="0">
+          <a:noAutofit/>
+        </a:bodyPr>
+        <a:lstStyle/>
+        <a:p>
+          <a:pPr marL="0" lvl="0" indent="0" algn="ctr" defTabSz="800100">
+            <a:lnSpc>
+              <a:spcPct val="90000"/>
+            </a:lnSpc>
+            <a:spcBef>
+              <a:spcPct val="0"/>
+            </a:spcBef>
+            <a:spcAft>
+              <a:spcPct val="35000"/>
+            </a:spcAft>
+            <a:buNone/>
+          </a:pPr>
+          <a:r>
+            <a:rPr lang="hu-HU" sz="1800" b="1" kern="1200" dirty="0"/>
+            <a:t>Senki sem szólt bele a másik munkájába</a:t>
+          </a:r>
+          <a:endParaRPr lang="hu-HU" sz="1800" kern="1200" dirty="0"/>
+        </a:p>
+      </dsp:txBody>
+      <dsp:txXfrm>
+        <a:off x="2716489" y="461945"/>
+        <a:ext cx="1425568" cy="1425568"/>
+      </dsp:txXfrm>
+    </dsp:sp>
+    <dsp:sp modelId="{E3358E55-D1BC-4360-B6DC-B9246F5DBCE5}">
+      <dsp:nvSpPr>
+        <dsp:cNvPr id="0" name=""/>
+        <dsp:cNvSpPr/>
+      </dsp:nvSpPr>
+      <dsp:spPr>
+        <a:xfrm>
+          <a:off x="938037" y="2086157"/>
+          <a:ext cx="1579808" cy="1579808"/>
+        </a:xfrm>
+        <a:prstGeom prst="roundRect">
+          <a:avLst/>
+        </a:prstGeom>
+        <a:solidFill>
+          <a:schemeClr val="accent5"/>
+        </a:solidFill>
+        <a:ln>
+          <a:noFill/>
+        </a:ln>
+        <a:effectLst>
+          <a:outerShdw blurRad="57150" dist="19050" dir="5400000" algn="ctr" rotWithShape="0">
+            <a:srgbClr val="000000">
+              <a:alpha val="63000"/>
+            </a:srgbClr>
+          </a:outerShdw>
+        </a:effectLst>
+      </dsp:spPr>
+      <dsp:style>
+        <a:lnRef idx="0">
+          <a:scrgbClr r="0" g="0" b="0"/>
+        </a:lnRef>
+        <a:fillRef idx="3">
+          <a:scrgbClr r="0" g="0" b="0"/>
+        </a:fillRef>
+        <a:effectRef idx="3">
+          <a:scrgbClr r="0" g="0" b="0"/>
+        </a:effectRef>
+        <a:fontRef idx="minor">
+          <a:schemeClr val="lt1"/>
+        </a:fontRef>
+      </dsp:style>
+      <dsp:txBody>
+        <a:bodyPr spcFirstLastPara="0" vert="horz" wrap="square" lIns="68580" tIns="68580" rIns="68580" bIns="68580" numCol="1" spcCol="1270" anchor="ctr" anchorCtr="0">
+          <a:noAutofit/>
+        </a:bodyPr>
+        <a:lstStyle/>
+        <a:p>
+          <a:pPr marL="0" lvl="0" indent="0" algn="ctr" defTabSz="800100">
+            <a:lnSpc>
+              <a:spcPct val="90000"/>
+            </a:lnSpc>
+            <a:spcBef>
+              <a:spcPct val="0"/>
+            </a:spcBef>
+            <a:spcAft>
+              <a:spcPct val="35000"/>
+            </a:spcAft>
+            <a:buNone/>
+          </a:pPr>
+          <a:r>
+            <a:rPr lang="hu-HU" sz="1800" b="1" kern="1200" dirty="0"/>
+            <a:t>Csak tanult módszerek</a:t>
+          </a:r>
+          <a:endParaRPr lang="hu-HU" sz="1800" kern="1200" dirty="0"/>
+        </a:p>
+      </dsp:txBody>
+      <dsp:txXfrm>
+        <a:off x="1015157" y="2163277"/>
+        <a:ext cx="1425568" cy="1425568"/>
+      </dsp:txXfrm>
+    </dsp:sp>
+    <dsp:sp modelId="{FB4FFECD-09C9-4284-821E-2A119C4A8654}">
+      <dsp:nvSpPr>
+        <dsp:cNvPr id="0" name=""/>
+        <dsp:cNvSpPr/>
+      </dsp:nvSpPr>
+      <dsp:spPr>
+        <a:xfrm>
+          <a:off x="2639369" y="2086157"/>
+          <a:ext cx="1579808" cy="1579808"/>
+        </a:xfrm>
+        <a:prstGeom prst="roundRect">
+          <a:avLst/>
+        </a:prstGeom>
+        <a:solidFill>
+          <a:schemeClr val="accent2"/>
+        </a:solidFill>
+        <a:ln>
+          <a:noFill/>
+        </a:ln>
+        <a:effectLst>
+          <a:outerShdw blurRad="57150" dist="19050" dir="5400000" algn="ctr" rotWithShape="0">
+            <a:srgbClr val="000000">
+              <a:alpha val="63000"/>
+            </a:srgbClr>
+          </a:outerShdw>
+        </a:effectLst>
+      </dsp:spPr>
+      <dsp:style>
+        <a:lnRef idx="0">
+          <a:scrgbClr r="0" g="0" b="0"/>
+        </a:lnRef>
+        <a:fillRef idx="3">
+          <a:scrgbClr r="0" g="0" b="0"/>
+        </a:fillRef>
+        <a:effectRef idx="3">
+          <a:scrgbClr r="0" g="0" b="0"/>
+        </a:effectRef>
+        <a:fontRef idx="minor">
+          <a:schemeClr val="lt1"/>
+        </a:fontRef>
+      </dsp:style>
+      <dsp:txBody>
+        <a:bodyPr spcFirstLastPara="0" vert="horz" wrap="square" lIns="68580" tIns="68580" rIns="68580" bIns="68580" numCol="1" spcCol="1270" anchor="ctr" anchorCtr="0">
+          <a:noAutofit/>
+        </a:bodyPr>
+        <a:lstStyle/>
+        <a:p>
+          <a:pPr marL="0" lvl="0" indent="0" algn="ctr" defTabSz="800100">
+            <a:lnSpc>
+              <a:spcPct val="90000"/>
+            </a:lnSpc>
+            <a:spcBef>
+              <a:spcPct val="0"/>
+            </a:spcBef>
+            <a:spcAft>
+              <a:spcPct val="35000"/>
+            </a:spcAft>
+            <a:buNone/>
+          </a:pPr>
+          <a:r>
+            <a:rPr lang="hu-HU" sz="1800" b="1" kern="1200" dirty="0"/>
+            <a:t>Jó projektötlet</a:t>
+          </a:r>
+          <a:endParaRPr lang="hu-HU" sz="1800" kern="1200" dirty="0"/>
+        </a:p>
+      </dsp:txBody>
+      <dsp:txXfrm>
+        <a:off x="2716489" y="2163277"/>
+        <a:ext cx="1425568" cy="1425568"/>
       </dsp:txXfrm>
     </dsp:sp>
   </dsp:spTree>
@@ -7350,6 +8680,225 @@
 </dgm:layoutDef>
 </file>
 
+<file path=ppt/diagrams/layout5.xml><?xml version="1.0" encoding="utf-8"?>
+<dgm:layoutDef xmlns:dgm="http://schemas.openxmlformats.org/drawingml/2006/diagram" xmlns:a="http://schemas.openxmlformats.org/drawingml/2006/main" uniqueId="urn:microsoft.com/office/officeart/2005/8/layout/matrix3">
+  <dgm:title val=""/>
+  <dgm:desc val=""/>
+  <dgm:catLst>
+    <dgm:cat type="matrix" pri="1000"/>
+    <dgm:cat type="convert" pri="18000"/>
+  </dgm:catLst>
+  <dgm:sampData>
+    <dgm:dataModel>
+      <dgm:ptLst>
+        <dgm:pt modelId="0" type="doc"/>
+        <dgm:pt modelId="1">
+          <dgm:prSet phldr="1"/>
+        </dgm:pt>
+        <dgm:pt modelId="2">
+          <dgm:prSet phldr="1"/>
+        </dgm:pt>
+        <dgm:pt modelId="3">
+          <dgm:prSet phldr="1"/>
+        </dgm:pt>
+        <dgm:pt modelId="4">
+          <dgm:prSet phldr="1"/>
+        </dgm:pt>
+      </dgm:ptLst>
+      <dgm:cxnLst>
+        <dgm:cxn modelId="5" srcId="0" destId="1" srcOrd="0" destOrd="0"/>
+        <dgm:cxn modelId="6" srcId="0" destId="2" srcOrd="1" destOrd="0"/>
+        <dgm:cxn modelId="7" srcId="0" destId="3" srcOrd="0" destOrd="0"/>
+        <dgm:cxn modelId="8" srcId="0" destId="4" srcOrd="1" destOrd="0"/>
+      </dgm:cxnLst>
+      <dgm:bg/>
+      <dgm:whole/>
+    </dgm:dataModel>
+  </dgm:sampData>
+  <dgm:styleData useDef="1">
+    <dgm:dataModel>
+      <dgm:ptLst/>
+      <dgm:bg/>
+      <dgm:whole/>
+    </dgm:dataModel>
+  </dgm:styleData>
+  <dgm:clrData useDef="1">
+    <dgm:dataModel>
+      <dgm:ptLst/>
+      <dgm:bg/>
+      <dgm:whole/>
+    </dgm:dataModel>
+  </dgm:clrData>
+  <dgm:layoutNode name="matrix">
+    <dgm:varLst>
+      <dgm:chMax val="1"/>
+      <dgm:dir/>
+      <dgm:resizeHandles val="exact"/>
+    </dgm:varLst>
+    <dgm:alg type="composite">
+      <dgm:param type="ar" val="1"/>
+    </dgm:alg>
+    <dgm:shape xmlns:r="http://schemas.openxmlformats.org/officeDocument/2006/relationships" r:blip="">
+      <dgm:adjLst/>
+    </dgm:shape>
+    <dgm:presOf/>
+    <dgm:choose name="Name0">
+      <dgm:if name="Name1" func="var" arg="dir" op="equ" val="norm">
+        <dgm:constrLst>
+          <dgm:constr type="w" for="ch" forName="diamond" refType="w"/>
+          <dgm:constr type="h" for="ch" forName="diamond" refType="h"/>
+          <dgm:constr type="w" for="ch" forName="quad1" refType="w" fact="0.39"/>
+          <dgm:constr type="h" for="ch" forName="quad1" refType="h" fact="0.39"/>
+          <dgm:constr type="ctrX" for="ch" forName="quad1" refType="w" fact="0.29"/>
+          <dgm:constr type="ctrY" for="ch" forName="quad1" refType="h" fact="0.29"/>
+          <dgm:constr type="w" for="ch" forName="quad2" refType="w" fact="0.39"/>
+          <dgm:constr type="h" for="ch" forName="quad2" refType="h" fact="0.39"/>
+          <dgm:constr type="ctrX" for="ch" forName="quad2" refType="w" fact="0.71"/>
+          <dgm:constr type="ctrY" for="ch" forName="quad2" refType="h" fact="0.29"/>
+          <dgm:constr type="w" for="ch" forName="quad3" refType="w" fact="0.39"/>
+          <dgm:constr type="h" for="ch" forName="quad3" refType="h" fact="0.39"/>
+          <dgm:constr type="ctrX" for="ch" forName="quad3" refType="w" fact="0.29"/>
+          <dgm:constr type="ctrY" for="ch" forName="quad3" refType="h" fact="0.71"/>
+          <dgm:constr type="w" for="ch" forName="quad4" refType="w" fact="0.39"/>
+          <dgm:constr type="h" for="ch" forName="quad4" refType="h" fact="0.39"/>
+          <dgm:constr type="ctrX" for="ch" forName="quad4" refType="w" fact="0.71"/>
+          <dgm:constr type="ctrY" for="ch" forName="quad4" refType="h" fact="0.71"/>
+          <dgm:constr type="primFontSz" for="des" ptType="node" op="equ" val="65"/>
+        </dgm:constrLst>
+      </dgm:if>
+      <dgm:else name="Name2">
+        <dgm:constrLst>
+          <dgm:constr type="w" for="ch" forName="diamond" refType="w"/>
+          <dgm:constr type="h" for="ch" forName="diamond" refType="h"/>
+          <dgm:constr type="w" for="ch" forName="quad1" refType="w" fact="0.39"/>
+          <dgm:constr type="h" for="ch" forName="quad1" refType="h" fact="0.39"/>
+          <dgm:constr type="ctrX" for="ch" forName="quad1" refType="w" fact="0.71"/>
+          <dgm:constr type="ctrY" for="ch" forName="quad1" refType="h" fact="0.29"/>
+          <dgm:constr type="w" for="ch" forName="quad2" refType="w" fact="0.39"/>
+          <dgm:constr type="h" for="ch" forName="quad2" refType="h" fact="0.39"/>
+          <dgm:constr type="ctrX" for="ch" forName="quad2" refType="w" fact="0.29"/>
+          <dgm:constr type="ctrY" for="ch" forName="quad2" refType="h" fact="0.29"/>
+          <dgm:constr type="w" for="ch" forName="quad3" refType="w" fact="0.39"/>
+          <dgm:constr type="h" for="ch" forName="quad3" refType="h" fact="0.39"/>
+          <dgm:constr type="ctrX" for="ch" forName="quad3" refType="w" fact="0.71"/>
+          <dgm:constr type="ctrY" for="ch" forName="quad3" refType="h" fact="0.71"/>
+          <dgm:constr type="w" for="ch" forName="quad4" refType="w" fact="0.39"/>
+          <dgm:constr type="h" for="ch" forName="quad4" refType="h" fact="0.39"/>
+          <dgm:constr type="ctrX" for="ch" forName="quad4" refType="w" fact="0.29"/>
+          <dgm:constr type="ctrY" for="ch" forName="quad4" refType="h" fact="0.71"/>
+          <dgm:constr type="primFontSz" for="des" ptType="node" op="equ" val="65"/>
+        </dgm:constrLst>
+      </dgm:else>
+    </dgm:choose>
+    <dgm:ruleLst/>
+    <dgm:choose name="Name3">
+      <dgm:if name="Name4" axis="ch" ptType="node" func="cnt" op="gte" val="1">
+        <dgm:layoutNode name="diamond" styleLbl="bgShp">
+          <dgm:alg type="sp"/>
+          <dgm:shape xmlns:r="http://schemas.openxmlformats.org/officeDocument/2006/relationships" type="diamond" r:blip="">
+            <dgm:adjLst/>
+          </dgm:shape>
+          <dgm:presOf/>
+          <dgm:constrLst>
+            <dgm:constr type="w" refType="h" op="equ"/>
+          </dgm:constrLst>
+          <dgm:ruleLst/>
+        </dgm:layoutNode>
+        <dgm:layoutNode name="quad1">
+          <dgm:varLst>
+            <dgm:chMax val="0"/>
+            <dgm:chPref val="0"/>
+            <dgm:bulletEnabled val="1"/>
+          </dgm:varLst>
+          <dgm:alg type="tx"/>
+          <dgm:shape xmlns:r="http://schemas.openxmlformats.org/officeDocument/2006/relationships" type="roundRect" r:blip="">
+            <dgm:adjLst/>
+          </dgm:shape>
+          <dgm:presOf axis="ch desOrSelf" ptType="node node" st="1 1" cnt="1 0"/>
+          <dgm:constrLst>
+            <dgm:constr type="w" refType="h" op="equ"/>
+            <dgm:constr type="tMarg" refType="primFontSz" fact="0.3"/>
+            <dgm:constr type="bMarg" refType="primFontSz" fact="0.3"/>
+            <dgm:constr type="lMarg" refType="primFontSz" fact="0.3"/>
+            <dgm:constr type="rMarg" refType="primFontSz" fact="0.3"/>
+          </dgm:constrLst>
+          <dgm:ruleLst>
+            <dgm:rule type="primFontSz" val="5" fact="NaN" max="NaN"/>
+          </dgm:ruleLst>
+        </dgm:layoutNode>
+        <dgm:layoutNode name="quad2">
+          <dgm:varLst>
+            <dgm:chMax val="0"/>
+            <dgm:chPref val="0"/>
+            <dgm:bulletEnabled val="1"/>
+          </dgm:varLst>
+          <dgm:alg type="tx"/>
+          <dgm:shape xmlns:r="http://schemas.openxmlformats.org/officeDocument/2006/relationships" type="roundRect" r:blip="">
+            <dgm:adjLst/>
+          </dgm:shape>
+          <dgm:presOf axis="ch desOrSelf" ptType="node node" st="2 1" cnt="1 0"/>
+          <dgm:constrLst>
+            <dgm:constr type="w" refType="h" op="equ"/>
+            <dgm:constr type="tMarg" refType="primFontSz" fact="0.3"/>
+            <dgm:constr type="bMarg" refType="primFontSz" fact="0.3"/>
+            <dgm:constr type="lMarg" refType="primFontSz" fact="0.3"/>
+            <dgm:constr type="rMarg" refType="primFontSz" fact="0.3"/>
+          </dgm:constrLst>
+          <dgm:ruleLst>
+            <dgm:rule type="primFontSz" val="5" fact="NaN" max="NaN"/>
+          </dgm:ruleLst>
+        </dgm:layoutNode>
+        <dgm:layoutNode name="quad3">
+          <dgm:varLst>
+            <dgm:chMax val="0"/>
+            <dgm:chPref val="0"/>
+            <dgm:bulletEnabled val="1"/>
+          </dgm:varLst>
+          <dgm:alg type="tx"/>
+          <dgm:shape xmlns:r="http://schemas.openxmlformats.org/officeDocument/2006/relationships" type="roundRect" r:blip="">
+            <dgm:adjLst/>
+          </dgm:shape>
+          <dgm:presOf axis="ch desOrSelf" ptType="node node" st="3 1" cnt="1 0"/>
+          <dgm:constrLst>
+            <dgm:constr type="w" refType="h" op="equ"/>
+            <dgm:constr type="tMarg" refType="primFontSz" fact="0.3"/>
+            <dgm:constr type="bMarg" refType="primFontSz" fact="0.3"/>
+            <dgm:constr type="lMarg" refType="primFontSz" fact="0.3"/>
+            <dgm:constr type="rMarg" refType="primFontSz" fact="0.3"/>
+          </dgm:constrLst>
+          <dgm:ruleLst>
+            <dgm:rule type="primFontSz" val="5" fact="NaN" max="NaN"/>
+          </dgm:ruleLst>
+        </dgm:layoutNode>
+        <dgm:layoutNode name="quad4">
+          <dgm:varLst>
+            <dgm:chMax val="0"/>
+            <dgm:chPref val="0"/>
+            <dgm:bulletEnabled val="1"/>
+          </dgm:varLst>
+          <dgm:alg type="tx"/>
+          <dgm:shape xmlns:r="http://schemas.openxmlformats.org/officeDocument/2006/relationships" type="roundRect" r:blip="">
+            <dgm:adjLst/>
+          </dgm:shape>
+          <dgm:presOf axis="ch desOrSelf" ptType="node node" st="4 1" cnt="1 0"/>
+          <dgm:constrLst>
+            <dgm:constr type="w" refType="h" op="equ"/>
+            <dgm:constr type="tMarg" refType="primFontSz" fact="0.3"/>
+            <dgm:constr type="bMarg" refType="primFontSz" fact="0.3"/>
+            <dgm:constr type="lMarg" refType="primFontSz" fact="0.3"/>
+            <dgm:constr type="rMarg" refType="primFontSz" fact="0.3"/>
+          </dgm:constrLst>
+          <dgm:ruleLst>
+            <dgm:rule type="primFontSz" val="5" fact="NaN" max="NaN"/>
+          </dgm:ruleLst>
+        </dgm:layoutNode>
+      </dgm:if>
+      <dgm:else name="Name5"/>
+    </dgm:choose>
+  </dgm:layoutNode>
+</dgm:layoutDef>
+</file>
+
 <file path=ppt/diagrams/quickStyle1.xml><?xml version="1.0" encoding="utf-8"?>
 <dgm:styleDef xmlns:dgm="http://schemas.openxmlformats.org/drawingml/2006/diagram" xmlns:a="http://schemas.openxmlformats.org/drawingml/2006/main" uniqueId="urn:microsoft.com/office/officeart/2005/8/quickstyle/3d5">
   <dgm:title val=""/>
@@ -11770,6 +13319,1040 @@
         <a:scrgbClr r="0" g="0" b="0"/>
       </a:fillRef>
       <a:effectRef idx="2">
+        <a:scrgbClr r="0" g="0" b="0"/>
+      </a:effectRef>
+      <a:fontRef idx="minor"/>
+    </dgm:style>
+  </dgm:styleLbl>
+  <dgm:styleLbl name="revTx">
+    <dgm:scene3d>
+      <a:camera prst="orthographicFront"/>
+      <a:lightRig rig="threePt" dir="t"/>
+    </dgm:scene3d>
+    <dgm:sp3d/>
+    <dgm:txPr/>
+    <dgm:style>
+      <a:lnRef idx="0">
+        <a:scrgbClr r="0" g="0" b="0"/>
+      </a:lnRef>
+      <a:fillRef idx="0">
+        <a:scrgbClr r="0" g="0" b="0"/>
+      </a:fillRef>
+      <a:effectRef idx="0">
+        <a:scrgbClr r="0" g="0" b="0"/>
+      </a:effectRef>
+      <a:fontRef idx="minor"/>
+    </dgm:style>
+  </dgm:styleLbl>
+</dgm:styleDef>
+</file>
+
+<file path=ppt/diagrams/quickStyle5.xml><?xml version="1.0" encoding="utf-8"?>
+<dgm:styleDef xmlns:dgm="http://schemas.openxmlformats.org/drawingml/2006/diagram" xmlns:a="http://schemas.openxmlformats.org/drawingml/2006/main" uniqueId="urn:microsoft.com/office/officeart/2005/8/quickstyle/simple5">
+  <dgm:title val=""/>
+  <dgm:desc val=""/>
+  <dgm:catLst>
+    <dgm:cat type="simple" pri="10500"/>
+  </dgm:catLst>
+  <dgm:scene3d>
+    <a:camera prst="orthographicFront"/>
+    <a:lightRig rig="threePt" dir="t"/>
+  </dgm:scene3d>
+  <dgm:styleLbl name="node0">
+    <dgm:scene3d>
+      <a:camera prst="orthographicFront"/>
+      <a:lightRig rig="threePt" dir="t"/>
+    </dgm:scene3d>
+    <dgm:sp3d/>
+    <dgm:txPr/>
+    <dgm:style>
+      <a:lnRef idx="0">
+        <a:scrgbClr r="0" g="0" b="0"/>
+      </a:lnRef>
+      <a:fillRef idx="3">
+        <a:scrgbClr r="0" g="0" b="0"/>
+      </a:fillRef>
+      <a:effectRef idx="3">
+        <a:scrgbClr r="0" g="0" b="0"/>
+      </a:effectRef>
+      <a:fontRef idx="minor">
+        <a:schemeClr val="lt1"/>
+      </a:fontRef>
+    </dgm:style>
+  </dgm:styleLbl>
+  <dgm:styleLbl name="lnNode1">
+    <dgm:scene3d>
+      <a:camera prst="orthographicFront"/>
+      <a:lightRig rig="threePt" dir="t"/>
+    </dgm:scene3d>
+    <dgm:sp3d/>
+    <dgm:txPr/>
+    <dgm:style>
+      <a:lnRef idx="0">
+        <a:scrgbClr r="0" g="0" b="0"/>
+      </a:lnRef>
+      <a:fillRef idx="3">
+        <a:scrgbClr r="0" g="0" b="0"/>
+      </a:fillRef>
+      <a:effectRef idx="3">
+        <a:scrgbClr r="0" g="0" b="0"/>
+      </a:effectRef>
+      <a:fontRef idx="minor">
+        <a:schemeClr val="lt1"/>
+      </a:fontRef>
+    </dgm:style>
+  </dgm:styleLbl>
+  <dgm:styleLbl name="vennNode1">
+    <dgm:scene3d>
+      <a:camera prst="orthographicFront"/>
+      <a:lightRig rig="threePt" dir="t"/>
+    </dgm:scene3d>
+    <dgm:sp3d/>
+    <dgm:txPr/>
+    <dgm:style>
+      <a:lnRef idx="0">
+        <a:scrgbClr r="0" g="0" b="0"/>
+      </a:lnRef>
+      <a:fillRef idx="3">
+        <a:scrgbClr r="0" g="0" b="0"/>
+      </a:fillRef>
+      <a:effectRef idx="3">
+        <a:scrgbClr r="0" g="0" b="0"/>
+      </a:effectRef>
+      <a:fontRef idx="minor">
+        <a:schemeClr val="tx1"/>
+      </a:fontRef>
+    </dgm:style>
+  </dgm:styleLbl>
+  <dgm:styleLbl name="alignNode1">
+    <dgm:scene3d>
+      <a:camera prst="orthographicFront"/>
+      <a:lightRig rig="threePt" dir="t"/>
+    </dgm:scene3d>
+    <dgm:sp3d/>
+    <dgm:txPr/>
+    <dgm:style>
+      <a:lnRef idx="1">
+        <a:scrgbClr r="0" g="0" b="0"/>
+      </a:lnRef>
+      <a:fillRef idx="3">
+        <a:scrgbClr r="0" g="0" b="0"/>
+      </a:fillRef>
+      <a:effectRef idx="3">
+        <a:scrgbClr r="0" g="0" b="0"/>
+      </a:effectRef>
+      <a:fontRef idx="minor">
+        <a:schemeClr val="lt1"/>
+      </a:fontRef>
+    </dgm:style>
+  </dgm:styleLbl>
+  <dgm:styleLbl name="node1">
+    <dgm:scene3d>
+      <a:camera prst="orthographicFront"/>
+      <a:lightRig rig="threePt" dir="t"/>
+    </dgm:scene3d>
+    <dgm:sp3d/>
+    <dgm:txPr/>
+    <dgm:style>
+      <a:lnRef idx="0">
+        <a:scrgbClr r="0" g="0" b="0"/>
+      </a:lnRef>
+      <a:fillRef idx="3">
+        <a:scrgbClr r="0" g="0" b="0"/>
+      </a:fillRef>
+      <a:effectRef idx="3">
+        <a:scrgbClr r="0" g="0" b="0"/>
+      </a:effectRef>
+      <a:fontRef idx="minor">
+        <a:schemeClr val="lt1"/>
+      </a:fontRef>
+    </dgm:style>
+  </dgm:styleLbl>
+  <dgm:styleLbl name="node2">
+    <dgm:scene3d>
+      <a:camera prst="orthographicFront"/>
+      <a:lightRig rig="threePt" dir="t"/>
+    </dgm:scene3d>
+    <dgm:sp3d/>
+    <dgm:txPr/>
+    <dgm:style>
+      <a:lnRef idx="0">
+        <a:scrgbClr r="0" g="0" b="0"/>
+      </a:lnRef>
+      <a:fillRef idx="3">
+        <a:scrgbClr r="0" g="0" b="0"/>
+      </a:fillRef>
+      <a:effectRef idx="3">
+        <a:scrgbClr r="0" g="0" b="0"/>
+      </a:effectRef>
+      <a:fontRef idx="minor">
+        <a:schemeClr val="lt1"/>
+      </a:fontRef>
+    </dgm:style>
+  </dgm:styleLbl>
+  <dgm:styleLbl name="node3">
+    <dgm:scene3d>
+      <a:camera prst="orthographicFront"/>
+      <a:lightRig rig="threePt" dir="t"/>
+    </dgm:scene3d>
+    <dgm:sp3d/>
+    <dgm:txPr/>
+    <dgm:style>
+      <a:lnRef idx="0">
+        <a:scrgbClr r="0" g="0" b="0"/>
+      </a:lnRef>
+      <a:fillRef idx="3">
+        <a:scrgbClr r="0" g="0" b="0"/>
+      </a:fillRef>
+      <a:effectRef idx="3">
+        <a:scrgbClr r="0" g="0" b="0"/>
+      </a:effectRef>
+      <a:fontRef idx="minor">
+        <a:schemeClr val="lt1"/>
+      </a:fontRef>
+    </dgm:style>
+  </dgm:styleLbl>
+  <dgm:styleLbl name="node4">
+    <dgm:scene3d>
+      <a:camera prst="orthographicFront"/>
+      <a:lightRig rig="threePt" dir="t"/>
+    </dgm:scene3d>
+    <dgm:sp3d/>
+    <dgm:txPr/>
+    <dgm:style>
+      <a:lnRef idx="0">
+        <a:scrgbClr r="0" g="0" b="0"/>
+      </a:lnRef>
+      <a:fillRef idx="3">
+        <a:scrgbClr r="0" g="0" b="0"/>
+      </a:fillRef>
+      <a:effectRef idx="3">
+        <a:scrgbClr r="0" g="0" b="0"/>
+      </a:effectRef>
+      <a:fontRef idx="minor">
+        <a:schemeClr val="lt1"/>
+      </a:fontRef>
+    </dgm:style>
+  </dgm:styleLbl>
+  <dgm:styleLbl name="fgImgPlace1">
+    <dgm:scene3d>
+      <a:camera prst="orthographicFront"/>
+      <a:lightRig rig="threePt" dir="t"/>
+    </dgm:scene3d>
+    <dgm:sp3d/>
+    <dgm:txPr/>
+    <dgm:style>
+      <a:lnRef idx="0">
+        <a:scrgbClr r="0" g="0" b="0"/>
+      </a:lnRef>
+      <a:fillRef idx="1">
+        <a:scrgbClr r="0" g="0" b="0"/>
+      </a:fillRef>
+      <a:effectRef idx="3">
+        <a:scrgbClr r="0" g="0" b="0"/>
+      </a:effectRef>
+      <a:fontRef idx="minor"/>
+    </dgm:style>
+  </dgm:styleLbl>
+  <dgm:styleLbl name="alignImgPlace1">
+    <dgm:scene3d>
+      <a:camera prst="orthographicFront"/>
+      <a:lightRig rig="threePt" dir="t"/>
+    </dgm:scene3d>
+    <dgm:sp3d/>
+    <dgm:txPr/>
+    <dgm:style>
+      <a:lnRef idx="0">
+        <a:scrgbClr r="0" g="0" b="0"/>
+      </a:lnRef>
+      <a:fillRef idx="1">
+        <a:scrgbClr r="0" g="0" b="0"/>
+      </a:fillRef>
+      <a:effectRef idx="3">
+        <a:scrgbClr r="0" g="0" b="0"/>
+      </a:effectRef>
+      <a:fontRef idx="minor"/>
+    </dgm:style>
+  </dgm:styleLbl>
+  <dgm:styleLbl name="bgImgPlace1">
+    <dgm:scene3d>
+      <a:camera prst="orthographicFront"/>
+      <a:lightRig rig="threePt" dir="t"/>
+    </dgm:scene3d>
+    <dgm:sp3d/>
+    <dgm:txPr/>
+    <dgm:style>
+      <a:lnRef idx="0">
+        <a:scrgbClr r="0" g="0" b="0"/>
+      </a:lnRef>
+      <a:fillRef idx="1">
+        <a:scrgbClr r="0" g="0" b="0"/>
+      </a:fillRef>
+      <a:effectRef idx="3">
+        <a:scrgbClr r="0" g="0" b="0"/>
+      </a:effectRef>
+      <a:fontRef idx="minor"/>
+    </dgm:style>
+  </dgm:styleLbl>
+  <dgm:styleLbl name="sibTrans2D1">
+    <dgm:scene3d>
+      <a:camera prst="orthographicFront"/>
+      <a:lightRig rig="threePt" dir="t"/>
+    </dgm:scene3d>
+    <dgm:sp3d/>
+    <dgm:txPr/>
+    <dgm:style>
+      <a:lnRef idx="0">
+        <a:scrgbClr r="0" g="0" b="0"/>
+      </a:lnRef>
+      <a:fillRef idx="3">
+        <a:scrgbClr r="0" g="0" b="0"/>
+      </a:fillRef>
+      <a:effectRef idx="3">
+        <a:scrgbClr r="0" g="0" b="0"/>
+      </a:effectRef>
+      <a:fontRef idx="minor">
+        <a:schemeClr val="lt1"/>
+      </a:fontRef>
+    </dgm:style>
+  </dgm:styleLbl>
+  <dgm:styleLbl name="fgSibTrans2D1">
+    <dgm:scene3d>
+      <a:camera prst="orthographicFront"/>
+      <a:lightRig rig="threePt" dir="t"/>
+    </dgm:scene3d>
+    <dgm:sp3d/>
+    <dgm:txPr/>
+    <dgm:style>
+      <a:lnRef idx="0">
+        <a:scrgbClr r="0" g="0" b="0"/>
+      </a:lnRef>
+      <a:fillRef idx="3">
+        <a:scrgbClr r="0" g="0" b="0"/>
+      </a:fillRef>
+      <a:effectRef idx="3">
+        <a:scrgbClr r="0" g="0" b="0"/>
+      </a:effectRef>
+      <a:fontRef idx="minor">
+        <a:schemeClr val="lt1"/>
+      </a:fontRef>
+    </dgm:style>
+  </dgm:styleLbl>
+  <dgm:styleLbl name="bgSibTrans2D1">
+    <dgm:scene3d>
+      <a:camera prst="orthographicFront"/>
+      <a:lightRig rig="threePt" dir="t"/>
+    </dgm:scene3d>
+    <dgm:sp3d/>
+    <dgm:txPr/>
+    <dgm:style>
+      <a:lnRef idx="0">
+        <a:scrgbClr r="0" g="0" b="0"/>
+      </a:lnRef>
+      <a:fillRef idx="3">
+        <a:scrgbClr r="0" g="0" b="0"/>
+      </a:fillRef>
+      <a:effectRef idx="3">
+        <a:scrgbClr r="0" g="0" b="0"/>
+      </a:effectRef>
+      <a:fontRef idx="minor">
+        <a:schemeClr val="lt1"/>
+      </a:fontRef>
+    </dgm:style>
+  </dgm:styleLbl>
+  <dgm:styleLbl name="sibTrans1D1">
+    <dgm:scene3d>
+      <a:camera prst="orthographicFront"/>
+      <a:lightRig rig="threePt" dir="t"/>
+    </dgm:scene3d>
+    <dgm:sp3d/>
+    <dgm:txPr/>
+    <dgm:style>
+      <a:lnRef idx="1">
+        <a:scrgbClr r="0" g="0" b="0"/>
+      </a:lnRef>
+      <a:fillRef idx="0">
+        <a:scrgbClr r="0" g="0" b="0"/>
+      </a:fillRef>
+      <a:effectRef idx="0">
+        <a:scrgbClr r="0" g="0" b="0"/>
+      </a:effectRef>
+      <a:fontRef idx="minor"/>
+    </dgm:style>
+  </dgm:styleLbl>
+  <dgm:styleLbl name="callout">
+    <dgm:scene3d>
+      <a:camera prst="orthographicFront"/>
+      <a:lightRig rig="threePt" dir="t"/>
+    </dgm:scene3d>
+    <dgm:sp3d/>
+    <dgm:txPr/>
+    <dgm:style>
+      <a:lnRef idx="1">
+        <a:scrgbClr r="0" g="0" b="0"/>
+      </a:lnRef>
+      <a:fillRef idx="0">
+        <a:scrgbClr r="0" g="0" b="0"/>
+      </a:fillRef>
+      <a:effectRef idx="1">
+        <a:scrgbClr r="0" g="0" b="0"/>
+      </a:effectRef>
+      <a:fontRef idx="minor"/>
+    </dgm:style>
+  </dgm:styleLbl>
+  <dgm:styleLbl name="asst0">
+    <dgm:scene3d>
+      <a:camera prst="orthographicFront"/>
+      <a:lightRig rig="threePt" dir="t"/>
+    </dgm:scene3d>
+    <dgm:sp3d/>
+    <dgm:txPr/>
+    <dgm:style>
+      <a:lnRef idx="0">
+        <a:scrgbClr r="0" g="0" b="0"/>
+      </a:lnRef>
+      <a:fillRef idx="3">
+        <a:scrgbClr r="0" g="0" b="0"/>
+      </a:fillRef>
+      <a:effectRef idx="3">
+        <a:scrgbClr r="0" g="0" b="0"/>
+      </a:effectRef>
+      <a:fontRef idx="minor">
+        <a:schemeClr val="lt1"/>
+      </a:fontRef>
+    </dgm:style>
+  </dgm:styleLbl>
+  <dgm:styleLbl name="asst1">
+    <dgm:scene3d>
+      <a:camera prst="orthographicFront"/>
+      <a:lightRig rig="threePt" dir="t"/>
+    </dgm:scene3d>
+    <dgm:sp3d/>
+    <dgm:txPr/>
+    <dgm:style>
+      <a:lnRef idx="0">
+        <a:scrgbClr r="0" g="0" b="0"/>
+      </a:lnRef>
+      <a:fillRef idx="3">
+        <a:scrgbClr r="0" g="0" b="0"/>
+      </a:fillRef>
+      <a:effectRef idx="3">
+        <a:scrgbClr r="0" g="0" b="0"/>
+      </a:effectRef>
+      <a:fontRef idx="minor">
+        <a:schemeClr val="lt1"/>
+      </a:fontRef>
+    </dgm:style>
+  </dgm:styleLbl>
+  <dgm:styleLbl name="asst2">
+    <dgm:scene3d>
+      <a:camera prst="orthographicFront"/>
+      <a:lightRig rig="threePt" dir="t"/>
+    </dgm:scene3d>
+    <dgm:sp3d/>
+    <dgm:txPr/>
+    <dgm:style>
+      <a:lnRef idx="0">
+        <a:scrgbClr r="0" g="0" b="0"/>
+      </a:lnRef>
+      <a:fillRef idx="3">
+        <a:scrgbClr r="0" g="0" b="0"/>
+      </a:fillRef>
+      <a:effectRef idx="3">
+        <a:scrgbClr r="0" g="0" b="0"/>
+      </a:effectRef>
+      <a:fontRef idx="minor">
+        <a:schemeClr val="lt1"/>
+      </a:fontRef>
+    </dgm:style>
+  </dgm:styleLbl>
+  <dgm:styleLbl name="asst3">
+    <dgm:scene3d>
+      <a:camera prst="orthographicFront"/>
+      <a:lightRig rig="threePt" dir="t"/>
+    </dgm:scene3d>
+    <dgm:sp3d/>
+    <dgm:txPr/>
+    <dgm:style>
+      <a:lnRef idx="0">
+        <a:scrgbClr r="0" g="0" b="0"/>
+      </a:lnRef>
+      <a:fillRef idx="3">
+        <a:scrgbClr r="0" g="0" b="0"/>
+      </a:fillRef>
+      <a:effectRef idx="3">
+        <a:scrgbClr r="0" g="0" b="0"/>
+      </a:effectRef>
+      <a:fontRef idx="minor">
+        <a:schemeClr val="lt1"/>
+      </a:fontRef>
+    </dgm:style>
+  </dgm:styleLbl>
+  <dgm:styleLbl name="asst4">
+    <dgm:scene3d>
+      <a:camera prst="orthographicFront"/>
+      <a:lightRig rig="threePt" dir="t"/>
+    </dgm:scene3d>
+    <dgm:sp3d/>
+    <dgm:txPr/>
+    <dgm:style>
+      <a:lnRef idx="0">
+        <a:scrgbClr r="0" g="0" b="0"/>
+      </a:lnRef>
+      <a:fillRef idx="3">
+        <a:scrgbClr r="0" g="0" b="0"/>
+      </a:fillRef>
+      <a:effectRef idx="3">
+        <a:scrgbClr r="0" g="0" b="0"/>
+      </a:effectRef>
+      <a:fontRef idx="minor">
+        <a:schemeClr val="lt1"/>
+      </a:fontRef>
+    </dgm:style>
+  </dgm:styleLbl>
+  <dgm:styleLbl name="parChTrans2D1">
+    <dgm:scene3d>
+      <a:camera prst="orthographicFront"/>
+      <a:lightRig rig="threePt" dir="t"/>
+    </dgm:scene3d>
+    <dgm:sp3d/>
+    <dgm:txPr/>
+    <dgm:style>
+      <a:lnRef idx="0">
+        <a:scrgbClr r="0" g="0" b="0"/>
+      </a:lnRef>
+      <a:fillRef idx="3">
+        <a:scrgbClr r="0" g="0" b="0"/>
+      </a:fillRef>
+      <a:effectRef idx="3">
+        <a:scrgbClr r="0" g="0" b="0"/>
+      </a:effectRef>
+      <a:fontRef idx="minor">
+        <a:schemeClr val="lt1"/>
+      </a:fontRef>
+    </dgm:style>
+  </dgm:styleLbl>
+  <dgm:styleLbl name="parChTrans2D2">
+    <dgm:scene3d>
+      <a:camera prst="orthographicFront"/>
+      <a:lightRig rig="threePt" dir="t"/>
+    </dgm:scene3d>
+    <dgm:sp3d/>
+    <dgm:txPr/>
+    <dgm:style>
+      <a:lnRef idx="0">
+        <a:scrgbClr r="0" g="0" b="0"/>
+      </a:lnRef>
+      <a:fillRef idx="3">
+        <a:scrgbClr r="0" g="0" b="0"/>
+      </a:fillRef>
+      <a:effectRef idx="3">
+        <a:scrgbClr r="0" g="0" b="0"/>
+      </a:effectRef>
+      <a:fontRef idx="minor">
+        <a:schemeClr val="lt1"/>
+      </a:fontRef>
+    </dgm:style>
+  </dgm:styleLbl>
+  <dgm:styleLbl name="parChTrans2D3">
+    <dgm:scene3d>
+      <a:camera prst="orthographicFront"/>
+      <a:lightRig rig="threePt" dir="t"/>
+    </dgm:scene3d>
+    <dgm:sp3d/>
+    <dgm:txPr/>
+    <dgm:style>
+      <a:lnRef idx="0">
+        <a:scrgbClr r="0" g="0" b="0"/>
+      </a:lnRef>
+      <a:fillRef idx="3">
+        <a:scrgbClr r="0" g="0" b="0"/>
+      </a:fillRef>
+      <a:effectRef idx="3">
+        <a:scrgbClr r="0" g="0" b="0"/>
+      </a:effectRef>
+      <a:fontRef idx="minor">
+        <a:schemeClr val="lt1"/>
+      </a:fontRef>
+    </dgm:style>
+  </dgm:styleLbl>
+  <dgm:styleLbl name="parChTrans2D4">
+    <dgm:scene3d>
+      <a:camera prst="orthographicFront"/>
+      <a:lightRig rig="threePt" dir="t"/>
+    </dgm:scene3d>
+    <dgm:sp3d/>
+    <dgm:txPr/>
+    <dgm:style>
+      <a:lnRef idx="0">
+        <a:scrgbClr r="0" g="0" b="0"/>
+      </a:lnRef>
+      <a:fillRef idx="3">
+        <a:scrgbClr r="0" g="0" b="0"/>
+      </a:fillRef>
+      <a:effectRef idx="3">
+        <a:scrgbClr r="0" g="0" b="0"/>
+      </a:effectRef>
+      <a:fontRef idx="minor">
+        <a:schemeClr val="lt1"/>
+      </a:fontRef>
+    </dgm:style>
+  </dgm:styleLbl>
+  <dgm:styleLbl name="parChTrans1D1">
+    <dgm:scene3d>
+      <a:camera prst="orthographicFront"/>
+      <a:lightRig rig="threePt" dir="t"/>
+    </dgm:scene3d>
+    <dgm:sp3d/>
+    <dgm:txPr/>
+    <dgm:style>
+      <a:lnRef idx="2">
+        <a:scrgbClr r="0" g="0" b="0"/>
+      </a:lnRef>
+      <a:fillRef idx="0">
+        <a:scrgbClr r="0" g="0" b="0"/>
+      </a:fillRef>
+      <a:effectRef idx="0">
+        <a:scrgbClr r="0" g="0" b="0"/>
+      </a:effectRef>
+      <a:fontRef idx="minor"/>
+    </dgm:style>
+  </dgm:styleLbl>
+  <dgm:styleLbl name="parChTrans1D2">
+    <dgm:scene3d>
+      <a:camera prst="orthographicFront"/>
+      <a:lightRig rig="threePt" dir="t"/>
+    </dgm:scene3d>
+    <dgm:sp3d/>
+    <dgm:txPr/>
+    <dgm:style>
+      <a:lnRef idx="2">
+        <a:scrgbClr r="0" g="0" b="0"/>
+      </a:lnRef>
+      <a:fillRef idx="0">
+        <a:scrgbClr r="0" g="0" b="0"/>
+      </a:fillRef>
+      <a:effectRef idx="0">
+        <a:scrgbClr r="0" g="0" b="0"/>
+      </a:effectRef>
+      <a:fontRef idx="minor"/>
+    </dgm:style>
+  </dgm:styleLbl>
+  <dgm:styleLbl name="parChTrans1D3">
+    <dgm:scene3d>
+      <a:camera prst="orthographicFront"/>
+      <a:lightRig rig="threePt" dir="t"/>
+    </dgm:scene3d>
+    <dgm:sp3d/>
+    <dgm:txPr/>
+    <dgm:style>
+      <a:lnRef idx="2">
+        <a:scrgbClr r="0" g="0" b="0"/>
+      </a:lnRef>
+      <a:fillRef idx="0">
+        <a:scrgbClr r="0" g="0" b="0"/>
+      </a:fillRef>
+      <a:effectRef idx="0">
+        <a:scrgbClr r="0" g="0" b="0"/>
+      </a:effectRef>
+      <a:fontRef idx="minor"/>
+    </dgm:style>
+  </dgm:styleLbl>
+  <dgm:styleLbl name="parChTrans1D4">
+    <dgm:scene3d>
+      <a:camera prst="orthographicFront"/>
+      <a:lightRig rig="threePt" dir="t"/>
+    </dgm:scene3d>
+    <dgm:sp3d/>
+    <dgm:txPr/>
+    <dgm:style>
+      <a:lnRef idx="2">
+        <a:scrgbClr r="0" g="0" b="0"/>
+      </a:lnRef>
+      <a:fillRef idx="0">
+        <a:scrgbClr r="0" g="0" b="0"/>
+      </a:fillRef>
+      <a:effectRef idx="0">
+        <a:scrgbClr r="0" g="0" b="0"/>
+      </a:effectRef>
+      <a:fontRef idx="minor"/>
+    </dgm:style>
+  </dgm:styleLbl>
+  <dgm:styleLbl name="fgAcc1">
+    <dgm:scene3d>
+      <a:camera prst="orthographicFront"/>
+      <a:lightRig rig="threePt" dir="t"/>
+    </dgm:scene3d>
+    <dgm:sp3d/>
+    <dgm:txPr/>
+    <dgm:style>
+      <a:lnRef idx="1">
+        <a:scrgbClr r="0" g="0" b="0"/>
+      </a:lnRef>
+      <a:fillRef idx="1">
+        <a:scrgbClr r="0" g="0" b="0"/>
+      </a:fillRef>
+      <a:effectRef idx="2">
+        <a:scrgbClr r="0" g="0" b="0"/>
+      </a:effectRef>
+      <a:fontRef idx="minor"/>
+    </dgm:style>
+  </dgm:styleLbl>
+  <dgm:styleLbl name="conFgAcc1">
+    <dgm:scene3d>
+      <a:camera prst="orthographicFront"/>
+      <a:lightRig rig="threePt" dir="t"/>
+    </dgm:scene3d>
+    <dgm:sp3d/>
+    <dgm:txPr/>
+    <dgm:style>
+      <a:lnRef idx="1">
+        <a:scrgbClr r="0" g="0" b="0"/>
+      </a:lnRef>
+      <a:fillRef idx="1">
+        <a:scrgbClr r="0" g="0" b="0"/>
+      </a:fillRef>
+      <a:effectRef idx="2">
+        <a:scrgbClr r="0" g="0" b="0"/>
+      </a:effectRef>
+      <a:fontRef idx="minor"/>
+    </dgm:style>
+  </dgm:styleLbl>
+  <dgm:styleLbl name="alignAcc1">
+    <dgm:scene3d>
+      <a:camera prst="orthographicFront"/>
+      <a:lightRig rig="threePt" dir="t"/>
+    </dgm:scene3d>
+    <dgm:sp3d/>
+    <dgm:txPr/>
+    <dgm:style>
+      <a:lnRef idx="1">
+        <a:scrgbClr r="0" g="0" b="0"/>
+      </a:lnRef>
+      <a:fillRef idx="1">
+        <a:scrgbClr r="0" g="0" b="0"/>
+      </a:fillRef>
+      <a:effectRef idx="2">
+        <a:scrgbClr r="0" g="0" b="0"/>
+      </a:effectRef>
+      <a:fontRef idx="minor"/>
+    </dgm:style>
+  </dgm:styleLbl>
+  <dgm:styleLbl name="trAlignAcc1">
+    <dgm:scene3d>
+      <a:camera prst="orthographicFront"/>
+      <a:lightRig rig="threePt" dir="t"/>
+    </dgm:scene3d>
+    <dgm:sp3d/>
+    <dgm:txPr/>
+    <dgm:style>
+      <a:lnRef idx="1">
+        <a:scrgbClr r="0" g="0" b="0"/>
+      </a:lnRef>
+      <a:fillRef idx="1">
+        <a:scrgbClr r="0" g="0" b="0"/>
+      </a:fillRef>
+      <a:effectRef idx="0">
+        <a:scrgbClr r="0" g="0" b="0"/>
+      </a:effectRef>
+      <a:fontRef idx="minor"/>
+    </dgm:style>
+  </dgm:styleLbl>
+  <dgm:styleLbl name="bgAcc1">
+    <dgm:scene3d>
+      <a:camera prst="orthographicFront"/>
+      <a:lightRig rig="threePt" dir="t"/>
+    </dgm:scene3d>
+    <dgm:sp3d/>
+    <dgm:txPr/>
+    <dgm:style>
+      <a:lnRef idx="1">
+        <a:scrgbClr r="0" g="0" b="0"/>
+      </a:lnRef>
+      <a:fillRef idx="1">
+        <a:scrgbClr r="0" g="0" b="0"/>
+      </a:fillRef>
+      <a:effectRef idx="2">
+        <a:scrgbClr r="0" g="0" b="0"/>
+      </a:effectRef>
+      <a:fontRef idx="minor"/>
+    </dgm:style>
+  </dgm:styleLbl>
+  <dgm:styleLbl name="solidFgAcc1">
+    <dgm:scene3d>
+      <a:camera prst="orthographicFront"/>
+      <a:lightRig rig="threePt" dir="t"/>
+    </dgm:scene3d>
+    <dgm:sp3d/>
+    <dgm:txPr/>
+    <dgm:style>
+      <a:lnRef idx="1">
+        <a:scrgbClr r="0" g="0" b="0"/>
+      </a:lnRef>
+      <a:fillRef idx="1">
+        <a:scrgbClr r="0" g="0" b="0"/>
+      </a:fillRef>
+      <a:effectRef idx="2">
+        <a:scrgbClr r="0" g="0" b="0"/>
+      </a:effectRef>
+      <a:fontRef idx="minor"/>
+    </dgm:style>
+  </dgm:styleLbl>
+  <dgm:styleLbl name="solidAlignAcc1">
+    <dgm:scene3d>
+      <a:camera prst="orthographicFront"/>
+      <a:lightRig rig="threePt" dir="t"/>
+    </dgm:scene3d>
+    <dgm:sp3d/>
+    <dgm:txPr/>
+    <dgm:style>
+      <a:lnRef idx="1">
+        <a:scrgbClr r="0" g="0" b="0"/>
+      </a:lnRef>
+      <a:fillRef idx="1">
+        <a:scrgbClr r="0" g="0" b="0"/>
+      </a:fillRef>
+      <a:effectRef idx="3">
+        <a:scrgbClr r="0" g="0" b="0"/>
+      </a:effectRef>
+      <a:fontRef idx="minor"/>
+    </dgm:style>
+  </dgm:styleLbl>
+  <dgm:styleLbl name="solidBgAcc1">
+    <dgm:scene3d>
+      <a:camera prst="orthographicFront"/>
+      <a:lightRig rig="threePt" dir="t"/>
+    </dgm:scene3d>
+    <dgm:sp3d/>
+    <dgm:txPr/>
+    <dgm:style>
+      <a:lnRef idx="1">
+        <a:scrgbClr r="0" g="0" b="0"/>
+      </a:lnRef>
+      <a:fillRef idx="1">
+        <a:scrgbClr r="0" g="0" b="0"/>
+      </a:fillRef>
+      <a:effectRef idx="3">
+        <a:scrgbClr r="0" g="0" b="0"/>
+      </a:effectRef>
+      <a:fontRef idx="minor"/>
+    </dgm:style>
+  </dgm:styleLbl>
+  <dgm:styleLbl name="fgAccFollowNode1">
+    <dgm:scene3d>
+      <a:camera prst="orthographicFront"/>
+      <a:lightRig rig="threePt" dir="t"/>
+    </dgm:scene3d>
+    <dgm:sp3d/>
+    <dgm:txPr/>
+    <dgm:style>
+      <a:lnRef idx="1">
+        <a:scrgbClr r="0" g="0" b="0"/>
+      </a:lnRef>
+      <a:fillRef idx="1">
+        <a:scrgbClr r="0" g="0" b="0"/>
+      </a:fillRef>
+      <a:effectRef idx="2">
+        <a:scrgbClr r="0" g="0" b="0"/>
+      </a:effectRef>
+      <a:fontRef idx="minor"/>
+    </dgm:style>
+  </dgm:styleLbl>
+  <dgm:styleLbl name="alignAccFollowNode1">
+    <dgm:scene3d>
+      <a:camera prst="orthographicFront"/>
+      <a:lightRig rig="threePt" dir="t"/>
+    </dgm:scene3d>
+    <dgm:sp3d/>
+    <dgm:txPr/>
+    <dgm:style>
+      <a:lnRef idx="1">
+        <a:scrgbClr r="0" g="0" b="0"/>
+      </a:lnRef>
+      <a:fillRef idx="1">
+        <a:scrgbClr r="0" g="0" b="0"/>
+      </a:fillRef>
+      <a:effectRef idx="2">
+        <a:scrgbClr r="0" g="0" b="0"/>
+      </a:effectRef>
+      <a:fontRef idx="minor"/>
+    </dgm:style>
+  </dgm:styleLbl>
+  <dgm:styleLbl name="bgAccFollowNode1">
+    <dgm:scene3d>
+      <a:camera prst="orthographicFront"/>
+      <a:lightRig rig="threePt" dir="t"/>
+    </dgm:scene3d>
+    <dgm:sp3d/>
+    <dgm:txPr/>
+    <dgm:style>
+      <a:lnRef idx="1">
+        <a:scrgbClr r="0" g="0" b="0"/>
+      </a:lnRef>
+      <a:fillRef idx="1">
+        <a:scrgbClr r="0" g="0" b="0"/>
+      </a:fillRef>
+      <a:effectRef idx="2">
+        <a:scrgbClr r="0" g="0" b="0"/>
+      </a:effectRef>
+      <a:fontRef idx="minor"/>
+    </dgm:style>
+  </dgm:styleLbl>
+  <dgm:styleLbl name="fgAcc0">
+    <dgm:scene3d>
+      <a:camera prst="orthographicFront"/>
+      <a:lightRig rig="threePt" dir="t"/>
+    </dgm:scene3d>
+    <dgm:sp3d/>
+    <dgm:txPr/>
+    <dgm:style>
+      <a:lnRef idx="1">
+        <a:scrgbClr r="0" g="0" b="0"/>
+      </a:lnRef>
+      <a:fillRef idx="1">
+        <a:scrgbClr r="0" g="0" b="0"/>
+      </a:fillRef>
+      <a:effectRef idx="2">
+        <a:scrgbClr r="0" g="0" b="0"/>
+      </a:effectRef>
+      <a:fontRef idx="minor"/>
+    </dgm:style>
+  </dgm:styleLbl>
+  <dgm:styleLbl name="fgAcc2">
+    <dgm:scene3d>
+      <a:camera prst="orthographicFront"/>
+      <a:lightRig rig="threePt" dir="t"/>
+    </dgm:scene3d>
+    <dgm:sp3d/>
+    <dgm:txPr/>
+    <dgm:style>
+      <a:lnRef idx="1">
+        <a:scrgbClr r="0" g="0" b="0"/>
+      </a:lnRef>
+      <a:fillRef idx="1">
+        <a:scrgbClr r="0" g="0" b="0"/>
+      </a:fillRef>
+      <a:effectRef idx="2">
+        <a:scrgbClr r="0" g="0" b="0"/>
+      </a:effectRef>
+      <a:fontRef idx="minor"/>
+    </dgm:style>
+  </dgm:styleLbl>
+  <dgm:styleLbl name="fgAcc3">
+    <dgm:scene3d>
+      <a:camera prst="orthographicFront"/>
+      <a:lightRig rig="threePt" dir="t"/>
+    </dgm:scene3d>
+    <dgm:sp3d/>
+    <dgm:txPr/>
+    <dgm:style>
+      <a:lnRef idx="1">
+        <a:scrgbClr r="0" g="0" b="0"/>
+      </a:lnRef>
+      <a:fillRef idx="1">
+        <a:scrgbClr r="0" g="0" b="0"/>
+      </a:fillRef>
+      <a:effectRef idx="2">
+        <a:scrgbClr r="0" g="0" b="0"/>
+      </a:effectRef>
+      <a:fontRef idx="minor"/>
+    </dgm:style>
+  </dgm:styleLbl>
+  <dgm:styleLbl name="fgAcc4">
+    <dgm:scene3d>
+      <a:camera prst="orthographicFront"/>
+      <a:lightRig rig="threePt" dir="t"/>
+    </dgm:scene3d>
+    <dgm:sp3d/>
+    <dgm:txPr/>
+    <dgm:style>
+      <a:lnRef idx="1">
+        <a:scrgbClr r="0" g="0" b="0"/>
+      </a:lnRef>
+      <a:fillRef idx="1">
+        <a:scrgbClr r="0" g="0" b="0"/>
+      </a:fillRef>
+      <a:effectRef idx="2">
+        <a:scrgbClr r="0" g="0" b="0"/>
+      </a:effectRef>
+      <a:fontRef idx="minor"/>
+    </dgm:style>
+  </dgm:styleLbl>
+  <dgm:styleLbl name="bgShp">
+    <dgm:scene3d>
+      <a:camera prst="orthographicFront"/>
+      <a:lightRig rig="threePt" dir="t"/>
+    </dgm:scene3d>
+    <dgm:sp3d/>
+    <dgm:txPr/>
+    <dgm:style>
+      <a:lnRef idx="0">
+        <a:scrgbClr r="0" g="0" b="0"/>
+      </a:lnRef>
+      <a:fillRef idx="1">
+        <a:scrgbClr r="0" g="0" b="0"/>
+      </a:fillRef>
+      <a:effectRef idx="2">
+        <a:scrgbClr r="0" g="0" b="0"/>
+      </a:effectRef>
+      <a:fontRef idx="minor"/>
+    </dgm:style>
+  </dgm:styleLbl>
+  <dgm:styleLbl name="dkBgShp">
+    <dgm:scene3d>
+      <a:camera prst="orthographicFront"/>
+      <a:lightRig rig="threePt" dir="t"/>
+    </dgm:scene3d>
+    <dgm:sp3d/>
+    <dgm:txPr/>
+    <dgm:style>
+      <a:lnRef idx="0">
+        <a:scrgbClr r="0" g="0" b="0"/>
+      </a:lnRef>
+      <a:fillRef idx="1">
+        <a:scrgbClr r="0" g="0" b="0"/>
+      </a:fillRef>
+      <a:effectRef idx="3">
+        <a:scrgbClr r="0" g="0" b="0"/>
+      </a:effectRef>
+      <a:fontRef idx="minor"/>
+    </dgm:style>
+  </dgm:styleLbl>
+  <dgm:styleLbl name="trBgShp">
+    <dgm:scene3d>
+      <a:camera prst="orthographicFront"/>
+      <a:lightRig rig="threePt" dir="t"/>
+    </dgm:scene3d>
+    <dgm:sp3d/>
+    <dgm:txPr/>
+    <dgm:style>
+      <a:lnRef idx="0">
+        <a:scrgbClr r="0" g="0" b="0"/>
+      </a:lnRef>
+      <a:fillRef idx="1">
+        <a:scrgbClr r="0" g="0" b="0"/>
+      </a:fillRef>
+      <a:effectRef idx="0">
+        <a:scrgbClr r="0" g="0" b="0"/>
+      </a:effectRef>
+      <a:fontRef idx="minor"/>
+    </dgm:style>
+  </dgm:styleLbl>
+  <dgm:styleLbl name="fgShp">
+    <dgm:scene3d>
+      <a:camera prst="orthographicFront"/>
+      <a:lightRig rig="threePt" dir="t"/>
+    </dgm:scene3d>
+    <dgm:sp3d/>
+    <dgm:txPr/>
+    <dgm:style>
+      <a:lnRef idx="0">
+        <a:scrgbClr r="0" g="0" b="0"/>
+      </a:lnRef>
+      <a:fillRef idx="3">
+        <a:scrgbClr r="0" g="0" b="0"/>
+      </a:fillRef>
+      <a:effectRef idx="3">
         <a:scrgbClr r="0" g="0" b="0"/>
       </a:effectRef>
       <a:fontRef idx="minor"/>
@@ -12081,7 +14664,7 @@
           <a:p>
             <a:fld id="{E80C50CD-E178-4744-9B35-B2F624D6C5E9}" type="datetimeFigureOut">
               <a:rPr lang="en-US" smtClean="0"/>
-              <a:t>11/22/2025</a:t>
+              <a:t>11/23/2025</a:t>
             </a:fld>
             <a:endParaRPr lang="en-US"/>
           </a:p>
@@ -12279,7 +14862,7 @@
           <a:p>
             <a:fld id="{E80C50CD-E178-4744-9B35-B2F624D6C5E9}" type="datetimeFigureOut">
               <a:rPr lang="en-US" smtClean="0"/>
-              <a:t>11/22/2025</a:t>
+              <a:t>11/23/2025</a:t>
             </a:fld>
             <a:endParaRPr lang="en-US"/>
           </a:p>
@@ -12487,7 +15070,7 @@
           <a:p>
             <a:fld id="{E80C50CD-E178-4744-9B35-B2F624D6C5E9}" type="datetimeFigureOut">
               <a:rPr lang="en-US" smtClean="0"/>
-              <a:t>11/22/2025</a:t>
+              <a:t>11/23/2025</a:t>
             </a:fld>
             <a:endParaRPr lang="en-US"/>
           </a:p>
@@ -12737,7 +15320,7 @@
           <a:p>
             <a:fld id="{E80C50CD-E178-4744-9B35-B2F624D6C5E9}" type="datetimeFigureOut">
               <a:rPr lang="en-US" smtClean="0"/>
-              <a:t>11/22/2025</a:t>
+              <a:t>11/23/2025</a:t>
             </a:fld>
             <a:endParaRPr lang="en-US"/>
           </a:p>
@@ -13016,7 +15599,7 @@
           <a:p>
             <a:fld id="{E80C50CD-E178-4744-9B35-B2F624D6C5E9}" type="datetimeFigureOut">
               <a:rPr lang="en-US" smtClean="0"/>
-              <a:t>11/22/2025</a:t>
+              <a:t>11/23/2025</a:t>
             </a:fld>
             <a:endParaRPr lang="en-US"/>
           </a:p>
@@ -13333,7 +15916,7 @@
           <a:p>
             <a:fld id="{E80C50CD-E178-4744-9B35-B2F624D6C5E9}" type="datetimeFigureOut">
               <a:rPr lang="en-US" smtClean="0"/>
-              <a:t>11/22/2025</a:t>
+              <a:t>11/23/2025</a:t>
             </a:fld>
             <a:endParaRPr lang="en-US"/>
           </a:p>
@@ -13749,7 +16332,7 @@
           <a:p>
             <a:fld id="{E80C50CD-E178-4744-9B35-B2F624D6C5E9}" type="datetimeFigureOut">
               <a:rPr lang="en-US" smtClean="0"/>
-              <a:t>11/22/2025</a:t>
+              <a:t>11/23/2025</a:t>
             </a:fld>
             <a:endParaRPr lang="en-US"/>
           </a:p>
@@ -13890,7 +16473,7 @@
           <a:p>
             <a:fld id="{E80C50CD-E178-4744-9B35-B2F624D6C5E9}" type="datetimeFigureOut">
               <a:rPr lang="en-US" smtClean="0"/>
-              <a:t>11/22/2025</a:t>
+              <a:t>11/23/2025</a:t>
             </a:fld>
             <a:endParaRPr lang="en-US"/>
           </a:p>
@@ -14003,7 +16586,7 @@
           <a:p>
             <a:fld id="{E80C50CD-E178-4744-9B35-B2F624D6C5E9}" type="datetimeFigureOut">
               <a:rPr lang="en-US" smtClean="0"/>
-              <a:t>11/22/2025</a:t>
+              <a:t>11/23/2025</a:t>
             </a:fld>
             <a:endParaRPr lang="en-US"/>
           </a:p>
@@ -14320,7 +16903,7 @@
           <a:p>
             <a:fld id="{E80C50CD-E178-4744-9B35-B2F624D6C5E9}" type="datetimeFigureOut">
               <a:rPr lang="en-US" smtClean="0"/>
-              <a:t>11/22/2025</a:t>
+              <a:t>11/23/2025</a:t>
             </a:fld>
             <a:endParaRPr lang="en-US"/>
           </a:p>
@@ -14612,7 +17195,7 @@
           <a:p>
             <a:fld id="{E80C50CD-E178-4744-9B35-B2F624D6C5E9}" type="datetimeFigureOut">
               <a:rPr lang="en-US" smtClean="0"/>
-              <a:t>11/22/2025</a:t>
+              <a:t>11/23/2025</a:t>
             </a:fld>
             <a:endParaRPr lang="en-US"/>
           </a:p>
@@ -14852,7 +17435,7 @@
             <a:fld id="{E80C50CD-E178-4744-9B35-B2F624D6C5E9}" type="datetimeFigureOut">
               <a:rPr lang="en-US" smtClean="0"/>
               <a:pPr/>
-              <a:t>11/22/2025</a:t>
+              <a:t>11/23/2025</a:t>
             </a:fld>
             <a:endParaRPr lang="en-US"/>
           </a:p>
@@ -15558,7 +18141,7 @@
                   <a:srgbClr val="FFFFFF"/>
                 </a:solidFill>
               </a:rPr>
-              <a:t>Braun Roland</a:t>
+              <a:t>Havi Dániel</a:t>
             </a:r>
           </a:p>
           <a:p>
@@ -16237,1622 +18820,6 @@
 <file path=ppt/slides/slide3.xml><?xml version="1.0" encoding="utf-8"?>
 <p:sld xmlns:a="http://schemas.openxmlformats.org/drawingml/2006/main" xmlns:r="http://schemas.openxmlformats.org/officeDocument/2006/relationships" xmlns:p="http://schemas.openxmlformats.org/presentationml/2006/main">
   <p:cSld>
-    <p:bg>
-      <p:bgPr>
-        <a:solidFill>
-          <a:schemeClr val="bg1"/>
-        </a:solidFill>
-        <a:effectLst/>
-      </p:bgPr>
-    </p:bg>
-    <p:spTree>
-      <p:nvGrpSpPr>
-        <p:cNvPr id="1" name="">
-          <a:extLst>
-            <a:ext uri="{FF2B5EF4-FFF2-40B4-BE49-F238E27FC236}">
-              <a16:creationId xmlns:a16="http://schemas.microsoft.com/office/drawing/2014/main" id="{9BF816D3-6A78-4004-51FF-EB4691620DCD}"/>
-            </a:ext>
-          </a:extLst>
-        </p:cNvPr>
-        <p:cNvGrpSpPr/>
-        <p:nvPr/>
-      </p:nvGrpSpPr>
-      <p:grpSpPr>
-        <a:xfrm>
-          <a:off x="0" y="0"/>
-          <a:ext cx="0" cy="0"/>
-          <a:chOff x="0" y="0"/>
-          <a:chExt cx="0" cy="0"/>
-        </a:xfrm>
-      </p:grpSpPr>
-      <p:sp useBgFill="1">
-        <p:nvSpPr>
-          <p:cNvPr id="49" name="Rectangle 48">
-            <a:extLst>
-              <a:ext uri="{FF2B5EF4-FFF2-40B4-BE49-F238E27FC236}">
-                <a16:creationId xmlns:a16="http://schemas.microsoft.com/office/drawing/2014/main" id="{E20BB609-EF92-42DB-836C-0699A590B5CF}"/>
-              </a:ext>
-              <a:ext uri="{C183D7F6-B498-43B3-948B-1728B52AA6E4}">
-                <adec:decorative xmlns:adec="http://schemas.microsoft.com/office/drawing/2017/decorative" val="1"/>
-              </a:ext>
-            </a:extLst>
-          </p:cNvPr>
-          <p:cNvSpPr>
-            <a:spLocks noGrp="1" noRot="1" noChangeAspect="1" noMove="1" noResize="1" noEditPoints="1" noAdjustHandles="1" noChangeArrowheads="1" noChangeShapeType="1" noTextEdit="1"/>
-          </p:cNvSpPr>
-          <p:nvPr>
-            <p:extLst>
-              <p:ext uri="{386F3935-93C4-4BCD-93E2-E3B085C9AB24}">
-                <p16:designElem xmlns:p16="http://schemas.microsoft.com/office/powerpoint/2015/main" val="1"/>
-              </p:ext>
-            </p:extLst>
-          </p:nvPr>
-        </p:nvSpPr>
-        <p:spPr>
-          <a:xfrm>
-            <a:off x="0" y="0"/>
-            <a:ext cx="12192000" cy="6858001"/>
-          </a:xfrm>
-          <a:prstGeom prst="rect">
-            <a:avLst/>
-          </a:prstGeom>
-          <a:ln>
-            <a:noFill/>
-          </a:ln>
-        </p:spPr>
-        <p:style>
-          <a:lnRef idx="2">
-            <a:schemeClr val="accent1">
-              <a:shade val="50000"/>
-            </a:schemeClr>
-          </a:lnRef>
-          <a:fillRef idx="1">
-            <a:schemeClr val="accent1"/>
-          </a:fillRef>
-          <a:effectRef idx="0">
-            <a:schemeClr val="accent1"/>
-          </a:effectRef>
-          <a:fontRef idx="minor">
-            <a:schemeClr val="lt1"/>
-          </a:fontRef>
-        </p:style>
-        <p:txBody>
-          <a:bodyPr rtlCol="0" anchor="ctr"/>
-          <a:lstStyle/>
-          <a:p>
-            <a:pPr algn="ctr"/>
-            <a:endParaRPr lang="en-US" dirty="0"/>
-          </a:p>
-        </p:txBody>
-      </p:sp>
-      <p:pic>
-        <p:nvPicPr>
-          <p:cNvPr id="4" name="Picture 3" descr="A élénk színek átfordítása">
-            <a:extLst>
-              <a:ext uri="{FF2B5EF4-FFF2-40B4-BE49-F238E27FC236}">
-                <a16:creationId xmlns:a16="http://schemas.microsoft.com/office/drawing/2014/main" id="{2B694B0E-C446-301A-90B6-892457568FCB}"/>
-              </a:ext>
-            </a:extLst>
-          </p:cNvPr>
-          <p:cNvPicPr>
-            <a:picLocks noChangeAspect="1"/>
-          </p:cNvPicPr>
-          <p:nvPr/>
-        </p:nvPicPr>
-        <p:blipFill>
-          <a:blip r:embed="rId2"/>
-          <a:srcRect t="17259" r="-1" b="-1"/>
-          <a:stretch>
-            <a:fillRect/>
-          </a:stretch>
-        </p:blipFill>
-        <p:spPr>
-          <a:xfrm>
-            <a:off x="20" y="10"/>
-            <a:ext cx="12188932" cy="6857990"/>
-          </a:xfrm>
-          <a:prstGeom prst="rect">
-            <a:avLst/>
-          </a:prstGeom>
-        </p:spPr>
-      </p:pic>
-      <p:sp>
-        <p:nvSpPr>
-          <p:cNvPr id="51" name="Rectangle 50">
-            <a:extLst>
-              <a:ext uri="{FF2B5EF4-FFF2-40B4-BE49-F238E27FC236}">
-                <a16:creationId xmlns:a16="http://schemas.microsoft.com/office/drawing/2014/main" id="{7508F7DC-CA28-4ACE-AF79-D7E98ED1BFA3}"/>
-              </a:ext>
-              <a:ext uri="{C183D7F6-B498-43B3-948B-1728B52AA6E4}">
-                <adec:decorative xmlns:adec="http://schemas.microsoft.com/office/drawing/2017/decorative" val="1"/>
-              </a:ext>
-            </a:extLst>
-          </p:cNvPr>
-          <p:cNvSpPr>
-            <a:spLocks noGrp="1" noRot="1" noChangeAspect="1" noMove="1" noResize="1" noEditPoints="1" noAdjustHandles="1" noChangeArrowheads="1" noChangeShapeType="1" noTextEdit="1"/>
-          </p:cNvSpPr>
-          <p:nvPr>
-            <p:extLst>
-              <p:ext uri="{386F3935-93C4-4BCD-93E2-E3B085C9AB24}">
-                <p16:designElem xmlns:p16="http://schemas.microsoft.com/office/powerpoint/2015/main" val="1"/>
-              </p:ext>
-            </p:extLst>
-          </p:nvPr>
-        </p:nvSpPr>
-        <p:spPr>
-          <a:xfrm rot="16200000">
-            <a:off x="389239" y="-389238"/>
-            <a:ext cx="6858000" cy="7636476"/>
-          </a:xfrm>
-          <a:prstGeom prst="rect">
-            <a:avLst/>
-          </a:prstGeom>
-          <a:gradFill>
-            <a:gsLst>
-              <a:gs pos="100000">
-                <a:srgbClr val="000000">
-                  <a:alpha val="0"/>
-                </a:srgbClr>
-              </a:gs>
-              <a:gs pos="0">
-                <a:schemeClr val="tx1"/>
-              </a:gs>
-              <a:gs pos="0">
-                <a:srgbClr val="000000">
-                  <a:alpha val="70000"/>
-                </a:srgbClr>
-              </a:gs>
-            </a:gsLst>
-            <a:lin ang="5400000" scaled="1"/>
-          </a:gradFill>
-          <a:ln>
-            <a:noFill/>
-          </a:ln>
-        </p:spPr>
-        <p:style>
-          <a:lnRef idx="2">
-            <a:schemeClr val="accent1">
-              <a:shade val="50000"/>
-            </a:schemeClr>
-          </a:lnRef>
-          <a:fillRef idx="1">
-            <a:schemeClr val="accent1"/>
-          </a:fillRef>
-          <a:effectRef idx="0">
-            <a:schemeClr val="accent1"/>
-          </a:effectRef>
-          <a:fontRef idx="minor">
-            <a:schemeClr val="lt1"/>
-          </a:fontRef>
-        </p:style>
-        <p:txBody>
-          <a:bodyPr rtlCol="0" anchor="ctr"/>
-          <a:lstStyle/>
-          <a:p>
-            <a:pPr algn="ctr"/>
-            <a:endParaRPr lang="en-US"/>
-          </a:p>
-        </p:txBody>
-      </p:sp>
-      <p:sp>
-        <p:nvSpPr>
-          <p:cNvPr id="53" name="Rectangle 52">
-            <a:extLst>
-              <a:ext uri="{FF2B5EF4-FFF2-40B4-BE49-F238E27FC236}">
-                <a16:creationId xmlns:a16="http://schemas.microsoft.com/office/drawing/2014/main" id="{9AB20218-A500-457C-B65C-F3D198B1F717}"/>
-              </a:ext>
-              <a:ext uri="{C183D7F6-B498-43B3-948B-1728B52AA6E4}">
-                <adec:decorative xmlns:adec="http://schemas.microsoft.com/office/drawing/2017/decorative" val="1"/>
-              </a:ext>
-            </a:extLst>
-          </p:cNvPr>
-          <p:cNvSpPr>
-            <a:spLocks noGrp="1" noRot="1" noChangeAspect="1" noMove="1" noResize="1" noEditPoints="1" noAdjustHandles="1" noChangeArrowheads="1" noChangeShapeType="1" noTextEdit="1"/>
-          </p:cNvSpPr>
-          <p:nvPr>
-            <p:extLst>
-              <p:ext uri="{386F3935-93C4-4BCD-93E2-E3B085C9AB24}">
-                <p16:designElem xmlns:p16="http://schemas.microsoft.com/office/powerpoint/2015/main" val="1"/>
-              </p:ext>
-            </p:extLst>
-          </p:nvPr>
-        </p:nvSpPr>
-        <p:spPr>
-          <a:xfrm rot="10800000" flipV="1">
-            <a:off x="1524" y="0"/>
-            <a:ext cx="12188952" cy="3652125"/>
-          </a:xfrm>
-          <a:prstGeom prst="rect">
-            <a:avLst/>
-          </a:prstGeom>
-          <a:gradFill>
-            <a:gsLst>
-              <a:gs pos="100000">
-                <a:srgbClr val="000000">
-                  <a:alpha val="0"/>
-                </a:srgbClr>
-              </a:gs>
-              <a:gs pos="0">
-                <a:schemeClr val="tx1"/>
-              </a:gs>
-              <a:gs pos="0">
-                <a:srgbClr val="000000">
-                  <a:alpha val="70000"/>
-                </a:srgbClr>
-              </a:gs>
-            </a:gsLst>
-            <a:lin ang="5400000" scaled="1"/>
-          </a:gradFill>
-          <a:ln>
-            <a:noFill/>
-          </a:ln>
-        </p:spPr>
-        <p:style>
-          <a:lnRef idx="2">
-            <a:schemeClr val="accent1">
-              <a:shade val="50000"/>
-            </a:schemeClr>
-          </a:lnRef>
-          <a:fillRef idx="1">
-            <a:schemeClr val="accent1"/>
-          </a:fillRef>
-          <a:effectRef idx="0">
-            <a:schemeClr val="accent1"/>
-          </a:effectRef>
-          <a:fontRef idx="minor">
-            <a:schemeClr val="lt1"/>
-          </a:fontRef>
-        </p:style>
-        <p:txBody>
-          <a:bodyPr rtlCol="0" anchor="ctr"/>
-          <a:lstStyle/>
-          <a:p>
-            <a:pPr algn="ctr"/>
-            <a:endParaRPr lang="en-US"/>
-          </a:p>
-        </p:txBody>
-      </p:sp>
-      <p:sp>
-        <p:nvSpPr>
-          <p:cNvPr id="2" name="Cím 1">
-            <a:extLst>
-              <a:ext uri="{FF2B5EF4-FFF2-40B4-BE49-F238E27FC236}">
-                <a16:creationId xmlns:a16="http://schemas.microsoft.com/office/drawing/2014/main" id="{34D859CC-FCBB-9AC2-369E-2DD2DB401718}"/>
-              </a:ext>
-            </a:extLst>
-          </p:cNvPr>
-          <p:cNvSpPr>
-            <a:spLocks noGrp="1"/>
-          </p:cNvSpPr>
-          <p:nvPr>
-            <p:ph type="ctrTitle"/>
-          </p:nvPr>
-        </p:nvSpPr>
-        <p:spPr>
-          <a:xfrm>
-            <a:off x="517870" y="978408"/>
-            <a:ext cx="10335660" cy="2334247"/>
-          </a:xfrm>
-        </p:spPr>
-        <p:txBody>
-          <a:bodyPr anchor="t">
-            <a:normAutofit/>
-          </a:bodyPr>
-          <a:lstStyle/>
-          <a:p>
-            <a:r>
-              <a:rPr lang="hu-HU" dirty="0">
-                <a:solidFill>
-                  <a:srgbClr val="FFFFFF"/>
-                </a:solidFill>
-              </a:rPr>
-              <a:t>Feladat megvalósítása</a:t>
-            </a:r>
-          </a:p>
-        </p:txBody>
-      </p:sp>
-      <p:sp>
-        <p:nvSpPr>
-          <p:cNvPr id="3" name="Alcím 2">
-            <a:extLst>
-              <a:ext uri="{FF2B5EF4-FFF2-40B4-BE49-F238E27FC236}">
-                <a16:creationId xmlns:a16="http://schemas.microsoft.com/office/drawing/2014/main" id="{7351BE86-1555-B0A9-038D-747F2202BC9C}"/>
-              </a:ext>
-            </a:extLst>
-          </p:cNvPr>
-          <p:cNvSpPr>
-            <a:spLocks noGrp="1"/>
-          </p:cNvSpPr>
-          <p:nvPr>
-            <p:ph type="subTitle" idx="1"/>
-          </p:nvPr>
-        </p:nvSpPr>
-        <p:spPr>
-          <a:xfrm>
-            <a:off x="150122" y="2218519"/>
-            <a:ext cx="5099211" cy="4131391"/>
-          </a:xfrm>
-        </p:spPr>
-        <p:txBody>
-          <a:bodyPr anchor="t">
-            <a:noAutofit/>
-          </a:bodyPr>
-          <a:lstStyle/>
-          <a:p>
-            <a:pPr marL="800100" lvl="1" indent="-342900" algn="l">
-              <a:lnSpc>
-                <a:spcPct val="100000"/>
-              </a:lnSpc>
-              <a:spcBef>
-                <a:spcPct val="0"/>
-              </a:spcBef>
-              <a:spcAft>
-                <a:spcPts val="600"/>
-              </a:spcAft>
-              <a:buFont typeface="+mj-lt"/>
-              <a:buAutoNum type="arabicPeriod"/>
-            </a:pPr>
-            <a:r>
-              <a:rPr lang="hu-HU" b="1" dirty="0">
-                <a:solidFill>
-                  <a:srgbClr val="FFFFFF"/>
-                </a:solidFill>
-                <a:effectLst>
-                  <a:outerShdw blurRad="38100" dist="38100" dir="2700000" algn="tl">
-                    <a:srgbClr val="000000">
-                      <a:alpha val="43137"/>
-                    </a:srgbClr>
-                  </a:outerShdw>
-                </a:effectLst>
-                <a:latin typeface="+mj-lt"/>
-                <a:ea typeface="+mj-ea"/>
-                <a:cs typeface="+mj-cs"/>
-              </a:rPr>
-              <a:t>Ötletelés</a:t>
-            </a:r>
-          </a:p>
-          <a:p>
-            <a:pPr marL="800100" lvl="1" indent="-342900" algn="l">
-              <a:lnSpc>
-                <a:spcPct val="100000"/>
-              </a:lnSpc>
-              <a:spcBef>
-                <a:spcPct val="0"/>
-              </a:spcBef>
-              <a:spcAft>
-                <a:spcPts val="600"/>
-              </a:spcAft>
-              <a:buFont typeface="+mj-lt"/>
-              <a:buAutoNum type="arabicPeriod"/>
-            </a:pPr>
-            <a:r>
-              <a:rPr lang="hu-HU" b="1" dirty="0">
-                <a:solidFill>
-                  <a:srgbClr val="FFFFFF"/>
-                </a:solidFill>
-                <a:effectLst>
-                  <a:outerShdw blurRad="38100" dist="38100" dir="2700000" algn="tl">
-                    <a:srgbClr val="000000">
-                      <a:alpha val="43137"/>
-                    </a:srgbClr>
-                  </a:outerShdw>
-                </a:effectLst>
-                <a:latin typeface="+mj-lt"/>
-                <a:ea typeface="+mj-ea"/>
-                <a:cs typeface="+mj-cs"/>
-              </a:rPr>
-              <a:t>Bemeneti állomány</a:t>
-            </a:r>
-          </a:p>
-          <a:p>
-            <a:pPr marL="800100" lvl="1" indent="-342900" algn="l">
-              <a:lnSpc>
-                <a:spcPct val="100000"/>
-              </a:lnSpc>
-              <a:spcBef>
-                <a:spcPct val="0"/>
-              </a:spcBef>
-              <a:spcAft>
-                <a:spcPts val="600"/>
-              </a:spcAft>
-              <a:buFont typeface="+mj-lt"/>
-              <a:buAutoNum type="arabicPeriod"/>
-            </a:pPr>
-            <a:r>
-              <a:rPr lang="hu-HU" b="1" dirty="0">
-                <a:solidFill>
-                  <a:srgbClr val="FFFFFF"/>
-                </a:solidFill>
-                <a:effectLst>
-                  <a:outerShdw blurRad="38100" dist="38100" dir="2700000" algn="tl">
-                    <a:srgbClr val="000000">
-                      <a:alpha val="43137"/>
-                    </a:srgbClr>
-                  </a:outerShdw>
-                </a:effectLst>
-                <a:latin typeface="+mj-lt"/>
-                <a:ea typeface="+mj-ea"/>
-                <a:cs typeface="+mj-cs"/>
-              </a:rPr>
-              <a:t>Beolvasás</a:t>
-            </a:r>
-          </a:p>
-          <a:p>
-            <a:pPr marL="800100" lvl="1" indent="-342900" algn="l">
-              <a:lnSpc>
-                <a:spcPct val="100000"/>
-              </a:lnSpc>
-              <a:spcBef>
-                <a:spcPct val="0"/>
-              </a:spcBef>
-              <a:spcAft>
-                <a:spcPts val="600"/>
-              </a:spcAft>
-              <a:buFont typeface="+mj-lt"/>
-              <a:buAutoNum type="arabicPeriod"/>
-            </a:pPr>
-            <a:r>
-              <a:rPr lang="hu-HU" b="1" dirty="0">
-                <a:solidFill>
-                  <a:srgbClr val="FFFFFF"/>
-                </a:solidFill>
-                <a:effectLst>
-                  <a:outerShdw blurRad="38100" dist="38100" dir="2700000" algn="tl">
-                    <a:srgbClr val="000000">
-                      <a:alpha val="43137"/>
-                    </a:srgbClr>
-                  </a:outerShdw>
-                </a:effectLst>
-                <a:latin typeface="+mj-lt"/>
-                <a:ea typeface="+mj-ea"/>
-                <a:cs typeface="+mj-cs"/>
-              </a:rPr>
-              <a:t>Alap grafikus felület</a:t>
-            </a:r>
-          </a:p>
-          <a:p>
-            <a:pPr marL="800100" lvl="1" indent="-342900" algn="l">
-              <a:lnSpc>
-                <a:spcPct val="100000"/>
-              </a:lnSpc>
-              <a:spcBef>
-                <a:spcPct val="0"/>
-              </a:spcBef>
-              <a:spcAft>
-                <a:spcPts val="600"/>
-              </a:spcAft>
-              <a:buFont typeface="+mj-lt"/>
-              <a:buAutoNum type="arabicPeriod"/>
-            </a:pPr>
-            <a:r>
-              <a:rPr lang="hu-HU" b="1" dirty="0">
-                <a:solidFill>
-                  <a:srgbClr val="FFFFFF"/>
-                </a:solidFill>
-                <a:effectLst>
-                  <a:outerShdw blurRad="38100" dist="38100" dir="2700000" algn="tl">
-                    <a:srgbClr val="000000">
-                      <a:alpha val="43137"/>
-                    </a:srgbClr>
-                  </a:outerShdw>
-                </a:effectLst>
-                <a:latin typeface="+mj-lt"/>
-                <a:ea typeface="+mj-ea"/>
-                <a:cs typeface="+mj-cs"/>
-              </a:rPr>
-              <a:t>Ellenőrzés</a:t>
-            </a:r>
-          </a:p>
-          <a:p>
-            <a:pPr marL="800100" lvl="1" indent="-342900" algn="l">
-              <a:lnSpc>
-                <a:spcPct val="100000"/>
-              </a:lnSpc>
-              <a:spcBef>
-                <a:spcPct val="0"/>
-              </a:spcBef>
-              <a:spcAft>
-                <a:spcPts val="600"/>
-              </a:spcAft>
-              <a:buFont typeface="+mj-lt"/>
-              <a:buAutoNum type="arabicPeriod"/>
-            </a:pPr>
-            <a:r>
-              <a:rPr lang="hu-HU" b="1" dirty="0">
-                <a:solidFill>
-                  <a:srgbClr val="FFFFFF"/>
-                </a:solidFill>
-                <a:effectLst>
-                  <a:outerShdw blurRad="38100" dist="38100" dir="2700000" algn="tl">
-                    <a:srgbClr val="000000">
-                      <a:alpha val="43137"/>
-                    </a:srgbClr>
-                  </a:outerShdw>
-                </a:effectLst>
-                <a:latin typeface="+mj-lt"/>
-                <a:ea typeface="+mj-ea"/>
-                <a:cs typeface="+mj-cs"/>
-              </a:rPr>
-              <a:t>Random generáltatás, megjelenítés</a:t>
-            </a:r>
-          </a:p>
-          <a:p>
-            <a:pPr marL="800100" lvl="1" indent="-342900" algn="l">
-              <a:lnSpc>
-                <a:spcPct val="100000"/>
-              </a:lnSpc>
-              <a:spcBef>
-                <a:spcPct val="0"/>
-              </a:spcBef>
-              <a:spcAft>
-                <a:spcPts val="600"/>
-              </a:spcAft>
-              <a:buFont typeface="+mj-lt"/>
-              <a:buAutoNum type="arabicPeriod"/>
-            </a:pPr>
-            <a:r>
-              <a:rPr lang="hu-HU" b="1" dirty="0">
-                <a:solidFill>
-                  <a:srgbClr val="FFFFFF"/>
-                </a:solidFill>
-                <a:effectLst>
-                  <a:outerShdw blurRad="38100" dist="38100" dir="2700000" algn="tl">
-                    <a:srgbClr val="000000">
-                      <a:alpha val="43137"/>
-                    </a:srgbClr>
-                  </a:outerShdw>
-                </a:effectLst>
-                <a:latin typeface="+mj-lt"/>
-                <a:ea typeface="+mj-ea"/>
-                <a:cs typeface="+mj-cs"/>
-              </a:rPr>
-              <a:t>Mentés</a:t>
-            </a:r>
-          </a:p>
-          <a:p>
-            <a:pPr marL="800100" lvl="1" indent="-342900" algn="l">
-              <a:lnSpc>
-                <a:spcPct val="100000"/>
-              </a:lnSpc>
-              <a:spcBef>
-                <a:spcPct val="0"/>
-              </a:spcBef>
-              <a:spcAft>
-                <a:spcPts val="600"/>
-              </a:spcAft>
-              <a:buFont typeface="+mj-lt"/>
-              <a:buAutoNum type="arabicPeriod"/>
-            </a:pPr>
-            <a:r>
-              <a:rPr lang="hu-HU" b="1" dirty="0">
-                <a:solidFill>
-                  <a:srgbClr val="FFFFFF"/>
-                </a:solidFill>
-                <a:effectLst>
-                  <a:outerShdw blurRad="38100" dist="38100" dir="2700000" algn="tl">
-                    <a:srgbClr val="000000">
-                      <a:alpha val="43137"/>
-                    </a:srgbClr>
-                  </a:outerShdw>
-                </a:effectLst>
-                <a:latin typeface="+mj-lt"/>
-                <a:ea typeface="+mj-ea"/>
-                <a:cs typeface="+mj-cs"/>
-              </a:rPr>
-              <a:t>Összegzés</a:t>
-            </a:r>
-          </a:p>
-          <a:p>
-            <a:pPr marL="800100" lvl="1" indent="-342900" algn="l">
-              <a:lnSpc>
-                <a:spcPct val="100000"/>
-              </a:lnSpc>
-              <a:spcBef>
-                <a:spcPct val="0"/>
-              </a:spcBef>
-              <a:spcAft>
-                <a:spcPts val="600"/>
-              </a:spcAft>
-              <a:buFont typeface="+mj-lt"/>
-              <a:buAutoNum type="arabicPeriod"/>
-            </a:pPr>
-            <a:r>
-              <a:rPr lang="hu-HU" b="1" dirty="0">
-                <a:solidFill>
-                  <a:srgbClr val="FFFFFF"/>
-                </a:solidFill>
-                <a:effectLst>
-                  <a:outerShdw blurRad="38100" dist="38100" dir="2700000" algn="tl">
-                    <a:srgbClr val="000000">
-                      <a:alpha val="43137"/>
-                    </a:srgbClr>
-                  </a:outerShdw>
-                </a:effectLst>
-                <a:latin typeface="+mj-lt"/>
-                <a:ea typeface="+mj-ea"/>
-                <a:cs typeface="+mj-cs"/>
-              </a:rPr>
-              <a:t>Kimeneti állomány</a:t>
-            </a:r>
-          </a:p>
-        </p:txBody>
-      </p:sp>
-      <p:sp>
-        <p:nvSpPr>
-          <p:cNvPr id="55" name="Rectangle 54">
-            <a:extLst>
-              <a:ext uri="{FF2B5EF4-FFF2-40B4-BE49-F238E27FC236}">
-                <a16:creationId xmlns:a16="http://schemas.microsoft.com/office/drawing/2014/main" id="{B2C335F7-F61C-4EB4-80F2-4B1438FE66BB}"/>
-              </a:ext>
-              <a:ext uri="{C183D7F6-B498-43B3-948B-1728B52AA6E4}">
-                <adec:decorative xmlns:adec="http://schemas.microsoft.com/office/drawing/2017/decorative" val="1"/>
-              </a:ext>
-            </a:extLst>
-          </p:cNvPr>
-          <p:cNvSpPr>
-            <a:spLocks noGrp="1" noRot="1" noChangeAspect="1" noMove="1" noResize="1" noEditPoints="1" noAdjustHandles="1" noChangeArrowheads="1" noChangeShapeType="1" noTextEdit="1"/>
-          </p:cNvSpPr>
-          <p:nvPr>
-            <p:extLst>
-              <p:ext uri="{386F3935-93C4-4BCD-93E2-E3B085C9AB24}">
-                <p16:designElem xmlns:p16="http://schemas.microsoft.com/office/powerpoint/2015/main" val="1"/>
-              </p:ext>
-            </p:extLst>
-          </p:nvPr>
-        </p:nvSpPr>
-        <p:spPr>
-          <a:xfrm>
-            <a:off x="517870" y="508090"/>
-            <a:ext cx="8686800" cy="149279"/>
-          </a:xfrm>
-          <a:prstGeom prst="rect">
-            <a:avLst/>
-          </a:prstGeom>
-          <a:solidFill>
-            <a:srgbClr val="FFFFFF"/>
-          </a:solidFill>
-          <a:ln>
-            <a:noFill/>
-          </a:ln>
-        </p:spPr>
-        <p:style>
-          <a:lnRef idx="2">
-            <a:schemeClr val="accent1">
-              <a:shade val="50000"/>
-            </a:schemeClr>
-          </a:lnRef>
-          <a:fillRef idx="1">
-            <a:schemeClr val="accent1"/>
-          </a:fillRef>
-          <a:effectRef idx="0">
-            <a:schemeClr val="accent1"/>
-          </a:effectRef>
-          <a:fontRef idx="minor">
-            <a:schemeClr val="lt1"/>
-          </a:fontRef>
-        </p:style>
-        <p:txBody>
-          <a:bodyPr rtlCol="0" anchor="ctr"/>
-          <a:lstStyle/>
-          <a:p>
-            <a:pPr algn="ctr"/>
-            <a:endParaRPr lang="en-US"/>
-          </a:p>
-        </p:txBody>
-      </p:sp>
-    </p:spTree>
-    <p:extLst>
-      <p:ext uri="{BB962C8B-B14F-4D97-AF65-F5344CB8AC3E}">
-        <p14:creationId xmlns:p14="http://schemas.microsoft.com/office/powerpoint/2010/main" val="1361905769"/>
-      </p:ext>
-    </p:extLst>
-  </p:cSld>
-  <p:clrMapOvr>
-    <a:overrideClrMapping bg1="dk1" tx1="lt1" bg2="dk2" tx2="lt2" accent1="accent1" accent2="accent2" accent3="accent3" accent4="accent4" accent5="accent5" accent6="accent6" hlink="hlink" folHlink="folHlink"/>
-  </p:clrMapOvr>
-  <mc:AlternateContent xmlns:mc="http://schemas.openxmlformats.org/markup-compatibility/2006" xmlns:p159="http://schemas.microsoft.com/office/powerpoint/2015/09/main">
-    <mc:Choice Requires="p159">
-      <p:transition xmlns:p14="http://schemas.microsoft.com/office/powerpoint/2010/main" spd="slow" p14:dur="2000">
-        <p159:morph option="byObject"/>
-      </p:transition>
-    </mc:Choice>
-    <mc:Fallback xmlns="">
-      <p:transition spd="slow">
-        <p:fade/>
-      </p:transition>
-    </mc:Fallback>
-  </mc:AlternateContent>
-  <p:timing>
-    <p:tnLst>
-      <p:par>
-        <p:cTn id="1" dur="indefinite" restart="never" nodeType="tmRoot">
-          <p:childTnLst>
-            <p:seq concurrent="1" nextAc="seek">
-              <p:cTn id="2" dur="indefinite" nodeType="mainSeq">
-                <p:childTnLst>
-                  <p:par>
-                    <p:cTn id="3" fill="hold">
-                      <p:stCondLst>
-                        <p:cond delay="indefinite"/>
-                      </p:stCondLst>
-                      <p:childTnLst>
-                        <p:par>
-                          <p:cTn id="4" fill="hold">
-                            <p:stCondLst>
-                              <p:cond delay="0"/>
-                            </p:stCondLst>
-                            <p:childTnLst>
-                              <p:par>
-                                <p:cTn id="5" presetID="2" presetClass="entr" presetSubtype="8" fill="hold" nodeType="clickEffect">
-                                  <p:stCondLst>
-                                    <p:cond delay="0"/>
-                                  </p:stCondLst>
-                                  <p:childTnLst>
-                                    <p:set>
-                                      <p:cBhvr>
-                                        <p:cTn id="6" dur="1" fill="hold">
-                                          <p:stCondLst>
-                                            <p:cond delay="0"/>
-                                          </p:stCondLst>
-                                        </p:cTn>
-                                        <p:tgtEl>
-                                          <p:spTgt spid="3">
-                                            <p:txEl>
-                                              <p:pRg st="0" end="0"/>
-                                            </p:txEl>
-                                          </p:spTgt>
-                                        </p:tgtEl>
-                                        <p:attrNameLst>
-                                          <p:attrName>style.visibility</p:attrName>
-                                        </p:attrNameLst>
-                                      </p:cBhvr>
-                                      <p:to>
-                                        <p:strVal val="visible"/>
-                                      </p:to>
-                                    </p:set>
-                                    <p:anim calcmode="lin" valueType="num">
-                                      <p:cBhvr additive="base">
-                                        <p:cTn id="7" dur="500" fill="hold"/>
-                                        <p:tgtEl>
-                                          <p:spTgt spid="3">
-                                            <p:txEl>
-                                              <p:pRg st="0" end="0"/>
-                                            </p:txEl>
-                                          </p:spTgt>
-                                        </p:tgtEl>
-                                        <p:attrNameLst>
-                                          <p:attrName>ppt_x</p:attrName>
-                                        </p:attrNameLst>
-                                      </p:cBhvr>
-                                      <p:tavLst>
-                                        <p:tav tm="0">
-                                          <p:val>
-                                            <p:strVal val="0-#ppt_w/2"/>
-                                          </p:val>
-                                        </p:tav>
-                                        <p:tav tm="100000">
-                                          <p:val>
-                                            <p:strVal val="#ppt_x"/>
-                                          </p:val>
-                                        </p:tav>
-                                      </p:tavLst>
-                                    </p:anim>
-                                    <p:anim calcmode="lin" valueType="num">
-                                      <p:cBhvr additive="base">
-                                        <p:cTn id="8" dur="500" fill="hold"/>
-                                        <p:tgtEl>
-                                          <p:spTgt spid="3">
-                                            <p:txEl>
-                                              <p:pRg st="0" end="0"/>
-                                            </p:txEl>
-                                          </p:spTgt>
-                                        </p:tgtEl>
-                                        <p:attrNameLst>
-                                          <p:attrName>ppt_y</p:attrName>
-                                        </p:attrNameLst>
-                                      </p:cBhvr>
-                                      <p:tavLst>
-                                        <p:tav tm="0">
-                                          <p:val>
-                                            <p:strVal val="#ppt_y"/>
-                                          </p:val>
-                                        </p:tav>
-                                        <p:tav tm="100000">
-                                          <p:val>
-                                            <p:strVal val="#ppt_y"/>
-                                          </p:val>
-                                        </p:tav>
-                                      </p:tavLst>
-                                    </p:anim>
-                                  </p:childTnLst>
-                                </p:cTn>
-                              </p:par>
-                            </p:childTnLst>
-                          </p:cTn>
-                        </p:par>
-                        <p:par>
-                          <p:cTn id="9" fill="hold">
-                            <p:stCondLst>
-                              <p:cond delay="500"/>
-                            </p:stCondLst>
-                            <p:childTnLst>
-                              <p:par>
-                                <p:cTn id="10" presetID="2" presetClass="entr" presetSubtype="8" fill="hold" nodeType="afterEffect">
-                                  <p:stCondLst>
-                                    <p:cond delay="0"/>
-                                  </p:stCondLst>
-                                  <p:childTnLst>
-                                    <p:set>
-                                      <p:cBhvr>
-                                        <p:cTn id="11" dur="1" fill="hold">
-                                          <p:stCondLst>
-                                            <p:cond delay="0"/>
-                                          </p:stCondLst>
-                                        </p:cTn>
-                                        <p:tgtEl>
-                                          <p:spTgt spid="3">
-                                            <p:txEl>
-                                              <p:pRg st="1" end="1"/>
-                                            </p:txEl>
-                                          </p:spTgt>
-                                        </p:tgtEl>
-                                        <p:attrNameLst>
-                                          <p:attrName>style.visibility</p:attrName>
-                                        </p:attrNameLst>
-                                      </p:cBhvr>
-                                      <p:to>
-                                        <p:strVal val="visible"/>
-                                      </p:to>
-                                    </p:set>
-                                    <p:anim calcmode="lin" valueType="num">
-                                      <p:cBhvr additive="base">
-                                        <p:cTn id="12" dur="500" fill="hold"/>
-                                        <p:tgtEl>
-                                          <p:spTgt spid="3">
-                                            <p:txEl>
-                                              <p:pRg st="1" end="1"/>
-                                            </p:txEl>
-                                          </p:spTgt>
-                                        </p:tgtEl>
-                                        <p:attrNameLst>
-                                          <p:attrName>ppt_x</p:attrName>
-                                        </p:attrNameLst>
-                                      </p:cBhvr>
-                                      <p:tavLst>
-                                        <p:tav tm="0">
-                                          <p:val>
-                                            <p:strVal val="0-#ppt_w/2"/>
-                                          </p:val>
-                                        </p:tav>
-                                        <p:tav tm="100000">
-                                          <p:val>
-                                            <p:strVal val="#ppt_x"/>
-                                          </p:val>
-                                        </p:tav>
-                                      </p:tavLst>
-                                    </p:anim>
-                                    <p:anim calcmode="lin" valueType="num">
-                                      <p:cBhvr additive="base">
-                                        <p:cTn id="13" dur="500" fill="hold"/>
-                                        <p:tgtEl>
-                                          <p:spTgt spid="3">
-                                            <p:txEl>
-                                              <p:pRg st="1" end="1"/>
-                                            </p:txEl>
-                                          </p:spTgt>
-                                        </p:tgtEl>
-                                        <p:attrNameLst>
-                                          <p:attrName>ppt_y</p:attrName>
-                                        </p:attrNameLst>
-                                      </p:cBhvr>
-                                      <p:tavLst>
-                                        <p:tav tm="0">
-                                          <p:val>
-                                            <p:strVal val="#ppt_y"/>
-                                          </p:val>
-                                        </p:tav>
-                                        <p:tav tm="100000">
-                                          <p:val>
-                                            <p:strVal val="#ppt_y"/>
-                                          </p:val>
-                                        </p:tav>
-                                      </p:tavLst>
-                                    </p:anim>
-                                  </p:childTnLst>
-                                </p:cTn>
-                              </p:par>
-                            </p:childTnLst>
-                          </p:cTn>
-                        </p:par>
-                        <p:par>
-                          <p:cTn id="14" fill="hold">
-                            <p:stCondLst>
-                              <p:cond delay="1000"/>
-                            </p:stCondLst>
-                            <p:childTnLst>
-                              <p:par>
-                                <p:cTn id="15" presetID="2" presetClass="entr" presetSubtype="8" fill="hold" nodeType="afterEffect">
-                                  <p:stCondLst>
-                                    <p:cond delay="0"/>
-                                  </p:stCondLst>
-                                  <p:childTnLst>
-                                    <p:set>
-                                      <p:cBhvr>
-                                        <p:cTn id="16" dur="1" fill="hold">
-                                          <p:stCondLst>
-                                            <p:cond delay="0"/>
-                                          </p:stCondLst>
-                                        </p:cTn>
-                                        <p:tgtEl>
-                                          <p:spTgt spid="3">
-                                            <p:txEl>
-                                              <p:pRg st="2" end="2"/>
-                                            </p:txEl>
-                                          </p:spTgt>
-                                        </p:tgtEl>
-                                        <p:attrNameLst>
-                                          <p:attrName>style.visibility</p:attrName>
-                                        </p:attrNameLst>
-                                      </p:cBhvr>
-                                      <p:to>
-                                        <p:strVal val="visible"/>
-                                      </p:to>
-                                    </p:set>
-                                    <p:anim calcmode="lin" valueType="num">
-                                      <p:cBhvr additive="base">
-                                        <p:cTn id="17" dur="500" fill="hold"/>
-                                        <p:tgtEl>
-                                          <p:spTgt spid="3">
-                                            <p:txEl>
-                                              <p:pRg st="2" end="2"/>
-                                            </p:txEl>
-                                          </p:spTgt>
-                                        </p:tgtEl>
-                                        <p:attrNameLst>
-                                          <p:attrName>ppt_x</p:attrName>
-                                        </p:attrNameLst>
-                                      </p:cBhvr>
-                                      <p:tavLst>
-                                        <p:tav tm="0">
-                                          <p:val>
-                                            <p:strVal val="0-#ppt_w/2"/>
-                                          </p:val>
-                                        </p:tav>
-                                        <p:tav tm="100000">
-                                          <p:val>
-                                            <p:strVal val="#ppt_x"/>
-                                          </p:val>
-                                        </p:tav>
-                                      </p:tavLst>
-                                    </p:anim>
-                                    <p:anim calcmode="lin" valueType="num">
-                                      <p:cBhvr additive="base">
-                                        <p:cTn id="18" dur="500" fill="hold"/>
-                                        <p:tgtEl>
-                                          <p:spTgt spid="3">
-                                            <p:txEl>
-                                              <p:pRg st="2" end="2"/>
-                                            </p:txEl>
-                                          </p:spTgt>
-                                        </p:tgtEl>
-                                        <p:attrNameLst>
-                                          <p:attrName>ppt_y</p:attrName>
-                                        </p:attrNameLst>
-                                      </p:cBhvr>
-                                      <p:tavLst>
-                                        <p:tav tm="0">
-                                          <p:val>
-                                            <p:strVal val="#ppt_y"/>
-                                          </p:val>
-                                        </p:tav>
-                                        <p:tav tm="100000">
-                                          <p:val>
-                                            <p:strVal val="#ppt_y"/>
-                                          </p:val>
-                                        </p:tav>
-                                      </p:tavLst>
-                                    </p:anim>
-                                  </p:childTnLst>
-                                </p:cTn>
-                              </p:par>
-                            </p:childTnLst>
-                          </p:cTn>
-                        </p:par>
-                        <p:par>
-                          <p:cTn id="19" fill="hold">
-                            <p:stCondLst>
-                              <p:cond delay="1500"/>
-                            </p:stCondLst>
-                            <p:childTnLst>
-                              <p:par>
-                                <p:cTn id="20" presetID="2" presetClass="entr" presetSubtype="8" fill="hold" nodeType="afterEffect">
-                                  <p:stCondLst>
-                                    <p:cond delay="0"/>
-                                  </p:stCondLst>
-                                  <p:childTnLst>
-                                    <p:set>
-                                      <p:cBhvr>
-                                        <p:cTn id="21" dur="1" fill="hold">
-                                          <p:stCondLst>
-                                            <p:cond delay="0"/>
-                                          </p:stCondLst>
-                                        </p:cTn>
-                                        <p:tgtEl>
-                                          <p:spTgt spid="3">
-                                            <p:txEl>
-                                              <p:pRg st="3" end="3"/>
-                                            </p:txEl>
-                                          </p:spTgt>
-                                        </p:tgtEl>
-                                        <p:attrNameLst>
-                                          <p:attrName>style.visibility</p:attrName>
-                                        </p:attrNameLst>
-                                      </p:cBhvr>
-                                      <p:to>
-                                        <p:strVal val="visible"/>
-                                      </p:to>
-                                    </p:set>
-                                    <p:anim calcmode="lin" valueType="num">
-                                      <p:cBhvr additive="base">
-                                        <p:cTn id="22" dur="500" fill="hold"/>
-                                        <p:tgtEl>
-                                          <p:spTgt spid="3">
-                                            <p:txEl>
-                                              <p:pRg st="3" end="3"/>
-                                            </p:txEl>
-                                          </p:spTgt>
-                                        </p:tgtEl>
-                                        <p:attrNameLst>
-                                          <p:attrName>ppt_x</p:attrName>
-                                        </p:attrNameLst>
-                                      </p:cBhvr>
-                                      <p:tavLst>
-                                        <p:tav tm="0">
-                                          <p:val>
-                                            <p:strVal val="0-#ppt_w/2"/>
-                                          </p:val>
-                                        </p:tav>
-                                        <p:tav tm="100000">
-                                          <p:val>
-                                            <p:strVal val="#ppt_x"/>
-                                          </p:val>
-                                        </p:tav>
-                                      </p:tavLst>
-                                    </p:anim>
-                                    <p:anim calcmode="lin" valueType="num">
-                                      <p:cBhvr additive="base">
-                                        <p:cTn id="23" dur="500" fill="hold"/>
-                                        <p:tgtEl>
-                                          <p:spTgt spid="3">
-                                            <p:txEl>
-                                              <p:pRg st="3" end="3"/>
-                                            </p:txEl>
-                                          </p:spTgt>
-                                        </p:tgtEl>
-                                        <p:attrNameLst>
-                                          <p:attrName>ppt_y</p:attrName>
-                                        </p:attrNameLst>
-                                      </p:cBhvr>
-                                      <p:tavLst>
-                                        <p:tav tm="0">
-                                          <p:val>
-                                            <p:strVal val="#ppt_y"/>
-                                          </p:val>
-                                        </p:tav>
-                                        <p:tav tm="100000">
-                                          <p:val>
-                                            <p:strVal val="#ppt_y"/>
-                                          </p:val>
-                                        </p:tav>
-                                      </p:tavLst>
-                                    </p:anim>
-                                  </p:childTnLst>
-                                </p:cTn>
-                              </p:par>
-                            </p:childTnLst>
-                          </p:cTn>
-                        </p:par>
-                        <p:par>
-                          <p:cTn id="24" fill="hold">
-                            <p:stCondLst>
-                              <p:cond delay="2000"/>
-                            </p:stCondLst>
-                            <p:childTnLst>
-                              <p:par>
-                                <p:cTn id="25" presetID="2" presetClass="entr" presetSubtype="8" fill="hold" nodeType="afterEffect">
-                                  <p:stCondLst>
-                                    <p:cond delay="0"/>
-                                  </p:stCondLst>
-                                  <p:childTnLst>
-                                    <p:set>
-                                      <p:cBhvr>
-                                        <p:cTn id="26" dur="1" fill="hold">
-                                          <p:stCondLst>
-                                            <p:cond delay="0"/>
-                                          </p:stCondLst>
-                                        </p:cTn>
-                                        <p:tgtEl>
-                                          <p:spTgt spid="3">
-                                            <p:txEl>
-                                              <p:pRg st="4" end="4"/>
-                                            </p:txEl>
-                                          </p:spTgt>
-                                        </p:tgtEl>
-                                        <p:attrNameLst>
-                                          <p:attrName>style.visibility</p:attrName>
-                                        </p:attrNameLst>
-                                      </p:cBhvr>
-                                      <p:to>
-                                        <p:strVal val="visible"/>
-                                      </p:to>
-                                    </p:set>
-                                    <p:anim calcmode="lin" valueType="num">
-                                      <p:cBhvr additive="base">
-                                        <p:cTn id="27" dur="500" fill="hold"/>
-                                        <p:tgtEl>
-                                          <p:spTgt spid="3">
-                                            <p:txEl>
-                                              <p:pRg st="4" end="4"/>
-                                            </p:txEl>
-                                          </p:spTgt>
-                                        </p:tgtEl>
-                                        <p:attrNameLst>
-                                          <p:attrName>ppt_x</p:attrName>
-                                        </p:attrNameLst>
-                                      </p:cBhvr>
-                                      <p:tavLst>
-                                        <p:tav tm="0">
-                                          <p:val>
-                                            <p:strVal val="0-#ppt_w/2"/>
-                                          </p:val>
-                                        </p:tav>
-                                        <p:tav tm="100000">
-                                          <p:val>
-                                            <p:strVal val="#ppt_x"/>
-                                          </p:val>
-                                        </p:tav>
-                                      </p:tavLst>
-                                    </p:anim>
-                                    <p:anim calcmode="lin" valueType="num">
-                                      <p:cBhvr additive="base">
-                                        <p:cTn id="28" dur="500" fill="hold"/>
-                                        <p:tgtEl>
-                                          <p:spTgt spid="3">
-                                            <p:txEl>
-                                              <p:pRg st="4" end="4"/>
-                                            </p:txEl>
-                                          </p:spTgt>
-                                        </p:tgtEl>
-                                        <p:attrNameLst>
-                                          <p:attrName>ppt_y</p:attrName>
-                                        </p:attrNameLst>
-                                      </p:cBhvr>
-                                      <p:tavLst>
-                                        <p:tav tm="0">
-                                          <p:val>
-                                            <p:strVal val="#ppt_y"/>
-                                          </p:val>
-                                        </p:tav>
-                                        <p:tav tm="100000">
-                                          <p:val>
-                                            <p:strVal val="#ppt_y"/>
-                                          </p:val>
-                                        </p:tav>
-                                      </p:tavLst>
-                                    </p:anim>
-                                  </p:childTnLst>
-                                </p:cTn>
-                              </p:par>
-                            </p:childTnLst>
-                          </p:cTn>
-                        </p:par>
-                        <p:par>
-                          <p:cTn id="29" fill="hold">
-                            <p:stCondLst>
-                              <p:cond delay="2500"/>
-                            </p:stCondLst>
-                            <p:childTnLst>
-                              <p:par>
-                                <p:cTn id="30" presetID="2" presetClass="entr" presetSubtype="8" fill="hold" nodeType="afterEffect">
-                                  <p:stCondLst>
-                                    <p:cond delay="0"/>
-                                  </p:stCondLst>
-                                  <p:childTnLst>
-                                    <p:set>
-                                      <p:cBhvr>
-                                        <p:cTn id="31" dur="1" fill="hold">
-                                          <p:stCondLst>
-                                            <p:cond delay="0"/>
-                                          </p:stCondLst>
-                                        </p:cTn>
-                                        <p:tgtEl>
-                                          <p:spTgt spid="3">
-                                            <p:txEl>
-                                              <p:pRg st="5" end="5"/>
-                                            </p:txEl>
-                                          </p:spTgt>
-                                        </p:tgtEl>
-                                        <p:attrNameLst>
-                                          <p:attrName>style.visibility</p:attrName>
-                                        </p:attrNameLst>
-                                      </p:cBhvr>
-                                      <p:to>
-                                        <p:strVal val="visible"/>
-                                      </p:to>
-                                    </p:set>
-                                    <p:anim calcmode="lin" valueType="num">
-                                      <p:cBhvr additive="base">
-                                        <p:cTn id="32" dur="500" fill="hold"/>
-                                        <p:tgtEl>
-                                          <p:spTgt spid="3">
-                                            <p:txEl>
-                                              <p:pRg st="5" end="5"/>
-                                            </p:txEl>
-                                          </p:spTgt>
-                                        </p:tgtEl>
-                                        <p:attrNameLst>
-                                          <p:attrName>ppt_x</p:attrName>
-                                        </p:attrNameLst>
-                                      </p:cBhvr>
-                                      <p:tavLst>
-                                        <p:tav tm="0">
-                                          <p:val>
-                                            <p:strVal val="0-#ppt_w/2"/>
-                                          </p:val>
-                                        </p:tav>
-                                        <p:tav tm="100000">
-                                          <p:val>
-                                            <p:strVal val="#ppt_x"/>
-                                          </p:val>
-                                        </p:tav>
-                                      </p:tavLst>
-                                    </p:anim>
-                                    <p:anim calcmode="lin" valueType="num">
-                                      <p:cBhvr additive="base">
-                                        <p:cTn id="33" dur="500" fill="hold"/>
-                                        <p:tgtEl>
-                                          <p:spTgt spid="3">
-                                            <p:txEl>
-                                              <p:pRg st="5" end="5"/>
-                                            </p:txEl>
-                                          </p:spTgt>
-                                        </p:tgtEl>
-                                        <p:attrNameLst>
-                                          <p:attrName>ppt_y</p:attrName>
-                                        </p:attrNameLst>
-                                      </p:cBhvr>
-                                      <p:tavLst>
-                                        <p:tav tm="0">
-                                          <p:val>
-                                            <p:strVal val="#ppt_y"/>
-                                          </p:val>
-                                        </p:tav>
-                                        <p:tav tm="100000">
-                                          <p:val>
-                                            <p:strVal val="#ppt_y"/>
-                                          </p:val>
-                                        </p:tav>
-                                      </p:tavLst>
-                                    </p:anim>
-                                  </p:childTnLst>
-                                </p:cTn>
-                              </p:par>
-                            </p:childTnLst>
-                          </p:cTn>
-                        </p:par>
-                        <p:par>
-                          <p:cTn id="34" fill="hold">
-                            <p:stCondLst>
-                              <p:cond delay="3000"/>
-                            </p:stCondLst>
-                            <p:childTnLst>
-                              <p:par>
-                                <p:cTn id="35" presetID="2" presetClass="entr" presetSubtype="8" fill="hold" nodeType="afterEffect">
-                                  <p:stCondLst>
-                                    <p:cond delay="0"/>
-                                  </p:stCondLst>
-                                  <p:childTnLst>
-                                    <p:set>
-                                      <p:cBhvr>
-                                        <p:cTn id="36" dur="1" fill="hold">
-                                          <p:stCondLst>
-                                            <p:cond delay="0"/>
-                                          </p:stCondLst>
-                                        </p:cTn>
-                                        <p:tgtEl>
-                                          <p:spTgt spid="3">
-                                            <p:txEl>
-                                              <p:pRg st="6" end="6"/>
-                                            </p:txEl>
-                                          </p:spTgt>
-                                        </p:tgtEl>
-                                        <p:attrNameLst>
-                                          <p:attrName>style.visibility</p:attrName>
-                                        </p:attrNameLst>
-                                      </p:cBhvr>
-                                      <p:to>
-                                        <p:strVal val="visible"/>
-                                      </p:to>
-                                    </p:set>
-                                    <p:anim calcmode="lin" valueType="num">
-                                      <p:cBhvr additive="base">
-                                        <p:cTn id="37" dur="500" fill="hold"/>
-                                        <p:tgtEl>
-                                          <p:spTgt spid="3">
-                                            <p:txEl>
-                                              <p:pRg st="6" end="6"/>
-                                            </p:txEl>
-                                          </p:spTgt>
-                                        </p:tgtEl>
-                                        <p:attrNameLst>
-                                          <p:attrName>ppt_x</p:attrName>
-                                        </p:attrNameLst>
-                                      </p:cBhvr>
-                                      <p:tavLst>
-                                        <p:tav tm="0">
-                                          <p:val>
-                                            <p:strVal val="0-#ppt_w/2"/>
-                                          </p:val>
-                                        </p:tav>
-                                        <p:tav tm="100000">
-                                          <p:val>
-                                            <p:strVal val="#ppt_x"/>
-                                          </p:val>
-                                        </p:tav>
-                                      </p:tavLst>
-                                    </p:anim>
-                                    <p:anim calcmode="lin" valueType="num">
-                                      <p:cBhvr additive="base">
-                                        <p:cTn id="38" dur="500" fill="hold"/>
-                                        <p:tgtEl>
-                                          <p:spTgt spid="3">
-                                            <p:txEl>
-                                              <p:pRg st="6" end="6"/>
-                                            </p:txEl>
-                                          </p:spTgt>
-                                        </p:tgtEl>
-                                        <p:attrNameLst>
-                                          <p:attrName>ppt_y</p:attrName>
-                                        </p:attrNameLst>
-                                      </p:cBhvr>
-                                      <p:tavLst>
-                                        <p:tav tm="0">
-                                          <p:val>
-                                            <p:strVal val="#ppt_y"/>
-                                          </p:val>
-                                        </p:tav>
-                                        <p:tav tm="100000">
-                                          <p:val>
-                                            <p:strVal val="#ppt_y"/>
-                                          </p:val>
-                                        </p:tav>
-                                      </p:tavLst>
-                                    </p:anim>
-                                  </p:childTnLst>
-                                </p:cTn>
-                              </p:par>
-                            </p:childTnLst>
-                          </p:cTn>
-                        </p:par>
-                        <p:par>
-                          <p:cTn id="39" fill="hold">
-                            <p:stCondLst>
-                              <p:cond delay="3500"/>
-                            </p:stCondLst>
-                            <p:childTnLst>
-                              <p:par>
-                                <p:cTn id="40" presetID="2" presetClass="entr" presetSubtype="8" fill="hold" nodeType="afterEffect">
-                                  <p:stCondLst>
-                                    <p:cond delay="0"/>
-                                  </p:stCondLst>
-                                  <p:childTnLst>
-                                    <p:set>
-                                      <p:cBhvr>
-                                        <p:cTn id="41" dur="1" fill="hold">
-                                          <p:stCondLst>
-                                            <p:cond delay="0"/>
-                                          </p:stCondLst>
-                                        </p:cTn>
-                                        <p:tgtEl>
-                                          <p:spTgt spid="3">
-                                            <p:txEl>
-                                              <p:pRg st="7" end="7"/>
-                                            </p:txEl>
-                                          </p:spTgt>
-                                        </p:tgtEl>
-                                        <p:attrNameLst>
-                                          <p:attrName>style.visibility</p:attrName>
-                                        </p:attrNameLst>
-                                      </p:cBhvr>
-                                      <p:to>
-                                        <p:strVal val="visible"/>
-                                      </p:to>
-                                    </p:set>
-                                    <p:anim calcmode="lin" valueType="num">
-                                      <p:cBhvr additive="base">
-                                        <p:cTn id="42" dur="500" fill="hold"/>
-                                        <p:tgtEl>
-                                          <p:spTgt spid="3">
-                                            <p:txEl>
-                                              <p:pRg st="7" end="7"/>
-                                            </p:txEl>
-                                          </p:spTgt>
-                                        </p:tgtEl>
-                                        <p:attrNameLst>
-                                          <p:attrName>ppt_x</p:attrName>
-                                        </p:attrNameLst>
-                                      </p:cBhvr>
-                                      <p:tavLst>
-                                        <p:tav tm="0">
-                                          <p:val>
-                                            <p:strVal val="0-#ppt_w/2"/>
-                                          </p:val>
-                                        </p:tav>
-                                        <p:tav tm="100000">
-                                          <p:val>
-                                            <p:strVal val="#ppt_x"/>
-                                          </p:val>
-                                        </p:tav>
-                                      </p:tavLst>
-                                    </p:anim>
-                                    <p:anim calcmode="lin" valueType="num">
-                                      <p:cBhvr additive="base">
-                                        <p:cTn id="43" dur="500" fill="hold"/>
-                                        <p:tgtEl>
-                                          <p:spTgt spid="3">
-                                            <p:txEl>
-                                              <p:pRg st="7" end="7"/>
-                                            </p:txEl>
-                                          </p:spTgt>
-                                        </p:tgtEl>
-                                        <p:attrNameLst>
-                                          <p:attrName>ppt_y</p:attrName>
-                                        </p:attrNameLst>
-                                      </p:cBhvr>
-                                      <p:tavLst>
-                                        <p:tav tm="0">
-                                          <p:val>
-                                            <p:strVal val="#ppt_y"/>
-                                          </p:val>
-                                        </p:tav>
-                                        <p:tav tm="100000">
-                                          <p:val>
-                                            <p:strVal val="#ppt_y"/>
-                                          </p:val>
-                                        </p:tav>
-                                      </p:tavLst>
-                                    </p:anim>
-                                  </p:childTnLst>
-                                </p:cTn>
-                              </p:par>
-                            </p:childTnLst>
-                          </p:cTn>
-                        </p:par>
-                        <p:par>
-                          <p:cTn id="44" fill="hold">
-                            <p:stCondLst>
-                              <p:cond delay="4000"/>
-                            </p:stCondLst>
-                            <p:childTnLst>
-                              <p:par>
-                                <p:cTn id="45" presetID="2" presetClass="entr" presetSubtype="8" fill="hold" nodeType="afterEffect">
-                                  <p:stCondLst>
-                                    <p:cond delay="0"/>
-                                  </p:stCondLst>
-                                  <p:childTnLst>
-                                    <p:set>
-                                      <p:cBhvr>
-                                        <p:cTn id="46" dur="1" fill="hold">
-                                          <p:stCondLst>
-                                            <p:cond delay="0"/>
-                                          </p:stCondLst>
-                                        </p:cTn>
-                                        <p:tgtEl>
-                                          <p:spTgt spid="3">
-                                            <p:txEl>
-                                              <p:pRg st="8" end="8"/>
-                                            </p:txEl>
-                                          </p:spTgt>
-                                        </p:tgtEl>
-                                        <p:attrNameLst>
-                                          <p:attrName>style.visibility</p:attrName>
-                                        </p:attrNameLst>
-                                      </p:cBhvr>
-                                      <p:to>
-                                        <p:strVal val="visible"/>
-                                      </p:to>
-                                    </p:set>
-                                    <p:anim calcmode="lin" valueType="num">
-                                      <p:cBhvr additive="base">
-                                        <p:cTn id="47" dur="500" fill="hold"/>
-                                        <p:tgtEl>
-                                          <p:spTgt spid="3">
-                                            <p:txEl>
-                                              <p:pRg st="8" end="8"/>
-                                            </p:txEl>
-                                          </p:spTgt>
-                                        </p:tgtEl>
-                                        <p:attrNameLst>
-                                          <p:attrName>ppt_x</p:attrName>
-                                        </p:attrNameLst>
-                                      </p:cBhvr>
-                                      <p:tavLst>
-                                        <p:tav tm="0">
-                                          <p:val>
-                                            <p:strVal val="0-#ppt_w/2"/>
-                                          </p:val>
-                                        </p:tav>
-                                        <p:tav tm="100000">
-                                          <p:val>
-                                            <p:strVal val="#ppt_x"/>
-                                          </p:val>
-                                        </p:tav>
-                                      </p:tavLst>
-                                    </p:anim>
-                                    <p:anim calcmode="lin" valueType="num">
-                                      <p:cBhvr additive="base">
-                                        <p:cTn id="48" dur="500" fill="hold"/>
-                                        <p:tgtEl>
-                                          <p:spTgt spid="3">
-                                            <p:txEl>
-                                              <p:pRg st="8" end="8"/>
-                                            </p:txEl>
-                                          </p:spTgt>
-                                        </p:tgtEl>
-                                        <p:attrNameLst>
-                                          <p:attrName>ppt_y</p:attrName>
-                                        </p:attrNameLst>
-                                      </p:cBhvr>
-                                      <p:tavLst>
-                                        <p:tav tm="0">
-                                          <p:val>
-                                            <p:strVal val="#ppt_y"/>
-                                          </p:val>
-                                        </p:tav>
-                                        <p:tav tm="100000">
-                                          <p:val>
-                                            <p:strVal val="#ppt_y"/>
-                                          </p:val>
-                                        </p:tav>
-                                      </p:tavLst>
-                                    </p:anim>
-                                  </p:childTnLst>
-                                </p:cTn>
-                              </p:par>
-                            </p:childTnLst>
-                          </p:cTn>
-                        </p:par>
-                      </p:childTnLst>
-                    </p:cTn>
-                  </p:par>
-                </p:childTnLst>
-              </p:cTn>
-              <p:prevCondLst>
-                <p:cond evt="onPrev" delay="0">
-                  <p:tgtEl>
-                    <p:sldTgt/>
-                  </p:tgtEl>
-                </p:cond>
-              </p:prevCondLst>
-              <p:nextCondLst>
-                <p:cond evt="onNext" delay="0">
-                  <p:tgtEl>
-                    <p:sldTgt/>
-                  </p:tgtEl>
-                </p:cond>
-              </p:nextCondLst>
-            </p:seq>
-          </p:childTnLst>
-        </p:cTn>
-      </p:par>
-    </p:tnLst>
-  </p:timing>
-</p:sld>
-</file>
-
-<file path=ppt/slides/slide4.xml><?xml version="1.0" encoding="utf-8"?>
-<p:sld xmlns:a="http://schemas.openxmlformats.org/drawingml/2006/main" xmlns:r="http://schemas.openxmlformats.org/officeDocument/2006/relationships" xmlns:p="http://schemas.openxmlformats.org/presentationml/2006/main">
-  <p:cSld>
     <p:spTree>
       <p:nvGrpSpPr>
         <p:cNvPr id="1" name="">
@@ -18156,7 +19123,7 @@
 </p:sld>
 </file>
 
-<file path=ppt/slides/slide5.xml><?xml version="1.0" encoding="utf-8"?>
+<file path=ppt/slides/slide4.xml><?xml version="1.0" encoding="utf-8"?>
 <p:sld xmlns:a="http://schemas.openxmlformats.org/drawingml/2006/main" xmlns:r="http://schemas.openxmlformats.org/officeDocument/2006/relationships" xmlns:p="http://schemas.openxmlformats.org/presentationml/2006/main">
   <p:cSld>
     <p:bg>
@@ -19965,7 +20932,7 @@
 </p:sld>
 </file>
 
-<file path=ppt/slides/slide6.xml><?xml version="1.0" encoding="utf-8"?>
+<file path=ppt/slides/slide5.xml><?xml version="1.0" encoding="utf-8"?>
 <p:sld xmlns:a="http://schemas.openxmlformats.org/drawingml/2006/main" xmlns:r="http://schemas.openxmlformats.org/officeDocument/2006/relationships" xmlns:p="http://schemas.openxmlformats.org/presentationml/2006/main">
   <p:cSld>
     <p:spTree>
@@ -20598,7 +21565,7 @@
 </p:sld>
 </file>
 
-<file path=ppt/slides/slide7.xml><?xml version="1.0" encoding="utf-8"?>
+<file path=ppt/slides/slide6.xml><?xml version="1.0" encoding="utf-8"?>
 <p:sld xmlns:a="http://schemas.openxmlformats.org/drawingml/2006/main" xmlns:r="http://schemas.openxmlformats.org/officeDocument/2006/relationships" xmlns:p="http://schemas.openxmlformats.org/presentationml/2006/main">
   <p:cSld>
     <p:bg>
@@ -21044,13 +22011,13 @@
   <p:clrMapOvr>
     <a:masterClrMapping/>
   </p:clrMapOvr>
-  <mc:AlternateContent xmlns:mc="http://schemas.openxmlformats.org/markup-compatibility/2006">
-    <mc:Choice xmlns:p159="http://schemas.microsoft.com/office/powerpoint/2015/09/main" Requires="p159">
+  <mc:AlternateContent xmlns:mc="http://schemas.openxmlformats.org/markup-compatibility/2006" xmlns:p159="http://schemas.microsoft.com/office/powerpoint/2015/09/main">
+    <mc:Choice Requires="p159">
       <p:transition xmlns:p14="http://schemas.microsoft.com/office/powerpoint/2010/main" spd="slow" p14:dur="2000">
         <p159:morph option="byObject"/>
       </p:transition>
     </mc:Choice>
-    <mc:Fallback>
+    <mc:Fallback xmlns="">
       <p:transition spd="slow">
         <p:fade/>
       </p:transition>
@@ -21185,7 +22152,7 @@
 </p:sld>
 </file>
 
-<file path=ppt/slides/slide8.xml><?xml version="1.0" encoding="utf-8"?>
+<file path=ppt/slides/slide7.xml><?xml version="1.0" encoding="utf-8"?>
 <p:sld xmlns:a="http://schemas.openxmlformats.org/drawingml/2006/main" xmlns:r="http://schemas.openxmlformats.org/officeDocument/2006/relationships" xmlns:p="http://schemas.openxmlformats.org/presentationml/2006/main">
   <p:cSld>
     <p:bg>
@@ -21578,7 +22545,7 @@
           <p:nvPr>
             <p:extLst>
               <p:ext uri="{D42A27DB-BD31-4B8C-83A1-F6EECF244321}">
-                <p14:modId xmlns:p14="http://schemas.microsoft.com/office/powerpoint/2010/main" val="1148477699"/>
+                <p14:modId xmlns:p14="http://schemas.microsoft.com/office/powerpoint/2010/main" val="1622015072"/>
               </p:ext>
             </p:extLst>
           </p:nvPr>
@@ -21602,6 +22569,845 @@
   </p:cSld>
   <p:clrMapOvr>
     <a:masterClrMapping/>
+  </p:clrMapOvr>
+  <mc:AlternateContent xmlns:mc="http://schemas.openxmlformats.org/markup-compatibility/2006" xmlns:p159="http://schemas.microsoft.com/office/powerpoint/2015/09/main">
+    <mc:Choice Requires="p159">
+      <p:transition xmlns:p14="http://schemas.microsoft.com/office/powerpoint/2010/main" spd="slow" p14:dur="2000">
+        <p159:morph option="byObject"/>
+      </p:transition>
+    </mc:Choice>
+    <mc:Fallback xmlns="">
+      <p:transition spd="slow">
+        <p:fade/>
+      </p:transition>
+    </mc:Fallback>
+  </mc:AlternateContent>
+</p:sld>
+</file>
+
+<file path=ppt/slides/slide8.xml><?xml version="1.0" encoding="utf-8"?>
+<p:sld xmlns:a="http://schemas.openxmlformats.org/drawingml/2006/main" xmlns:r="http://schemas.openxmlformats.org/officeDocument/2006/relationships" xmlns:p="http://schemas.openxmlformats.org/presentationml/2006/main">
+  <p:cSld>
+    <p:bg>
+      <p:bgPr>
+        <a:solidFill>
+          <a:schemeClr val="bg1"/>
+        </a:solidFill>
+        <a:effectLst/>
+      </p:bgPr>
+    </p:bg>
+    <p:spTree>
+      <p:nvGrpSpPr>
+        <p:cNvPr id="1" name="">
+          <a:extLst>
+            <a:ext uri="{FF2B5EF4-FFF2-40B4-BE49-F238E27FC236}">
+              <a16:creationId xmlns:a16="http://schemas.microsoft.com/office/drawing/2014/main" id="{871B691E-D0FA-5741-DA7E-EFA29FE59E27}"/>
+            </a:ext>
+          </a:extLst>
+        </p:cNvPr>
+        <p:cNvGrpSpPr/>
+        <p:nvPr/>
+      </p:nvGrpSpPr>
+      <p:grpSpPr>
+        <a:xfrm>
+          <a:off x="0" y="0"/>
+          <a:ext cx="0" cy="0"/>
+          <a:chOff x="0" y="0"/>
+          <a:chExt cx="0" cy="0"/>
+        </a:xfrm>
+      </p:grpSpPr>
+      <p:sp>
+        <p:nvSpPr>
+          <p:cNvPr id="80" name="Freeform: Shape 79">
+            <a:extLst>
+              <a:ext uri="{FF2B5EF4-FFF2-40B4-BE49-F238E27FC236}">
+                <a16:creationId xmlns:a16="http://schemas.microsoft.com/office/drawing/2014/main" id="{774A975B-A886-5202-0489-6965514A0D14}"/>
+              </a:ext>
+              <a:ext uri="{C183D7F6-B498-43B3-948B-1728B52AA6E4}">
+                <adec:decorative xmlns:adec="http://schemas.microsoft.com/office/drawing/2017/decorative" val="1"/>
+              </a:ext>
+            </a:extLst>
+          </p:cNvPr>
+          <p:cNvSpPr>
+            <a:spLocks noGrp="1" noRot="1" noChangeAspect="1" noMove="1" noResize="1" noEditPoints="1" noAdjustHandles="1" noChangeArrowheads="1" noChangeShapeType="1" noTextEdit="1"/>
+          </p:cNvSpPr>
+          <p:nvPr>
+            <p:extLst>
+              <p:ext uri="{386F3935-93C4-4BCD-93E2-E3B085C9AB24}">
+                <p16:designElem xmlns:p16="http://schemas.microsoft.com/office/powerpoint/2015/main" val="1"/>
+              </p:ext>
+            </p:extLst>
+          </p:nvPr>
+        </p:nvSpPr>
+        <p:spPr>
+          <a:xfrm>
+            <a:off x="517869" y="508090"/>
+            <a:ext cx="11153214" cy="149279"/>
+          </a:xfrm>
+          <a:custGeom>
+            <a:avLst/>
+            <a:gdLst>
+              <a:gd name="connsiteX0" fmla="*/ 0 w 8085002"/>
+              <a:gd name="connsiteY0" fmla="*/ 0 h 149279"/>
+              <a:gd name="connsiteX1" fmla="*/ 8085002 w 8085002"/>
+              <a:gd name="connsiteY1" fmla="*/ 0 h 149279"/>
+              <a:gd name="connsiteX2" fmla="*/ 8085002 w 8085002"/>
+              <a:gd name="connsiteY2" fmla="*/ 149279 h 149279"/>
+              <a:gd name="connsiteX3" fmla="*/ 0 w 8085002"/>
+              <a:gd name="connsiteY3" fmla="*/ 149279 h 149279"/>
+            </a:gdLst>
+            <a:ahLst/>
+            <a:cxnLst>
+              <a:cxn ang="0">
+                <a:pos x="connsiteX0" y="connsiteY0"/>
+              </a:cxn>
+              <a:cxn ang="0">
+                <a:pos x="connsiteX1" y="connsiteY1"/>
+              </a:cxn>
+              <a:cxn ang="0">
+                <a:pos x="connsiteX2" y="connsiteY2"/>
+              </a:cxn>
+              <a:cxn ang="0">
+                <a:pos x="connsiteX3" y="connsiteY3"/>
+              </a:cxn>
+            </a:cxnLst>
+            <a:rect l="l" t="t" r="r" b="b"/>
+            <a:pathLst>
+              <a:path w="8085002" h="149279">
+                <a:moveTo>
+                  <a:pt x="0" y="0"/>
+                </a:moveTo>
+                <a:lnTo>
+                  <a:pt x="8085002" y="0"/>
+                </a:lnTo>
+                <a:lnTo>
+                  <a:pt x="8085002" y="149279"/>
+                </a:lnTo>
+                <a:lnTo>
+                  <a:pt x="0" y="149279"/>
+                </a:lnTo>
+                <a:close/>
+              </a:path>
+            </a:pathLst>
+          </a:custGeom>
+          <a:solidFill>
+            <a:schemeClr val="tx1"/>
+          </a:solidFill>
+          <a:ln>
+            <a:noFill/>
+          </a:ln>
+        </p:spPr>
+        <p:style>
+          <a:lnRef idx="2">
+            <a:schemeClr val="accent1">
+              <a:shade val="50000"/>
+            </a:schemeClr>
+          </a:lnRef>
+          <a:fillRef idx="1">
+            <a:schemeClr val="accent1"/>
+          </a:fillRef>
+          <a:effectRef idx="0">
+            <a:schemeClr val="accent1"/>
+          </a:effectRef>
+          <a:fontRef idx="minor">
+            <a:schemeClr val="lt1"/>
+          </a:fontRef>
+        </p:style>
+        <p:txBody>
+          <a:bodyPr wrap="square" rtlCol="0" anchor="ctr">
+            <a:noAutofit/>
+          </a:bodyPr>
+          <a:lstStyle/>
+          <a:p>
+            <a:pPr algn="ctr"/>
+            <a:endParaRPr lang="en-US"/>
+          </a:p>
+        </p:txBody>
+      </p:sp>
+      <p:sp useBgFill="1">
+        <p:nvSpPr>
+          <p:cNvPr id="82" name="Rectangle 81">
+            <a:extLst>
+              <a:ext uri="{FF2B5EF4-FFF2-40B4-BE49-F238E27FC236}">
+                <a16:creationId xmlns:a16="http://schemas.microsoft.com/office/drawing/2014/main" id="{AD1BDCCC-E676-2A7E-BE11-2B8C23DB287F}"/>
+              </a:ext>
+              <a:ext uri="{C183D7F6-B498-43B3-948B-1728B52AA6E4}">
+                <adec:decorative xmlns:adec="http://schemas.microsoft.com/office/drawing/2017/decorative" val="1"/>
+              </a:ext>
+            </a:extLst>
+          </p:cNvPr>
+          <p:cNvSpPr>
+            <a:spLocks noGrp="1" noRot="1" noChangeAspect="1" noMove="1" noResize="1" noEditPoints="1" noAdjustHandles="1" noChangeArrowheads="1" noChangeShapeType="1" noTextEdit="1"/>
+          </p:cNvSpPr>
+          <p:nvPr>
+            <p:extLst>
+              <p:ext uri="{386F3935-93C4-4BCD-93E2-E3B085C9AB24}">
+                <p16:designElem xmlns:p16="http://schemas.microsoft.com/office/powerpoint/2015/main" val="1"/>
+              </p:ext>
+            </p:extLst>
+          </p:nvPr>
+        </p:nvSpPr>
+        <p:spPr>
+          <a:xfrm>
+            <a:off x="0" y="0"/>
+            <a:ext cx="12188952" cy="6857995"/>
+          </a:xfrm>
+          <a:prstGeom prst="rect">
+            <a:avLst/>
+          </a:prstGeom>
+          <a:ln>
+            <a:noFill/>
+          </a:ln>
+        </p:spPr>
+        <p:style>
+          <a:lnRef idx="2">
+            <a:schemeClr val="accent1">
+              <a:shade val="50000"/>
+            </a:schemeClr>
+          </a:lnRef>
+          <a:fillRef idx="1">
+            <a:schemeClr val="accent1"/>
+          </a:fillRef>
+          <a:effectRef idx="0">
+            <a:schemeClr val="accent1"/>
+          </a:effectRef>
+          <a:fontRef idx="minor">
+            <a:schemeClr val="lt1"/>
+          </a:fontRef>
+        </p:style>
+        <p:txBody>
+          <a:bodyPr rtlCol="0" anchor="ctr"/>
+          <a:lstStyle/>
+          <a:p>
+            <a:pPr algn="ctr"/>
+            <a:endParaRPr lang="en-US" dirty="0"/>
+          </a:p>
+        </p:txBody>
+      </p:sp>
+      <p:sp>
+        <p:nvSpPr>
+          <p:cNvPr id="2" name="Cím 1">
+            <a:extLst>
+              <a:ext uri="{FF2B5EF4-FFF2-40B4-BE49-F238E27FC236}">
+                <a16:creationId xmlns:a16="http://schemas.microsoft.com/office/drawing/2014/main" id="{0F48500E-11B4-0EE1-3029-7E5561369E49}"/>
+              </a:ext>
+            </a:extLst>
+          </p:cNvPr>
+          <p:cNvSpPr>
+            <a:spLocks noGrp="1"/>
+          </p:cNvSpPr>
+          <p:nvPr>
+            <p:ph type="ctrTitle"/>
+          </p:nvPr>
+        </p:nvSpPr>
+        <p:spPr>
+          <a:xfrm>
+            <a:off x="521208" y="978408"/>
+            <a:ext cx="11155680" cy="1115568"/>
+          </a:xfrm>
+        </p:spPr>
+        <p:txBody>
+          <a:bodyPr vert="horz" lIns="91440" tIns="45720" rIns="91440" bIns="45720" rtlCol="0" anchor="t">
+            <a:normAutofit/>
+          </a:bodyPr>
+          <a:lstStyle/>
+          <a:p>
+            <a:r>
+              <a:rPr lang="hu-HU" sz="4400" dirty="0"/>
+              <a:t>Ami miatt könnyen ment</a:t>
+            </a:r>
+            <a:endParaRPr lang="en-US" sz="4400" b="1" kern="1200" dirty="0">
+              <a:solidFill>
+                <a:schemeClr val="tx1"/>
+              </a:solidFill>
+              <a:latin typeface="+mj-lt"/>
+              <a:ea typeface="+mj-ea"/>
+              <a:cs typeface="+mj-cs"/>
+            </a:endParaRPr>
+          </a:p>
+        </p:txBody>
+      </p:sp>
+      <p:sp>
+        <p:nvSpPr>
+          <p:cNvPr id="84" name="Freeform: Shape 83">
+            <a:extLst>
+              <a:ext uri="{FF2B5EF4-FFF2-40B4-BE49-F238E27FC236}">
+                <a16:creationId xmlns:a16="http://schemas.microsoft.com/office/drawing/2014/main" id="{781C97B1-8A09-6383-8C65-A3B73577816A}"/>
+              </a:ext>
+              <a:ext uri="{C183D7F6-B498-43B3-948B-1728B52AA6E4}">
+                <adec:decorative xmlns:adec="http://schemas.microsoft.com/office/drawing/2017/decorative" val="1"/>
+              </a:ext>
+            </a:extLst>
+          </p:cNvPr>
+          <p:cNvSpPr>
+            <a:spLocks noGrp="1" noRot="1" noChangeAspect="1" noMove="1" noResize="1" noEditPoints="1" noAdjustHandles="1" noChangeArrowheads="1" noChangeShapeType="1" noTextEdit="1"/>
+          </p:cNvSpPr>
+          <p:nvPr>
+            <p:extLst>
+              <p:ext uri="{386F3935-93C4-4BCD-93E2-E3B085C9AB24}">
+                <p16:designElem xmlns:p16="http://schemas.microsoft.com/office/powerpoint/2015/main" val="1"/>
+              </p:ext>
+            </p:extLst>
+          </p:nvPr>
+        </p:nvSpPr>
+        <p:spPr>
+          <a:xfrm>
+            <a:off x="517869" y="508090"/>
+            <a:ext cx="11153214" cy="149279"/>
+          </a:xfrm>
+          <a:custGeom>
+            <a:avLst/>
+            <a:gdLst>
+              <a:gd name="connsiteX0" fmla="*/ 0 w 8085002"/>
+              <a:gd name="connsiteY0" fmla="*/ 0 h 149279"/>
+              <a:gd name="connsiteX1" fmla="*/ 8085002 w 8085002"/>
+              <a:gd name="connsiteY1" fmla="*/ 0 h 149279"/>
+              <a:gd name="connsiteX2" fmla="*/ 8085002 w 8085002"/>
+              <a:gd name="connsiteY2" fmla="*/ 149279 h 149279"/>
+              <a:gd name="connsiteX3" fmla="*/ 0 w 8085002"/>
+              <a:gd name="connsiteY3" fmla="*/ 149279 h 149279"/>
+            </a:gdLst>
+            <a:ahLst/>
+            <a:cxnLst>
+              <a:cxn ang="0">
+                <a:pos x="connsiteX0" y="connsiteY0"/>
+              </a:cxn>
+              <a:cxn ang="0">
+                <a:pos x="connsiteX1" y="connsiteY1"/>
+              </a:cxn>
+              <a:cxn ang="0">
+                <a:pos x="connsiteX2" y="connsiteY2"/>
+              </a:cxn>
+              <a:cxn ang="0">
+                <a:pos x="connsiteX3" y="connsiteY3"/>
+              </a:cxn>
+            </a:cxnLst>
+            <a:rect l="l" t="t" r="r" b="b"/>
+            <a:pathLst>
+              <a:path w="8085002" h="149279">
+                <a:moveTo>
+                  <a:pt x="0" y="0"/>
+                </a:moveTo>
+                <a:lnTo>
+                  <a:pt x="8085002" y="0"/>
+                </a:lnTo>
+                <a:lnTo>
+                  <a:pt x="8085002" y="149279"/>
+                </a:lnTo>
+                <a:lnTo>
+                  <a:pt x="0" y="149279"/>
+                </a:lnTo>
+                <a:close/>
+              </a:path>
+            </a:pathLst>
+          </a:custGeom>
+          <a:solidFill>
+            <a:schemeClr val="tx1"/>
+          </a:solidFill>
+          <a:ln>
+            <a:noFill/>
+          </a:ln>
+        </p:spPr>
+        <p:style>
+          <a:lnRef idx="2">
+            <a:schemeClr val="accent1">
+              <a:shade val="50000"/>
+            </a:schemeClr>
+          </a:lnRef>
+          <a:fillRef idx="1">
+            <a:schemeClr val="accent1"/>
+          </a:fillRef>
+          <a:effectRef idx="0">
+            <a:schemeClr val="accent1"/>
+          </a:effectRef>
+          <a:fontRef idx="minor">
+            <a:schemeClr val="lt1"/>
+          </a:fontRef>
+        </p:style>
+        <p:txBody>
+          <a:bodyPr wrap="square" rtlCol="0" anchor="ctr">
+            <a:noAutofit/>
+          </a:bodyPr>
+          <a:lstStyle/>
+          <a:p>
+            <a:pPr algn="ctr"/>
+            <a:endParaRPr lang="en-US"/>
+          </a:p>
+        </p:txBody>
+      </p:sp>
+      <p:pic>
+        <p:nvPicPr>
+          <p:cNvPr id="4" name="Picture 3" descr="A élénk színek átfordítása">
+            <a:extLst>
+              <a:ext uri="{FF2B5EF4-FFF2-40B4-BE49-F238E27FC236}">
+                <a16:creationId xmlns:a16="http://schemas.microsoft.com/office/drawing/2014/main" id="{DF45EA69-0777-0D82-FC14-7C9C46BF700D}"/>
+              </a:ext>
+            </a:extLst>
+          </p:cNvPr>
+          <p:cNvPicPr>
+            <a:picLocks noChangeAspect="1"/>
+          </p:cNvPicPr>
+          <p:nvPr/>
+        </p:nvPicPr>
+        <p:blipFill>
+          <a:blip r:embed="rId2"/>
+          <a:srcRect l="6310" r="-3" b="-3"/>
+          <a:stretch>
+            <a:fillRect/>
+          </a:stretch>
+        </p:blipFill>
+        <p:spPr>
+          <a:xfrm>
+            <a:off x="517866" y="2299390"/>
+            <a:ext cx="5578133" cy="4048568"/>
+          </a:xfrm>
+          <a:prstGeom prst="rect">
+            <a:avLst/>
+          </a:prstGeom>
+        </p:spPr>
+      </p:pic>
+      <p:graphicFrame>
+        <p:nvGraphicFramePr>
+          <p:cNvPr id="5" name="Diagram 4">
+            <a:extLst>
+              <a:ext uri="{FF2B5EF4-FFF2-40B4-BE49-F238E27FC236}">
+                <a16:creationId xmlns:a16="http://schemas.microsoft.com/office/drawing/2014/main" id="{A3C7046D-CA57-BF92-B3C7-17217C7CBAC3}"/>
+              </a:ext>
+            </a:extLst>
+          </p:cNvPr>
+          <p:cNvGraphicFramePr/>
+          <p:nvPr>
+            <p:extLst>
+              <p:ext uri="{D42A27DB-BD31-4B8C-83A1-F6EECF244321}">
+                <p14:modId xmlns:p14="http://schemas.microsoft.com/office/powerpoint/2010/main" val="137300930"/>
+              </p:ext>
+            </p:extLst>
+          </p:nvPr>
+        </p:nvGraphicFramePr>
+        <p:xfrm>
+          <a:off x="6510528" y="2304288"/>
+          <a:ext cx="5157216" cy="4050792"/>
+        </p:xfrm>
+        <a:graphic>
+          <a:graphicData uri="http://schemas.openxmlformats.org/drawingml/2006/diagram">
+            <dgm:relIds xmlns:dgm="http://schemas.openxmlformats.org/drawingml/2006/diagram" xmlns:r="http://schemas.openxmlformats.org/officeDocument/2006/relationships" r:dm="rId3" r:lo="rId4" r:qs="rId5" r:cs="rId6"/>
+          </a:graphicData>
+        </a:graphic>
+      </p:graphicFrame>
+    </p:spTree>
+    <p:extLst>
+      <p:ext uri="{BB962C8B-B14F-4D97-AF65-F5344CB8AC3E}">
+        <p14:creationId xmlns:p14="http://schemas.microsoft.com/office/powerpoint/2010/main" val="3911994340"/>
+      </p:ext>
+    </p:extLst>
+  </p:cSld>
+  <p:clrMapOvr>
+    <a:masterClrMapping/>
+  </p:clrMapOvr>
+  <mc:AlternateContent xmlns:mc="http://schemas.openxmlformats.org/markup-compatibility/2006">
+    <mc:Choice xmlns:p159="http://schemas.microsoft.com/office/powerpoint/2015/09/main" Requires="p159">
+      <p:transition xmlns:p14="http://schemas.microsoft.com/office/powerpoint/2010/main" spd="slow" p14:dur="2000">
+        <p159:morph option="byObject"/>
+      </p:transition>
+    </mc:Choice>
+    <mc:Fallback>
+      <p:transition spd="slow">
+        <p:fade/>
+      </p:transition>
+    </mc:Fallback>
+  </mc:AlternateContent>
+  <p:timing>
+    <p:tnLst>
+      <p:par>
+        <p:cTn id="1" dur="indefinite" restart="never" nodeType="tmRoot">
+          <p:childTnLst>
+            <p:seq concurrent="1" nextAc="seek">
+              <p:cTn id="2" dur="indefinite" nodeType="mainSeq">
+                <p:childTnLst>
+                  <p:par>
+                    <p:cTn id="3" fill="hold">
+                      <p:stCondLst>
+                        <p:cond delay="indefinite"/>
+                        <p:cond evt="onBegin" delay="0">
+                          <p:tn val="2"/>
+                        </p:cond>
+                      </p:stCondLst>
+                      <p:childTnLst>
+                        <p:par>
+                          <p:cTn id="4" fill="hold">
+                            <p:stCondLst>
+                              <p:cond delay="0"/>
+                            </p:stCondLst>
+                            <p:childTnLst>
+                              <p:par>
+                                <p:cTn id="5" presetID="21" presetClass="entr" presetSubtype="1" fill="hold" grpId="0" nodeType="afterEffect">
+                                  <p:stCondLst>
+                                    <p:cond delay="0"/>
+                                  </p:stCondLst>
+                                  <p:childTnLst>
+                                    <p:set>
+                                      <p:cBhvr>
+                                        <p:cTn id="6" dur="1" fill="hold">
+                                          <p:stCondLst>
+                                            <p:cond delay="0"/>
+                                          </p:stCondLst>
+                                        </p:cTn>
+                                        <p:tgtEl>
+                                          <p:spTgt spid="5"/>
+                                        </p:tgtEl>
+                                        <p:attrNameLst>
+                                          <p:attrName>style.visibility</p:attrName>
+                                        </p:attrNameLst>
+                                      </p:cBhvr>
+                                      <p:to>
+                                        <p:strVal val="visible"/>
+                                      </p:to>
+                                    </p:set>
+                                    <p:animEffect transition="in" filter="wheel(1)">
+                                      <p:cBhvr>
+                                        <p:cTn id="7" dur="2000"/>
+                                        <p:tgtEl>
+                                          <p:spTgt spid="5"/>
+                                        </p:tgtEl>
+                                      </p:cBhvr>
+                                    </p:animEffect>
+                                  </p:childTnLst>
+                                </p:cTn>
+                              </p:par>
+                            </p:childTnLst>
+                          </p:cTn>
+                        </p:par>
+                      </p:childTnLst>
+                    </p:cTn>
+                  </p:par>
+                </p:childTnLst>
+              </p:cTn>
+              <p:prevCondLst>
+                <p:cond evt="onPrev" delay="0">
+                  <p:tgtEl>
+                    <p:sldTgt/>
+                  </p:tgtEl>
+                </p:cond>
+              </p:prevCondLst>
+              <p:nextCondLst>
+                <p:cond evt="onNext" delay="0">
+                  <p:tgtEl>
+                    <p:sldTgt/>
+                  </p:tgtEl>
+                </p:cond>
+              </p:nextCondLst>
+            </p:seq>
+          </p:childTnLst>
+        </p:cTn>
+      </p:par>
+    </p:tnLst>
+    <p:bldLst>
+      <p:bldGraphic spid="5" grpId="0">
+        <p:bldAsOne/>
+      </p:bldGraphic>
+    </p:bldLst>
+  </p:timing>
+</p:sld>
+</file>
+
+<file path=ppt/slides/slide9.xml><?xml version="1.0" encoding="utf-8"?>
+<p:sld xmlns:a="http://schemas.openxmlformats.org/drawingml/2006/main" xmlns:r="http://schemas.openxmlformats.org/officeDocument/2006/relationships" xmlns:p="http://schemas.openxmlformats.org/presentationml/2006/main">
+  <p:cSld>
+    <p:bg>
+      <p:bgPr>
+        <a:solidFill>
+          <a:schemeClr val="bg1"/>
+        </a:solidFill>
+        <a:effectLst/>
+      </p:bgPr>
+    </p:bg>
+    <p:spTree>
+      <p:nvGrpSpPr>
+        <p:cNvPr id="1" name="">
+          <a:extLst>
+            <a:ext uri="{FF2B5EF4-FFF2-40B4-BE49-F238E27FC236}">
+              <a16:creationId xmlns:a16="http://schemas.microsoft.com/office/drawing/2014/main" id="{4EFB479A-4E06-2F0B-AF1C-B5AAE5740A97}"/>
+            </a:ext>
+          </a:extLst>
+        </p:cNvPr>
+        <p:cNvGrpSpPr/>
+        <p:nvPr/>
+      </p:nvGrpSpPr>
+      <p:grpSpPr>
+        <a:xfrm>
+          <a:off x="0" y="0"/>
+          <a:ext cx="0" cy="0"/>
+          <a:chOff x="0" y="0"/>
+          <a:chExt cx="0" cy="0"/>
+        </a:xfrm>
+      </p:grpSpPr>
+      <p:sp useBgFill="1">
+        <p:nvSpPr>
+          <p:cNvPr id="25" name="Rectangle 24">
+            <a:extLst>
+              <a:ext uri="{FF2B5EF4-FFF2-40B4-BE49-F238E27FC236}">
+                <a16:creationId xmlns:a16="http://schemas.microsoft.com/office/drawing/2014/main" id="{8BEC44CD-E290-4D60-A056-5BA05B182AC3}"/>
+              </a:ext>
+              <a:ext uri="{C183D7F6-B498-43B3-948B-1728B52AA6E4}">
+                <adec:decorative xmlns:adec="http://schemas.microsoft.com/office/drawing/2017/decorative" val="1"/>
+              </a:ext>
+            </a:extLst>
+          </p:cNvPr>
+          <p:cNvSpPr>
+            <a:spLocks noGrp="1" noRot="1" noChangeAspect="1" noMove="1" noResize="1" noEditPoints="1" noAdjustHandles="1" noChangeArrowheads="1" noChangeShapeType="1" noTextEdit="1"/>
+          </p:cNvSpPr>
+          <p:nvPr>
+            <p:extLst>
+              <p:ext uri="{386F3935-93C4-4BCD-93E2-E3B085C9AB24}">
+                <p16:designElem xmlns:p16="http://schemas.microsoft.com/office/powerpoint/2015/main" val="1"/>
+              </p:ext>
+            </p:extLst>
+          </p:nvPr>
+        </p:nvSpPr>
+        <p:spPr>
+          <a:xfrm>
+            <a:off x="0" y="-2"/>
+            <a:ext cx="12192000" cy="6858001"/>
+          </a:xfrm>
+          <a:prstGeom prst="rect">
+            <a:avLst/>
+          </a:prstGeom>
+          <a:ln>
+            <a:noFill/>
+          </a:ln>
+        </p:spPr>
+        <p:style>
+          <a:lnRef idx="2">
+            <a:schemeClr val="accent1">
+              <a:shade val="50000"/>
+            </a:schemeClr>
+          </a:lnRef>
+          <a:fillRef idx="1">
+            <a:schemeClr val="accent1"/>
+          </a:fillRef>
+          <a:effectRef idx="0">
+            <a:schemeClr val="accent1"/>
+          </a:effectRef>
+          <a:fontRef idx="minor">
+            <a:schemeClr val="lt1"/>
+          </a:fontRef>
+        </p:style>
+        <p:txBody>
+          <a:bodyPr rtlCol="0" anchor="ctr"/>
+          <a:lstStyle/>
+          <a:p>
+            <a:pPr algn="ctr"/>
+            <a:endParaRPr lang="en-US" dirty="0"/>
+          </a:p>
+        </p:txBody>
+      </p:sp>
+      <p:pic>
+        <p:nvPicPr>
+          <p:cNvPr id="4" name="Picture 3" descr="A élénk színek átfordítása">
+            <a:extLst>
+              <a:ext uri="{FF2B5EF4-FFF2-40B4-BE49-F238E27FC236}">
+                <a16:creationId xmlns:a16="http://schemas.microsoft.com/office/drawing/2014/main" id="{E9FB50ED-CEB5-E5FC-CC7F-B85695857F2D}"/>
+              </a:ext>
+            </a:extLst>
+          </p:cNvPr>
+          <p:cNvPicPr>
+            <a:picLocks noChangeAspect="1"/>
+          </p:cNvPicPr>
+          <p:nvPr/>
+        </p:nvPicPr>
+        <p:blipFill>
+          <a:blip r:embed="rId2">
+            <a:alphaModFix amt="40000"/>
+          </a:blip>
+          <a:srcRect t="17279"/>
+          <a:stretch>
+            <a:fillRect/>
+          </a:stretch>
+        </p:blipFill>
+        <p:spPr>
+          <a:xfrm>
+            <a:off x="-1" y="0"/>
+            <a:ext cx="12192001" cy="6858001"/>
+          </a:xfrm>
+          <a:prstGeom prst="rect">
+            <a:avLst/>
+          </a:prstGeom>
+        </p:spPr>
+      </p:pic>
+      <p:sp>
+        <p:nvSpPr>
+          <p:cNvPr id="2" name="Cím 1">
+            <a:extLst>
+              <a:ext uri="{FF2B5EF4-FFF2-40B4-BE49-F238E27FC236}">
+                <a16:creationId xmlns:a16="http://schemas.microsoft.com/office/drawing/2014/main" id="{0F641C24-54B0-0123-FAAB-AB956CCDEFC7}"/>
+              </a:ext>
+            </a:extLst>
+          </p:cNvPr>
+          <p:cNvSpPr>
+            <a:spLocks noGrp="1"/>
+          </p:cNvSpPr>
+          <p:nvPr>
+            <p:ph type="ctrTitle"/>
+          </p:nvPr>
+        </p:nvSpPr>
+        <p:spPr>
+          <a:xfrm>
+            <a:off x="517870" y="978408"/>
+            <a:ext cx="5021182" cy="2450592"/>
+          </a:xfrm>
+        </p:spPr>
+        <p:txBody>
+          <a:bodyPr anchor="t">
+            <a:normAutofit/>
+          </a:bodyPr>
+          <a:lstStyle/>
+          <a:p>
+            <a:r>
+              <a:rPr lang="hu-HU" sz="6000" dirty="0">
+                <a:solidFill>
+                  <a:srgbClr val="FFFFFF"/>
+                </a:solidFill>
+              </a:rPr>
+              <a:t>Köszönjük a figyelmet</a:t>
+            </a:r>
+          </a:p>
+        </p:txBody>
+      </p:sp>
+      <p:sp>
+        <p:nvSpPr>
+          <p:cNvPr id="27" name="Rectangle 26">
+            <a:extLst>
+              <a:ext uri="{FF2B5EF4-FFF2-40B4-BE49-F238E27FC236}">
+                <a16:creationId xmlns:a16="http://schemas.microsoft.com/office/drawing/2014/main" id="{B2C335F7-F61C-4EB4-80F2-4B1438FE66BB}"/>
+              </a:ext>
+              <a:ext uri="{C183D7F6-B498-43B3-948B-1728B52AA6E4}">
+                <adec:decorative xmlns:adec="http://schemas.microsoft.com/office/drawing/2017/decorative" val="1"/>
+              </a:ext>
+            </a:extLst>
+          </p:cNvPr>
+          <p:cNvSpPr>
+            <a:spLocks noGrp="1" noRot="1" noChangeAspect="1" noMove="1" noResize="1" noEditPoints="1" noAdjustHandles="1" noChangeArrowheads="1" noChangeShapeType="1" noTextEdit="1"/>
+          </p:cNvSpPr>
+          <p:nvPr>
+            <p:extLst>
+              <p:ext uri="{386F3935-93C4-4BCD-93E2-E3B085C9AB24}">
+                <p16:designElem xmlns:p16="http://schemas.microsoft.com/office/powerpoint/2015/main" val="1"/>
+              </p:ext>
+            </p:extLst>
+          </p:nvPr>
+        </p:nvSpPr>
+        <p:spPr>
+          <a:xfrm>
+            <a:off x="517870" y="508090"/>
+            <a:ext cx="5021183" cy="149279"/>
+          </a:xfrm>
+          <a:prstGeom prst="rect">
+            <a:avLst/>
+          </a:prstGeom>
+          <a:solidFill>
+            <a:srgbClr val="FFFFFF"/>
+          </a:solidFill>
+          <a:ln>
+            <a:noFill/>
+          </a:ln>
+        </p:spPr>
+        <p:style>
+          <a:lnRef idx="2">
+            <a:schemeClr val="accent1">
+              <a:shade val="50000"/>
+            </a:schemeClr>
+          </a:lnRef>
+          <a:fillRef idx="1">
+            <a:schemeClr val="accent1"/>
+          </a:fillRef>
+          <a:effectRef idx="0">
+            <a:schemeClr val="accent1"/>
+          </a:effectRef>
+          <a:fontRef idx="minor">
+            <a:schemeClr val="lt1"/>
+          </a:fontRef>
+        </p:style>
+        <p:txBody>
+          <a:bodyPr rtlCol="0" anchor="ctr"/>
+          <a:lstStyle/>
+          <a:p>
+            <a:pPr algn="ctr"/>
+            <a:endParaRPr lang="en-US"/>
+          </a:p>
+        </p:txBody>
+      </p:sp>
+      <p:sp>
+        <p:nvSpPr>
+          <p:cNvPr id="29" name="Rectangle 28">
+            <a:extLst>
+              <a:ext uri="{FF2B5EF4-FFF2-40B4-BE49-F238E27FC236}">
+                <a16:creationId xmlns:a16="http://schemas.microsoft.com/office/drawing/2014/main" id="{F1189494-2B67-46D2-93D6-A122A09BF6B2}"/>
+              </a:ext>
+              <a:ext uri="{C183D7F6-B498-43B3-948B-1728B52AA6E4}">
+                <adec:decorative xmlns:adec="http://schemas.microsoft.com/office/drawing/2017/decorative" val="1"/>
+              </a:ext>
+            </a:extLst>
+          </p:cNvPr>
+          <p:cNvSpPr>
+            <a:spLocks noGrp="1" noRot="1" noChangeAspect="1" noMove="1" noResize="1" noEditPoints="1" noAdjustHandles="1" noChangeArrowheads="1" noChangeShapeType="1" noTextEdit="1"/>
+          </p:cNvSpPr>
+          <p:nvPr>
+            <p:extLst>
+              <p:ext uri="{386F3935-93C4-4BCD-93E2-E3B085C9AB24}">
+                <p16:designElem xmlns:p16="http://schemas.microsoft.com/office/powerpoint/2015/main" val="1"/>
+              </p:ext>
+            </p:extLst>
+          </p:nvPr>
+        </p:nvSpPr>
+        <p:spPr>
+          <a:xfrm>
+            <a:off x="6662168" y="6209925"/>
+            <a:ext cx="5021183" cy="45719"/>
+          </a:xfrm>
+          <a:prstGeom prst="rect">
+            <a:avLst/>
+          </a:prstGeom>
+          <a:solidFill>
+            <a:srgbClr val="FFFFFF"/>
+          </a:solidFill>
+          <a:ln>
+            <a:noFill/>
+          </a:ln>
+        </p:spPr>
+        <p:style>
+          <a:lnRef idx="2">
+            <a:schemeClr val="accent1">
+              <a:shade val="50000"/>
+            </a:schemeClr>
+          </a:lnRef>
+          <a:fillRef idx="1">
+            <a:schemeClr val="accent1"/>
+          </a:fillRef>
+          <a:effectRef idx="0">
+            <a:schemeClr val="accent1"/>
+          </a:effectRef>
+          <a:fontRef idx="minor">
+            <a:schemeClr val="lt1"/>
+          </a:fontRef>
+        </p:style>
+        <p:txBody>
+          <a:bodyPr rtlCol="0" anchor="ctr"/>
+          <a:lstStyle/>
+          <a:p>
+            <a:pPr algn="ctr"/>
+            <a:endParaRPr lang="en-US"/>
+          </a:p>
+        </p:txBody>
+      </p:sp>
+    </p:spTree>
+    <p:extLst>
+      <p:ext uri="{BB962C8B-B14F-4D97-AF65-F5344CB8AC3E}">
+        <p14:creationId xmlns:p14="http://schemas.microsoft.com/office/powerpoint/2010/main" val="232701510"/>
+      </p:ext>
+    </p:extLst>
+  </p:cSld>
+  <p:clrMapOvr>
+    <a:overrideClrMapping bg1="dk1" tx1="lt1" bg2="dk2" tx2="lt2" accent1="accent1" accent2="accent2" accent3="accent3" accent4="accent4" accent5="accent5" accent6="accent6" hlink="hlink" folHlink="folHlink"/>
   </p:clrMapOvr>
   <mc:AlternateContent xmlns:mc="http://schemas.openxmlformats.org/markup-compatibility/2006">
     <mc:Choice xmlns:p159="http://schemas.microsoft.com/office/powerpoint/2015/09/main" Requires="p159">
